--- a/팀플제안서ppt.pptx
+++ b/팀플제안서ppt.pptx
@@ -4,14 +4,19 @@
   <p:sldMasterIdLst>
     <p:sldMasterId id="2147483736" r:id="rId1"/>
   </p:sldMasterIdLst>
+  <p:notesMasterIdLst>
+    <p:notesMasterId r:id="rId11"/>
+  </p:notesMasterIdLst>
   <p:sldIdLst>
-    <p:sldId id="256" r:id="rId2"/>
-    <p:sldId id="259" r:id="rId3"/>
-    <p:sldId id="258" r:id="rId4"/>
-    <p:sldId id="260" r:id="rId5"/>
-    <p:sldId id="261" r:id="rId6"/>
-    <p:sldId id="262" r:id="rId7"/>
-    <p:sldId id="263" r:id="rId8"/>
+    <p:sldId id="259" r:id="rId2"/>
+    <p:sldId id="260" r:id="rId3"/>
+    <p:sldId id="261" r:id="rId4"/>
+    <p:sldId id="264" r:id="rId5"/>
+    <p:sldId id="266" r:id="rId6"/>
+    <p:sldId id="267" r:id="rId7"/>
+    <p:sldId id="268" r:id="rId8"/>
+    <p:sldId id="269" r:id="rId9"/>
+    <p:sldId id="270" r:id="rId10"/>
   </p:sldIdLst>
   <p:sldSz cx="12192000" cy="6858000"/>
   <p:notesSz cx="6858000" cy="9144000"/>
@@ -116,6 +121,825 @@
     </p:ext>
   </p:extLst>
 </p:presentation>
+</file>
+
+<file path=ppt/notesMasters/notesMaster1.xml><?xml version="1.0" encoding="utf-8"?>
+<p:notesMaster xmlns:a="http://schemas.openxmlformats.org/drawingml/2006/main" xmlns:r="http://schemas.openxmlformats.org/officeDocument/2006/relationships" xmlns:p="http://schemas.openxmlformats.org/presentationml/2006/main">
+  <p:cSld>
+    <p:bg>
+      <p:bgRef idx="1001">
+        <a:schemeClr val="bg1"/>
+      </p:bgRef>
+    </p:bg>
+    <p:spTree>
+      <p:nvGrpSpPr>
+        <p:cNvPr id="1" name=""/>
+        <p:cNvGrpSpPr/>
+        <p:nvPr/>
+      </p:nvGrpSpPr>
+      <p:grpSpPr>
+        <a:xfrm>
+          <a:off x="0" y="0"/>
+          <a:ext cx="0" cy="0"/>
+          <a:chOff x="0" y="0"/>
+          <a:chExt cx="0" cy="0"/>
+        </a:xfrm>
+      </p:grpSpPr>
+      <p:sp>
+        <p:nvSpPr>
+          <p:cNvPr id="2" name="머리글 개체 틀 1"/>
+          <p:cNvSpPr>
+            <a:spLocks noGrp="1"/>
+          </p:cNvSpPr>
+          <p:nvPr>
+            <p:ph type="hdr" sz="quarter"/>
+          </p:nvPr>
+        </p:nvSpPr>
+        <p:spPr>
+          <a:xfrm>
+            <a:off x="0" y="0"/>
+            <a:ext cx="2971800" cy="458788"/>
+          </a:xfrm>
+          <a:prstGeom prst="rect">
+            <a:avLst/>
+          </a:prstGeom>
+        </p:spPr>
+        <p:txBody>
+          <a:bodyPr vert="horz" lIns="91440" tIns="45720" rIns="91440" bIns="45720" rtlCol="0"/>
+          <a:lstStyle>
+            <a:lvl1pPr algn="l">
+              <a:defRPr sz="1200"/>
+            </a:lvl1pPr>
+          </a:lstStyle>
+          <a:p>
+            <a:endParaRPr lang="ko-KR" altLang="en-US"/>
+          </a:p>
+        </p:txBody>
+      </p:sp>
+      <p:sp>
+        <p:nvSpPr>
+          <p:cNvPr id="3" name="날짜 개체 틀 2"/>
+          <p:cNvSpPr>
+            <a:spLocks noGrp="1"/>
+          </p:cNvSpPr>
+          <p:nvPr>
+            <p:ph type="dt" idx="1"/>
+          </p:nvPr>
+        </p:nvSpPr>
+        <p:spPr>
+          <a:xfrm>
+            <a:off x="3884613" y="0"/>
+            <a:ext cx="2971800" cy="458788"/>
+          </a:xfrm>
+          <a:prstGeom prst="rect">
+            <a:avLst/>
+          </a:prstGeom>
+        </p:spPr>
+        <p:txBody>
+          <a:bodyPr vert="horz" lIns="91440" tIns="45720" rIns="91440" bIns="45720" rtlCol="0"/>
+          <a:lstStyle>
+            <a:lvl1pPr algn="r">
+              <a:defRPr sz="1200"/>
+            </a:lvl1pPr>
+          </a:lstStyle>
+          <a:p>
+            <a:fld id="{F7C1D390-D64C-4778-80E1-024A2E90A798}" type="datetimeFigureOut">
+              <a:rPr lang="ko-KR" altLang="en-US" smtClean="0"/>
+              <a:t>2021-03-31</a:t>
+            </a:fld>
+            <a:endParaRPr lang="ko-KR" altLang="en-US"/>
+          </a:p>
+        </p:txBody>
+      </p:sp>
+      <p:sp>
+        <p:nvSpPr>
+          <p:cNvPr id="4" name="슬라이드 이미지 개체 틀 3"/>
+          <p:cNvSpPr>
+            <a:spLocks noGrp="1" noRot="1" noChangeAspect="1"/>
+          </p:cNvSpPr>
+          <p:nvPr>
+            <p:ph type="sldImg" idx="2"/>
+          </p:nvPr>
+        </p:nvSpPr>
+        <p:spPr>
+          <a:xfrm>
+            <a:off x="685800" y="1143000"/>
+            <a:ext cx="5486400" cy="3086100"/>
+          </a:xfrm>
+          <a:prstGeom prst="rect">
+            <a:avLst/>
+          </a:prstGeom>
+          <a:noFill/>
+          <a:ln w="12700">
+            <a:solidFill>
+              <a:prstClr val="black"/>
+            </a:solidFill>
+          </a:ln>
+        </p:spPr>
+        <p:txBody>
+          <a:bodyPr vert="horz" lIns="91440" tIns="45720" rIns="91440" bIns="45720" rtlCol="0" anchor="ctr"/>
+          <a:lstStyle/>
+          <a:p>
+            <a:endParaRPr lang="ko-KR" altLang="en-US"/>
+          </a:p>
+        </p:txBody>
+      </p:sp>
+      <p:sp>
+        <p:nvSpPr>
+          <p:cNvPr id="5" name="슬라이드 노트 개체 틀 4"/>
+          <p:cNvSpPr>
+            <a:spLocks noGrp="1"/>
+          </p:cNvSpPr>
+          <p:nvPr>
+            <p:ph type="body" sz="quarter" idx="3"/>
+          </p:nvPr>
+        </p:nvSpPr>
+        <p:spPr>
+          <a:xfrm>
+            <a:off x="685800" y="4400550"/>
+            <a:ext cx="5486400" cy="3600450"/>
+          </a:xfrm>
+          <a:prstGeom prst="rect">
+            <a:avLst/>
+          </a:prstGeom>
+        </p:spPr>
+        <p:txBody>
+          <a:bodyPr vert="horz" lIns="91440" tIns="45720" rIns="91440" bIns="45720" rtlCol="0"/>
+          <a:lstStyle/>
+          <a:p>
+            <a:pPr lvl="0"/>
+            <a:r>
+              <a:rPr lang="ko-KR" altLang="en-US"/>
+              <a:t>마스터 텍스트 스타일 편집</a:t>
+            </a:r>
+          </a:p>
+          <a:p>
+            <a:pPr lvl="1"/>
+            <a:r>
+              <a:rPr lang="ko-KR" altLang="en-US"/>
+              <a:t>둘째 수준</a:t>
+            </a:r>
+          </a:p>
+          <a:p>
+            <a:pPr lvl="2"/>
+            <a:r>
+              <a:rPr lang="ko-KR" altLang="en-US"/>
+              <a:t>셋째 수준</a:t>
+            </a:r>
+          </a:p>
+          <a:p>
+            <a:pPr lvl="3"/>
+            <a:r>
+              <a:rPr lang="ko-KR" altLang="en-US"/>
+              <a:t>넷째 수준</a:t>
+            </a:r>
+          </a:p>
+          <a:p>
+            <a:pPr lvl="4"/>
+            <a:r>
+              <a:rPr lang="ko-KR" altLang="en-US"/>
+              <a:t>다섯째 수준</a:t>
+            </a:r>
+          </a:p>
+        </p:txBody>
+      </p:sp>
+      <p:sp>
+        <p:nvSpPr>
+          <p:cNvPr id="6" name="바닥글 개체 틀 5"/>
+          <p:cNvSpPr>
+            <a:spLocks noGrp="1"/>
+          </p:cNvSpPr>
+          <p:nvPr>
+            <p:ph type="ftr" sz="quarter" idx="4"/>
+          </p:nvPr>
+        </p:nvSpPr>
+        <p:spPr>
+          <a:xfrm>
+            <a:off x="0" y="8685213"/>
+            <a:ext cx="2971800" cy="458787"/>
+          </a:xfrm>
+          <a:prstGeom prst="rect">
+            <a:avLst/>
+          </a:prstGeom>
+        </p:spPr>
+        <p:txBody>
+          <a:bodyPr vert="horz" lIns="91440" tIns="45720" rIns="91440" bIns="45720" rtlCol="0" anchor="b"/>
+          <a:lstStyle>
+            <a:lvl1pPr algn="l">
+              <a:defRPr sz="1200"/>
+            </a:lvl1pPr>
+          </a:lstStyle>
+          <a:p>
+            <a:endParaRPr lang="ko-KR" altLang="en-US"/>
+          </a:p>
+        </p:txBody>
+      </p:sp>
+      <p:sp>
+        <p:nvSpPr>
+          <p:cNvPr id="7" name="슬라이드 번호 개체 틀 6"/>
+          <p:cNvSpPr>
+            <a:spLocks noGrp="1"/>
+          </p:cNvSpPr>
+          <p:nvPr>
+            <p:ph type="sldNum" sz="quarter" idx="5"/>
+          </p:nvPr>
+        </p:nvSpPr>
+        <p:spPr>
+          <a:xfrm>
+            <a:off x="3884613" y="8685213"/>
+            <a:ext cx="2971800" cy="458787"/>
+          </a:xfrm>
+          <a:prstGeom prst="rect">
+            <a:avLst/>
+          </a:prstGeom>
+        </p:spPr>
+        <p:txBody>
+          <a:bodyPr vert="horz" lIns="91440" tIns="45720" rIns="91440" bIns="45720" rtlCol="0" anchor="b"/>
+          <a:lstStyle>
+            <a:lvl1pPr algn="r">
+              <a:defRPr sz="1200"/>
+            </a:lvl1pPr>
+          </a:lstStyle>
+          <a:p>
+            <a:fld id="{57F706FF-9F07-4697-B45F-67BE92F8979D}" type="slidenum">
+              <a:rPr lang="ko-KR" altLang="en-US" smtClean="0"/>
+              <a:t>‹#›</a:t>
+            </a:fld>
+            <a:endParaRPr lang="ko-KR" altLang="en-US"/>
+          </a:p>
+        </p:txBody>
+      </p:sp>
+    </p:spTree>
+    <p:extLst>
+      <p:ext uri="{BB962C8B-B14F-4D97-AF65-F5344CB8AC3E}">
+        <p14:creationId xmlns:p14="http://schemas.microsoft.com/office/powerpoint/2010/main" val="3079912047"/>
+      </p:ext>
+    </p:extLst>
+  </p:cSld>
+  <p:clrMap bg1="lt1" tx1="dk1" bg2="lt2" tx2="dk2" accent1="accent1" accent2="accent2" accent3="accent3" accent4="accent4" accent5="accent5" accent6="accent6" hlink="hlink" folHlink="folHlink"/>
+  <p:notesStyle>
+    <a:lvl1pPr marL="0" algn="l" defTabSz="914400" rtl="0" eaLnBrk="1" latinLnBrk="1" hangingPunct="1">
+      <a:defRPr sz="1200" kern="1200">
+        <a:solidFill>
+          <a:schemeClr val="tx1"/>
+        </a:solidFill>
+        <a:latin typeface="+mn-lt"/>
+        <a:ea typeface="+mn-ea"/>
+        <a:cs typeface="+mn-cs"/>
+      </a:defRPr>
+    </a:lvl1pPr>
+    <a:lvl2pPr marL="457200" algn="l" defTabSz="914400" rtl="0" eaLnBrk="1" latinLnBrk="1" hangingPunct="1">
+      <a:defRPr sz="1200" kern="1200">
+        <a:solidFill>
+          <a:schemeClr val="tx1"/>
+        </a:solidFill>
+        <a:latin typeface="+mn-lt"/>
+        <a:ea typeface="+mn-ea"/>
+        <a:cs typeface="+mn-cs"/>
+      </a:defRPr>
+    </a:lvl2pPr>
+    <a:lvl3pPr marL="914400" algn="l" defTabSz="914400" rtl="0" eaLnBrk="1" latinLnBrk="1" hangingPunct="1">
+      <a:defRPr sz="1200" kern="1200">
+        <a:solidFill>
+          <a:schemeClr val="tx1"/>
+        </a:solidFill>
+        <a:latin typeface="+mn-lt"/>
+        <a:ea typeface="+mn-ea"/>
+        <a:cs typeface="+mn-cs"/>
+      </a:defRPr>
+    </a:lvl3pPr>
+    <a:lvl4pPr marL="1371600" algn="l" defTabSz="914400" rtl="0" eaLnBrk="1" latinLnBrk="1" hangingPunct="1">
+      <a:defRPr sz="1200" kern="1200">
+        <a:solidFill>
+          <a:schemeClr val="tx1"/>
+        </a:solidFill>
+        <a:latin typeface="+mn-lt"/>
+        <a:ea typeface="+mn-ea"/>
+        <a:cs typeface="+mn-cs"/>
+      </a:defRPr>
+    </a:lvl4pPr>
+    <a:lvl5pPr marL="1828800" algn="l" defTabSz="914400" rtl="0" eaLnBrk="1" latinLnBrk="1" hangingPunct="1">
+      <a:defRPr sz="1200" kern="1200">
+        <a:solidFill>
+          <a:schemeClr val="tx1"/>
+        </a:solidFill>
+        <a:latin typeface="+mn-lt"/>
+        <a:ea typeface="+mn-ea"/>
+        <a:cs typeface="+mn-cs"/>
+      </a:defRPr>
+    </a:lvl5pPr>
+    <a:lvl6pPr marL="2286000" algn="l" defTabSz="914400" rtl="0" eaLnBrk="1" latinLnBrk="1" hangingPunct="1">
+      <a:defRPr sz="1200" kern="1200">
+        <a:solidFill>
+          <a:schemeClr val="tx1"/>
+        </a:solidFill>
+        <a:latin typeface="+mn-lt"/>
+        <a:ea typeface="+mn-ea"/>
+        <a:cs typeface="+mn-cs"/>
+      </a:defRPr>
+    </a:lvl6pPr>
+    <a:lvl7pPr marL="2743200" algn="l" defTabSz="914400" rtl="0" eaLnBrk="1" latinLnBrk="1" hangingPunct="1">
+      <a:defRPr sz="1200" kern="1200">
+        <a:solidFill>
+          <a:schemeClr val="tx1"/>
+        </a:solidFill>
+        <a:latin typeface="+mn-lt"/>
+        <a:ea typeface="+mn-ea"/>
+        <a:cs typeface="+mn-cs"/>
+      </a:defRPr>
+    </a:lvl7pPr>
+    <a:lvl8pPr marL="3200400" algn="l" defTabSz="914400" rtl="0" eaLnBrk="1" latinLnBrk="1" hangingPunct="1">
+      <a:defRPr sz="1200" kern="1200">
+        <a:solidFill>
+          <a:schemeClr val="tx1"/>
+        </a:solidFill>
+        <a:latin typeface="+mn-lt"/>
+        <a:ea typeface="+mn-ea"/>
+        <a:cs typeface="+mn-cs"/>
+      </a:defRPr>
+    </a:lvl8pPr>
+    <a:lvl9pPr marL="3657600" algn="l" defTabSz="914400" rtl="0" eaLnBrk="1" latinLnBrk="1" hangingPunct="1">
+      <a:defRPr sz="1200" kern="1200">
+        <a:solidFill>
+          <a:schemeClr val="tx1"/>
+        </a:solidFill>
+        <a:latin typeface="+mn-lt"/>
+        <a:ea typeface="+mn-ea"/>
+        <a:cs typeface="+mn-cs"/>
+      </a:defRPr>
+    </a:lvl9pPr>
+  </p:notesStyle>
+</p:notesMaster>
+</file>
+
+<file path=ppt/notesSlides/notesSlide1.xml><?xml version="1.0" encoding="utf-8"?>
+<p:notes xmlns:a="http://schemas.openxmlformats.org/drawingml/2006/main" xmlns:r="http://schemas.openxmlformats.org/officeDocument/2006/relationships" xmlns:p="http://schemas.openxmlformats.org/presentationml/2006/main">
+  <p:cSld>
+    <p:spTree>
+      <p:nvGrpSpPr>
+        <p:cNvPr id="1" name=""/>
+        <p:cNvGrpSpPr/>
+        <p:nvPr/>
+      </p:nvGrpSpPr>
+      <p:grpSpPr>
+        <a:xfrm>
+          <a:off x="0" y="0"/>
+          <a:ext cx="0" cy="0"/>
+          <a:chOff x="0" y="0"/>
+          <a:chExt cx="0" cy="0"/>
+        </a:xfrm>
+      </p:grpSpPr>
+      <p:sp>
+        <p:nvSpPr>
+          <p:cNvPr id="2" name="슬라이드 이미지 개체 틀 1"/>
+          <p:cNvSpPr>
+            <a:spLocks noGrp="1" noRot="1" noChangeAspect="1"/>
+          </p:cNvSpPr>
+          <p:nvPr>
+            <p:ph type="sldImg"/>
+          </p:nvPr>
+        </p:nvSpPr>
+        <p:spPr/>
+      </p:sp>
+      <p:sp>
+        <p:nvSpPr>
+          <p:cNvPr id="3" name="슬라이드 노트 개체 틀 2"/>
+          <p:cNvSpPr>
+            <a:spLocks noGrp="1"/>
+          </p:cNvSpPr>
+          <p:nvPr>
+            <p:ph type="body" idx="1"/>
+          </p:nvPr>
+        </p:nvSpPr>
+        <p:spPr/>
+        <p:txBody>
+          <a:bodyPr/>
+          <a:lstStyle/>
+          <a:p>
+            <a:r>
+              <a:rPr lang="ko-KR" altLang="en-US" dirty="0"/>
+              <a:t>또한</a:t>
+            </a:r>
+            <a:r>
+              <a:rPr lang="en-US" altLang="ko-KR" dirty="0"/>
+              <a:t>, </a:t>
+            </a:r>
+            <a:r>
+              <a:rPr lang="ko-KR" altLang="en-US" dirty="0"/>
+              <a:t>성균관대학교 특성상</a:t>
+            </a:r>
+            <a:r>
+              <a:rPr lang="en-US" altLang="ko-KR" dirty="0"/>
+              <a:t>, </a:t>
+            </a:r>
+            <a:r>
+              <a:rPr lang="ko-KR" altLang="en-US" dirty="0"/>
+              <a:t>문과 </a:t>
+            </a:r>
+            <a:r>
+              <a:rPr lang="en-US" altLang="ko-KR" dirty="0"/>
+              <a:t>/ </a:t>
+            </a:r>
+            <a:r>
+              <a:rPr lang="ko-KR" altLang="en-US" dirty="0"/>
+              <a:t>이과 학생들은 서로의 캠퍼스에 대해서 잘 알 수가 없고</a:t>
+            </a:r>
+            <a:r>
+              <a:rPr lang="en-US" altLang="ko-KR" dirty="0"/>
+              <a:t>, </a:t>
+            </a:r>
+            <a:r>
+              <a:rPr lang="ko-KR" altLang="en-US" dirty="0" err="1"/>
+              <a:t>헤멜</a:t>
+            </a:r>
+            <a:r>
+              <a:rPr lang="ko-KR" altLang="en-US" dirty="0"/>
+              <a:t> 여지가 있다</a:t>
+            </a:r>
+            <a:r>
+              <a:rPr lang="en-US" altLang="ko-KR" dirty="0"/>
+              <a:t>. </a:t>
+            </a:r>
+            <a:r>
+              <a:rPr lang="ko-KR" altLang="en-US" dirty="0"/>
+              <a:t> 또한 고등학생들도 앱의 해당 기능을 사용하여</a:t>
+            </a:r>
+            <a:r>
+              <a:rPr lang="en-US" altLang="ko-KR" dirty="0"/>
+              <a:t>, </a:t>
+            </a:r>
+            <a:r>
+              <a:rPr lang="ko-KR" altLang="en-US" dirty="0"/>
+              <a:t>성균관대학교에 대해 잘 알 수 있고</a:t>
+            </a:r>
+            <a:r>
+              <a:rPr lang="en-US" altLang="ko-KR" dirty="0"/>
+              <a:t>, </a:t>
+            </a:r>
+            <a:r>
+              <a:rPr lang="ko-KR" altLang="en-US" dirty="0"/>
+              <a:t>우리 학교의 친밀감과 같은 이미지에 긍정적인 영향을 줄 수 있다</a:t>
+            </a:r>
+            <a:r>
+              <a:rPr lang="en-US" altLang="ko-KR" dirty="0"/>
+              <a:t>.</a:t>
+            </a:r>
+          </a:p>
+        </p:txBody>
+      </p:sp>
+      <p:sp>
+        <p:nvSpPr>
+          <p:cNvPr id="4" name="슬라이드 번호 개체 틀 3"/>
+          <p:cNvSpPr>
+            <a:spLocks noGrp="1"/>
+          </p:cNvSpPr>
+          <p:nvPr>
+            <p:ph type="sldNum" sz="quarter" idx="5"/>
+          </p:nvPr>
+        </p:nvSpPr>
+        <p:spPr/>
+        <p:txBody>
+          <a:bodyPr/>
+          <a:lstStyle/>
+          <a:p>
+            <a:fld id="{57F706FF-9F07-4697-B45F-67BE92F8979D}" type="slidenum">
+              <a:rPr lang="ko-KR" altLang="en-US" smtClean="0"/>
+              <a:t>2</a:t>
+            </a:fld>
+            <a:endParaRPr lang="ko-KR" altLang="en-US"/>
+          </a:p>
+        </p:txBody>
+      </p:sp>
+    </p:spTree>
+    <p:extLst>
+      <p:ext uri="{BB962C8B-B14F-4D97-AF65-F5344CB8AC3E}">
+        <p14:creationId xmlns:p14="http://schemas.microsoft.com/office/powerpoint/2010/main" val="1647245685"/>
+      </p:ext>
+    </p:extLst>
+  </p:cSld>
+  <p:clrMapOvr>
+    <a:masterClrMapping/>
+  </p:clrMapOvr>
+</p:notes>
+</file>
+
+<file path=ppt/notesSlides/notesSlide2.xml><?xml version="1.0" encoding="utf-8"?>
+<p:notes xmlns:a="http://schemas.openxmlformats.org/drawingml/2006/main" xmlns:r="http://schemas.openxmlformats.org/officeDocument/2006/relationships" xmlns:p="http://schemas.openxmlformats.org/presentationml/2006/main">
+  <p:cSld>
+    <p:spTree>
+      <p:nvGrpSpPr>
+        <p:cNvPr id="1" name=""/>
+        <p:cNvGrpSpPr/>
+        <p:nvPr/>
+      </p:nvGrpSpPr>
+      <p:grpSpPr>
+        <a:xfrm>
+          <a:off x="0" y="0"/>
+          <a:ext cx="0" cy="0"/>
+          <a:chOff x="0" y="0"/>
+          <a:chExt cx="0" cy="0"/>
+        </a:xfrm>
+      </p:grpSpPr>
+      <p:sp>
+        <p:nvSpPr>
+          <p:cNvPr id="2" name="슬라이드 이미지 개체 틀 1"/>
+          <p:cNvSpPr>
+            <a:spLocks noGrp="1" noRot="1" noChangeAspect="1"/>
+          </p:cNvSpPr>
+          <p:nvPr>
+            <p:ph type="sldImg"/>
+          </p:nvPr>
+        </p:nvSpPr>
+        <p:spPr/>
+      </p:sp>
+      <p:sp>
+        <p:nvSpPr>
+          <p:cNvPr id="3" name="슬라이드 노트 개체 틀 2"/>
+          <p:cNvSpPr>
+            <a:spLocks noGrp="1"/>
+          </p:cNvSpPr>
+          <p:nvPr>
+            <p:ph type="body" idx="1"/>
+          </p:nvPr>
+        </p:nvSpPr>
+        <p:spPr/>
+        <p:txBody>
+          <a:bodyPr/>
+          <a:lstStyle/>
+          <a:p>
+            <a:r>
+              <a:rPr lang="ko-KR" altLang="en-US" dirty="0"/>
+              <a:t>서비스 정리</a:t>
+            </a:r>
+            <a:endParaRPr lang="en-US" altLang="ko-KR" dirty="0"/>
+          </a:p>
+          <a:p>
+            <a:r>
+              <a:rPr lang="en-US" altLang="ko-KR"/>
+              <a:t>1 . </a:t>
+            </a:r>
+            <a:endParaRPr lang="ko-KR" altLang="en-US"/>
+          </a:p>
+        </p:txBody>
+      </p:sp>
+      <p:sp>
+        <p:nvSpPr>
+          <p:cNvPr id="4" name="슬라이드 번호 개체 틀 3"/>
+          <p:cNvSpPr>
+            <a:spLocks noGrp="1"/>
+          </p:cNvSpPr>
+          <p:nvPr>
+            <p:ph type="sldNum" sz="quarter" idx="5"/>
+          </p:nvPr>
+        </p:nvSpPr>
+        <p:spPr/>
+        <p:txBody>
+          <a:bodyPr/>
+          <a:lstStyle/>
+          <a:p>
+            <a:fld id="{57F706FF-9F07-4697-B45F-67BE92F8979D}" type="slidenum">
+              <a:rPr lang="ko-KR" altLang="en-US" smtClean="0"/>
+              <a:t>6</a:t>
+            </a:fld>
+            <a:endParaRPr lang="ko-KR" altLang="en-US"/>
+          </a:p>
+        </p:txBody>
+      </p:sp>
+    </p:spTree>
+    <p:extLst>
+      <p:ext uri="{BB962C8B-B14F-4D97-AF65-F5344CB8AC3E}">
+        <p14:creationId xmlns:p14="http://schemas.microsoft.com/office/powerpoint/2010/main" val="1300726906"/>
+      </p:ext>
+    </p:extLst>
+  </p:cSld>
+  <p:clrMapOvr>
+    <a:masterClrMapping/>
+  </p:clrMapOvr>
+</p:notes>
+</file>
+
+<file path=ppt/notesSlides/notesSlide3.xml><?xml version="1.0" encoding="utf-8"?>
+<p:notes xmlns:a="http://schemas.openxmlformats.org/drawingml/2006/main" xmlns:r="http://schemas.openxmlformats.org/officeDocument/2006/relationships" xmlns:p="http://schemas.openxmlformats.org/presentationml/2006/main">
+  <p:cSld>
+    <p:spTree>
+      <p:nvGrpSpPr>
+        <p:cNvPr id="1" name=""/>
+        <p:cNvGrpSpPr/>
+        <p:nvPr/>
+      </p:nvGrpSpPr>
+      <p:grpSpPr>
+        <a:xfrm>
+          <a:off x="0" y="0"/>
+          <a:ext cx="0" cy="0"/>
+          <a:chOff x="0" y="0"/>
+          <a:chExt cx="0" cy="0"/>
+        </a:xfrm>
+      </p:grpSpPr>
+      <p:sp>
+        <p:nvSpPr>
+          <p:cNvPr id="2" name="슬라이드 이미지 개체 틀 1"/>
+          <p:cNvSpPr>
+            <a:spLocks noGrp="1" noRot="1" noChangeAspect="1"/>
+          </p:cNvSpPr>
+          <p:nvPr>
+            <p:ph type="sldImg"/>
+          </p:nvPr>
+        </p:nvSpPr>
+        <p:spPr/>
+      </p:sp>
+      <p:sp>
+        <p:nvSpPr>
+          <p:cNvPr id="3" name="슬라이드 노트 개체 틀 2"/>
+          <p:cNvSpPr>
+            <a:spLocks noGrp="1"/>
+          </p:cNvSpPr>
+          <p:nvPr>
+            <p:ph type="body" idx="1"/>
+          </p:nvPr>
+        </p:nvSpPr>
+        <p:spPr/>
+        <p:txBody>
+          <a:bodyPr/>
+          <a:lstStyle/>
+          <a:p>
+            <a:endParaRPr lang="ko-KR" altLang="en-US" dirty="0"/>
+          </a:p>
+        </p:txBody>
+      </p:sp>
+      <p:sp>
+        <p:nvSpPr>
+          <p:cNvPr id="4" name="슬라이드 번호 개체 틀 3"/>
+          <p:cNvSpPr>
+            <a:spLocks noGrp="1"/>
+          </p:cNvSpPr>
+          <p:nvPr>
+            <p:ph type="sldNum" sz="quarter" idx="5"/>
+          </p:nvPr>
+        </p:nvSpPr>
+        <p:spPr/>
+        <p:txBody>
+          <a:bodyPr/>
+          <a:lstStyle/>
+          <a:p>
+            <a:fld id="{57F706FF-9F07-4697-B45F-67BE92F8979D}" type="slidenum">
+              <a:rPr lang="ko-KR" altLang="en-US" smtClean="0"/>
+              <a:t>8</a:t>
+            </a:fld>
+            <a:endParaRPr lang="ko-KR" altLang="en-US"/>
+          </a:p>
+        </p:txBody>
+      </p:sp>
+    </p:spTree>
+    <p:extLst>
+      <p:ext uri="{BB962C8B-B14F-4D97-AF65-F5344CB8AC3E}">
+        <p14:creationId xmlns:p14="http://schemas.microsoft.com/office/powerpoint/2010/main" val="1748998499"/>
+      </p:ext>
+    </p:extLst>
+  </p:cSld>
+  <p:clrMapOvr>
+    <a:masterClrMapping/>
+  </p:clrMapOvr>
+</p:notes>
+</file>
+
+<file path=ppt/notesSlides/notesSlide4.xml><?xml version="1.0" encoding="utf-8"?>
+<p:notes xmlns:a="http://schemas.openxmlformats.org/drawingml/2006/main" xmlns:r="http://schemas.openxmlformats.org/officeDocument/2006/relationships" xmlns:p="http://schemas.openxmlformats.org/presentationml/2006/main">
+  <p:cSld>
+    <p:spTree>
+      <p:nvGrpSpPr>
+        <p:cNvPr id="1" name=""/>
+        <p:cNvGrpSpPr/>
+        <p:nvPr/>
+      </p:nvGrpSpPr>
+      <p:grpSpPr>
+        <a:xfrm>
+          <a:off x="0" y="0"/>
+          <a:ext cx="0" cy="0"/>
+          <a:chOff x="0" y="0"/>
+          <a:chExt cx="0" cy="0"/>
+        </a:xfrm>
+      </p:grpSpPr>
+      <p:sp>
+        <p:nvSpPr>
+          <p:cNvPr id="2" name="슬라이드 이미지 개체 틀 1"/>
+          <p:cNvSpPr>
+            <a:spLocks noGrp="1" noRot="1" noChangeAspect="1"/>
+          </p:cNvSpPr>
+          <p:nvPr>
+            <p:ph type="sldImg"/>
+          </p:nvPr>
+        </p:nvSpPr>
+        <p:spPr/>
+      </p:sp>
+      <p:sp>
+        <p:nvSpPr>
+          <p:cNvPr id="3" name="슬라이드 노트 개체 틀 2"/>
+          <p:cNvSpPr>
+            <a:spLocks noGrp="1"/>
+          </p:cNvSpPr>
+          <p:nvPr>
+            <p:ph type="body" idx="1"/>
+          </p:nvPr>
+        </p:nvSpPr>
+        <p:spPr/>
+        <p:txBody>
+          <a:bodyPr/>
+          <a:lstStyle/>
+          <a:p>
+            <a:r>
+              <a:rPr lang="en-US" altLang="ko-KR" dirty="0" err="1"/>
+              <a:t>Github</a:t>
+            </a:r>
+            <a:r>
+              <a:rPr lang="en-US" altLang="ko-KR" dirty="0"/>
+              <a:t> </a:t>
+            </a:r>
+          </a:p>
+          <a:p>
+            <a:r>
+              <a:rPr lang="en-US" altLang="ko-KR" dirty="0"/>
+              <a:t>Jenkins – CI/CD tool</a:t>
+            </a:r>
+          </a:p>
+          <a:p>
+            <a:r>
+              <a:rPr lang="en-US" altLang="ko-KR" dirty="0"/>
+              <a:t>Docker </a:t>
+            </a:r>
+          </a:p>
+          <a:p>
+            <a:r>
+              <a:rPr lang="en-US" altLang="ko-KR" dirty="0"/>
+              <a:t>AWS</a:t>
+            </a:r>
+          </a:p>
+          <a:p>
+            <a:endParaRPr lang="en-US" altLang="ko-KR" dirty="0"/>
+          </a:p>
+          <a:p>
+            <a:r>
+              <a:rPr lang="en-US" altLang="ko-KR" dirty="0"/>
+              <a:t>Firebase(</a:t>
+            </a:r>
+            <a:r>
+              <a:rPr lang="ko-KR" altLang="en-US" dirty="0"/>
+              <a:t>서비스 초기</a:t>
+            </a:r>
+            <a:r>
+              <a:rPr lang="en-US" altLang="ko-KR" dirty="0"/>
+              <a:t>)</a:t>
+            </a:r>
+          </a:p>
+          <a:p>
+            <a:r>
+              <a:rPr lang="en-US" altLang="ko-KR" dirty="0"/>
+              <a:t>Flutter (</a:t>
+            </a:r>
+            <a:r>
+              <a:rPr lang="ko-KR" altLang="en-US" dirty="0"/>
+              <a:t>크로스플랫폼 언어</a:t>
+            </a:r>
+            <a:r>
+              <a:rPr lang="en-US" altLang="ko-KR" dirty="0"/>
+              <a:t>)</a:t>
+            </a:r>
+          </a:p>
+        </p:txBody>
+      </p:sp>
+      <p:sp>
+        <p:nvSpPr>
+          <p:cNvPr id="4" name="슬라이드 번호 개체 틀 3"/>
+          <p:cNvSpPr>
+            <a:spLocks noGrp="1"/>
+          </p:cNvSpPr>
+          <p:nvPr>
+            <p:ph type="sldNum" sz="quarter" idx="5"/>
+          </p:nvPr>
+        </p:nvSpPr>
+        <p:spPr/>
+        <p:txBody>
+          <a:bodyPr/>
+          <a:lstStyle/>
+          <a:p>
+            <a:fld id="{57F706FF-9F07-4697-B45F-67BE92F8979D}" type="slidenum">
+              <a:rPr lang="ko-KR" altLang="en-US" smtClean="0"/>
+              <a:t>9</a:t>
+            </a:fld>
+            <a:endParaRPr lang="ko-KR" altLang="en-US"/>
+          </a:p>
+        </p:txBody>
+      </p:sp>
+    </p:spTree>
+    <p:extLst>
+      <p:ext uri="{BB962C8B-B14F-4D97-AF65-F5344CB8AC3E}">
+        <p14:creationId xmlns:p14="http://schemas.microsoft.com/office/powerpoint/2010/main" val="3146430224"/>
+      </p:ext>
+    </p:extLst>
+  </p:cSld>
+  <p:clrMapOvr>
+    <a:masterClrMapping/>
+  </p:clrMapOvr>
+</p:notes>
 </file>
 
 <file path=ppt/slideLayouts/slideLayout1.xml><?xml version="1.0" encoding="utf-8"?>
@@ -2463,7 +3287,7 @@
           <a:p>
             <a:fld id="{3C04E684-10F4-4CC3-A0B9-F03AA7BE37CF}" type="datetimeFigureOut">
               <a:rPr lang="en-US" smtClean="0"/>
-              <a:t>3/30/2021</a:t>
+              <a:t>3/31/2021</a:t>
             </a:fld>
             <a:endParaRPr lang="en-US"/>
           </a:p>
@@ -4953,7 +5777,7 @@
           <a:p>
             <a:fld id="{3C04E684-10F4-4CC3-A0B9-F03AA7BE37CF}" type="datetimeFigureOut">
               <a:rPr lang="en-US" smtClean="0"/>
-              <a:t>3/30/2021</a:t>
+              <a:t>3/31/2021</a:t>
             </a:fld>
             <a:endParaRPr lang="en-US"/>
           </a:p>
@@ -5151,7 +5975,7 @@
           <a:p>
             <a:fld id="{3C04E684-10F4-4CC3-A0B9-F03AA7BE37CF}" type="datetimeFigureOut">
               <a:rPr lang="en-US" smtClean="0"/>
-              <a:t>3/30/2021</a:t>
+              <a:t>3/31/2021</a:t>
             </a:fld>
             <a:endParaRPr lang="en-US"/>
           </a:p>
@@ -5359,7 +6183,7 @@
           <a:p>
             <a:fld id="{3C04E684-10F4-4CC3-A0B9-F03AA7BE37CF}" type="datetimeFigureOut">
               <a:rPr lang="en-US" smtClean="0"/>
-              <a:t>3/30/2021</a:t>
+              <a:t>3/31/2021</a:t>
             </a:fld>
             <a:endParaRPr lang="en-US"/>
           </a:p>
@@ -6096,7 +6920,7 @@
           <a:p>
             <a:fld id="{3C04E684-10F4-4CC3-A0B9-F03AA7BE37CF}" type="datetimeFigureOut">
               <a:rPr lang="en-US" smtClean="0"/>
-              <a:t>3/30/2021</a:t>
+              <a:t>3/31/2021</a:t>
             </a:fld>
             <a:endParaRPr lang="en-US"/>
           </a:p>
@@ -6738,7 +7562,7 @@
           <a:p>
             <a:fld id="{3C04E684-10F4-4CC3-A0B9-F03AA7BE37CF}" type="datetimeFigureOut">
               <a:rPr lang="en-US" smtClean="0"/>
-              <a:t>3/30/2021</a:t>
+              <a:t>3/31/2021</a:t>
             </a:fld>
             <a:endParaRPr lang="en-US"/>
           </a:p>
@@ -7538,7 +8362,7 @@
           <a:p>
             <a:fld id="{3C04E684-10F4-4CC3-A0B9-F03AA7BE37CF}" type="datetimeFigureOut">
               <a:rPr lang="en-US" smtClean="0"/>
-              <a:t>3/30/2021</a:t>
+              <a:t>3/31/2021</a:t>
             </a:fld>
             <a:endParaRPr lang="en-US"/>
           </a:p>
@@ -8489,7 +9313,7 @@
           <a:p>
             <a:fld id="{3C04E684-10F4-4CC3-A0B9-F03AA7BE37CF}" type="datetimeFigureOut">
               <a:rPr lang="en-US" smtClean="0"/>
-              <a:t>3/30/2021</a:t>
+              <a:t>3/31/2021</a:t>
             </a:fld>
             <a:endParaRPr lang="en-US"/>
           </a:p>
@@ -10838,7 +11662,7 @@
           <a:p>
             <a:fld id="{3C04E684-10F4-4CC3-A0B9-F03AA7BE37CF}" type="datetimeFigureOut">
               <a:rPr lang="en-US" smtClean="0"/>
-              <a:t>3/30/2021</a:t>
+              <a:t>3/31/2021</a:t>
             </a:fld>
             <a:endParaRPr lang="en-US"/>
           </a:p>
@@ -10951,7 +11775,7 @@
           <a:p>
             <a:fld id="{3C04E684-10F4-4CC3-A0B9-F03AA7BE37CF}" type="datetimeFigureOut">
               <a:rPr lang="en-US" smtClean="0"/>
-              <a:t>3/30/2021</a:t>
+              <a:t>3/31/2021</a:t>
             </a:fld>
             <a:endParaRPr lang="en-US"/>
           </a:p>
@@ -11458,7 +12282,7 @@
           <a:p>
             <a:fld id="{3C04E684-10F4-4CC3-A0B9-F03AA7BE37CF}" type="datetimeFigureOut">
               <a:rPr lang="en-US" smtClean="0"/>
-              <a:t>3/30/2021</a:t>
+              <a:t>3/31/2021</a:t>
             </a:fld>
             <a:endParaRPr lang="en-US"/>
           </a:p>
@@ -12761,7 +13585,7 @@
           <a:p>
             <a:fld id="{3C04E684-10F4-4CC3-A0B9-F03AA7BE37CF}" type="datetimeFigureOut">
               <a:rPr lang="en-US" smtClean="0"/>
-              <a:t>3/30/2021</a:t>
+              <a:t>3/31/2021</a:t>
             </a:fld>
             <a:endParaRPr lang="en-US"/>
           </a:p>
@@ -13004,7 +13828,7 @@
           <a:p>
             <a:fld id="{3C04E684-10F4-4CC3-A0B9-F03AA7BE37CF}" type="datetimeFigureOut">
               <a:rPr lang="en-US" smtClean="0"/>
-              <a:t>3/30/2021</a:t>
+              <a:t>3/31/2021</a:t>
             </a:fld>
             <a:endParaRPr lang="en-US"/>
           </a:p>
@@ -13408,709 +14232,6 @@
 <file path=ppt/slides/slide1.xml><?xml version="1.0" encoding="utf-8"?>
 <p:sld xmlns:a="http://schemas.openxmlformats.org/drawingml/2006/main" xmlns:r="http://schemas.openxmlformats.org/officeDocument/2006/relationships" xmlns:p="http://schemas.openxmlformats.org/presentationml/2006/main">
   <p:cSld>
-    <p:bg>
-      <p:bgPr>
-        <a:solidFill>
-          <a:schemeClr val="bg1"/>
-        </a:solidFill>
-        <a:effectLst/>
-      </p:bgPr>
-    </p:bg>
-    <p:spTree>
-      <p:nvGrpSpPr>
-        <p:cNvPr id="1" name=""/>
-        <p:cNvGrpSpPr/>
-        <p:nvPr/>
-      </p:nvGrpSpPr>
-      <p:grpSpPr>
-        <a:xfrm>
-          <a:off x="0" y="0"/>
-          <a:ext cx="0" cy="0"/>
-          <a:chOff x="0" y="0"/>
-          <a:chExt cx="0" cy="0"/>
-        </a:xfrm>
-      </p:grpSpPr>
-      <p:sp useBgFill="1">
-        <p:nvSpPr>
-          <p:cNvPr id="21" name="Rectangle 8">
-            <a:extLst>
-              <a:ext uri="{FF2B5EF4-FFF2-40B4-BE49-F238E27FC236}">
-                <a16:creationId xmlns:a16="http://schemas.microsoft.com/office/drawing/2014/main" id="{8F187B58-3857-4454-9C70-EFB475976F73}"/>
-              </a:ext>
-              <a:ext uri="{C183D7F6-B498-43B3-948B-1728B52AA6E4}">
-                <adec:decorative xmlns:adec="http://schemas.microsoft.com/office/drawing/2017/decorative" val="1"/>
-              </a:ext>
-            </a:extLst>
-          </p:cNvPr>
-          <p:cNvSpPr>
-            <a:spLocks noGrp="1" noRot="1" noChangeAspect="1" noMove="1" noResize="1" noEditPoints="1" noAdjustHandles="1" noChangeArrowheads="1" noChangeShapeType="1" noTextEdit="1"/>
-          </p:cNvSpPr>
-          <p:nvPr>
-            <p:extLst>
-              <p:ext uri="{386F3935-93C4-4BCD-93E2-E3B085C9AB24}">
-                <p16:designElem xmlns:p16="http://schemas.microsoft.com/office/powerpoint/2015/main" val="1"/>
-              </p:ext>
-            </p:extLst>
-          </p:nvPr>
-        </p:nvSpPr>
-        <p:spPr>
-          <a:xfrm>
-            <a:off x="0" y="0"/>
-            <a:ext cx="12188952" cy="6858000"/>
-          </a:xfrm>
-          <a:prstGeom prst="rect">
-            <a:avLst/>
-          </a:prstGeom>
-          <a:ln>
-            <a:noFill/>
-          </a:ln>
-        </p:spPr>
-        <p:style>
-          <a:lnRef idx="2">
-            <a:schemeClr val="accent1">
-              <a:shade val="50000"/>
-            </a:schemeClr>
-          </a:lnRef>
-          <a:fillRef idx="1">
-            <a:schemeClr val="accent1"/>
-          </a:fillRef>
-          <a:effectRef idx="0">
-            <a:schemeClr val="accent1"/>
-          </a:effectRef>
-          <a:fontRef idx="minor">
-            <a:schemeClr val="lt1"/>
-          </a:fontRef>
-        </p:style>
-        <p:txBody>
-          <a:bodyPr rtlCol="0" anchor="ctr"/>
-          <a:lstStyle/>
-          <a:p>
-            <a:pPr algn="ctr"/>
-            <a:endParaRPr lang="en-US"/>
-          </a:p>
-        </p:txBody>
-      </p:sp>
-      <p:pic>
-        <p:nvPicPr>
-          <p:cNvPr id="22" name="Picture 3">
-            <a:extLst>
-              <a:ext uri="{FF2B5EF4-FFF2-40B4-BE49-F238E27FC236}">
-                <a16:creationId xmlns:a16="http://schemas.microsoft.com/office/drawing/2014/main" id="{DC0DF46A-EB7E-4A68-8065-5F17FB1C8D99}"/>
-              </a:ext>
-            </a:extLst>
-          </p:cNvPr>
-          <p:cNvPicPr>
-            <a:picLocks noChangeAspect="1"/>
-          </p:cNvPicPr>
-          <p:nvPr/>
-        </p:nvPicPr>
-        <p:blipFill rotWithShape="1">
-          <a:blip r:embed="rId2"/>
-          <a:srcRect t="5125" b="16203"/>
-          <a:stretch/>
-        </p:blipFill>
-        <p:spPr>
-          <a:xfrm>
-            <a:off x="20" y="10"/>
-            <a:ext cx="12191980" cy="6857990"/>
-          </a:xfrm>
-          <a:prstGeom prst="rect">
-            <a:avLst/>
-          </a:prstGeom>
-        </p:spPr>
-      </p:pic>
-      <p:sp>
-        <p:nvSpPr>
-          <p:cNvPr id="23" name="Freeform: Shape 10">
-            <a:extLst>
-              <a:ext uri="{FF2B5EF4-FFF2-40B4-BE49-F238E27FC236}">
-                <a16:creationId xmlns:a16="http://schemas.microsoft.com/office/drawing/2014/main" id="{4C5418A4-3935-49EA-B51C-5DDCBFAA3952}"/>
-              </a:ext>
-              <a:ext uri="{C183D7F6-B498-43B3-948B-1728B52AA6E4}">
-                <adec:decorative xmlns:adec="http://schemas.microsoft.com/office/drawing/2017/decorative" val="1"/>
-              </a:ext>
-            </a:extLst>
-          </p:cNvPr>
-          <p:cNvSpPr>
-            <a:spLocks noGrp="1" noRot="1" noChangeAspect="1" noMove="1" noResize="1" noEditPoints="1" noAdjustHandles="1" noChangeArrowheads="1" noChangeShapeType="1" noTextEdit="1"/>
-          </p:cNvSpPr>
-          <p:nvPr>
-            <p:extLst>
-              <p:ext uri="{386F3935-93C4-4BCD-93E2-E3B085C9AB24}">
-                <p16:designElem xmlns:p16="http://schemas.microsoft.com/office/powerpoint/2015/main" val="1"/>
-              </p:ext>
-            </p:extLst>
-          </p:nvPr>
-        </p:nvSpPr>
-        <p:spPr>
-          <a:xfrm>
-            <a:off x="4428056" y="2813365"/>
-            <a:ext cx="7450687" cy="3406460"/>
-          </a:xfrm>
-          <a:custGeom>
-            <a:avLst/>
-            <a:gdLst>
-              <a:gd name="connsiteX0" fmla="*/ 6457914 w 7450687"/>
-              <a:gd name="connsiteY0" fmla="*/ 0 h 3406460"/>
-              <a:gd name="connsiteX1" fmla="*/ 6844288 w 7450687"/>
-              <a:gd name="connsiteY1" fmla="*/ 233492 h 3406460"/>
-              <a:gd name="connsiteX2" fmla="*/ 7386323 w 7450687"/>
-              <a:gd name="connsiteY2" fmla="*/ 717155 h 3406460"/>
-              <a:gd name="connsiteX3" fmla="*/ 7430798 w 7450687"/>
-              <a:gd name="connsiteY3" fmla="*/ 1809564 h 3406460"/>
-              <a:gd name="connsiteX4" fmla="*/ 7013848 w 7450687"/>
-              <a:gd name="connsiteY4" fmla="*/ 3104890 h 3406460"/>
-              <a:gd name="connsiteX5" fmla="*/ 6569101 w 7450687"/>
-              <a:gd name="connsiteY5" fmla="*/ 3402314 h 3406460"/>
-              <a:gd name="connsiteX6" fmla="*/ 3683807 w 7450687"/>
-              <a:gd name="connsiteY6" fmla="*/ 3341162 h 3406460"/>
-              <a:gd name="connsiteX7" fmla="*/ 1704683 w 7450687"/>
-              <a:gd name="connsiteY7" fmla="*/ 2860279 h 3406460"/>
-              <a:gd name="connsiteX8" fmla="*/ 2010446 w 7450687"/>
-              <a:gd name="connsiteY8" fmla="*/ 2801907 h 3406460"/>
-              <a:gd name="connsiteX9" fmla="*/ 1273834 w 7450687"/>
-              <a:gd name="connsiteY9" fmla="*/ 2674041 h 3406460"/>
-              <a:gd name="connsiteX10" fmla="*/ 1315530 w 7450687"/>
-              <a:gd name="connsiteY10" fmla="*/ 2657363 h 3406460"/>
-              <a:gd name="connsiteX11" fmla="*/ 1234919 w 7450687"/>
-              <a:gd name="connsiteY11" fmla="*/ 2590651 h 3406460"/>
-              <a:gd name="connsiteX12" fmla="*/ 904138 w 7450687"/>
-              <a:gd name="connsiteY12" fmla="*/ 2485024 h 3406460"/>
-              <a:gd name="connsiteX13" fmla="*/ 1315530 w 7450687"/>
-              <a:gd name="connsiteY13" fmla="*/ 2307126 h 3406460"/>
-              <a:gd name="connsiteX14" fmla="*/ 851326 w 7450687"/>
-              <a:gd name="connsiteY14" fmla="*/ 2065294 h 3406460"/>
-              <a:gd name="connsiteX15" fmla="*/ 615053 w 7450687"/>
-              <a:gd name="connsiteY15" fmla="*/ 2006921 h 3406460"/>
-              <a:gd name="connsiteX16" fmla="*/ 1393361 w 7450687"/>
-              <a:gd name="connsiteY16" fmla="*/ 1703937 h 3406460"/>
-              <a:gd name="connsiteX17" fmla="*/ 131391 w 7450687"/>
-              <a:gd name="connsiteY17" fmla="*/ 1553835 h 3406460"/>
-              <a:gd name="connsiteX18" fmla="*/ 234239 w 7450687"/>
-              <a:gd name="connsiteY18" fmla="*/ 1492682 h 3406460"/>
-              <a:gd name="connsiteX19" fmla="*/ 1018105 w 7450687"/>
-              <a:gd name="connsiteY19" fmla="*/ 1509360 h 3406460"/>
-              <a:gd name="connsiteX20" fmla="*/ 1148750 w 7450687"/>
-              <a:gd name="connsiteY20" fmla="*/ 1462106 h 3406460"/>
-              <a:gd name="connsiteX21" fmla="*/ 1018105 w 7450687"/>
-              <a:gd name="connsiteY21" fmla="*/ 1387055 h 3406460"/>
-              <a:gd name="connsiteX22" fmla="*/ 509426 w 7450687"/>
-              <a:gd name="connsiteY22" fmla="*/ 1331461 h 3406460"/>
-              <a:gd name="connsiteX23" fmla="*/ 376002 w 7450687"/>
-              <a:gd name="connsiteY23" fmla="*/ 1206376 h 3406460"/>
-              <a:gd name="connsiteX24" fmla="*/ 150849 w 7450687"/>
-              <a:gd name="connsiteY24" fmla="*/ 1061833 h 3406460"/>
-              <a:gd name="connsiteX25" fmla="*/ 306510 w 7450687"/>
-              <a:gd name="connsiteY25" fmla="*/ 942308 h 3406460"/>
-              <a:gd name="connsiteX26" fmla="*/ 53560 w 7450687"/>
-              <a:gd name="connsiteY26" fmla="*/ 764409 h 3406460"/>
-              <a:gd name="connsiteX27" fmla="*/ 125832 w 7450687"/>
-              <a:gd name="connsiteY27" fmla="*/ 530917 h 3406460"/>
-              <a:gd name="connsiteX28" fmla="*/ 551121 w 7450687"/>
-              <a:gd name="connsiteY28" fmla="*/ 475324 h 3406460"/>
-              <a:gd name="connsiteX29" fmla="*/ 1120952 w 7450687"/>
-              <a:gd name="connsiteY29" fmla="*/ 394713 h 3406460"/>
-              <a:gd name="connsiteX30" fmla="*/ 1693564 w 7450687"/>
-              <a:gd name="connsiteY30" fmla="*/ 325221 h 3406460"/>
-              <a:gd name="connsiteX31" fmla="*/ 2266175 w 7450687"/>
-              <a:gd name="connsiteY31" fmla="*/ 325221 h 3406460"/>
-              <a:gd name="connsiteX32" fmla="*/ 2430177 w 7450687"/>
-              <a:gd name="connsiteY32" fmla="*/ 330781 h 3406460"/>
-              <a:gd name="connsiteX33" fmla="*/ 2432956 w 7450687"/>
-              <a:gd name="connsiteY33" fmla="*/ 330781 h 3406460"/>
-              <a:gd name="connsiteX34" fmla="*/ 3144551 w 7450687"/>
-              <a:gd name="connsiteY34" fmla="*/ 355798 h 3406460"/>
-              <a:gd name="connsiteX35" fmla="*/ 3408619 w 7450687"/>
-              <a:gd name="connsiteY35" fmla="*/ 358577 h 3406460"/>
-              <a:gd name="connsiteX36" fmla="*/ 3981231 w 7450687"/>
-              <a:gd name="connsiteY36" fmla="*/ 361357 h 3406460"/>
-              <a:gd name="connsiteX37" fmla="*/ 4551063 w 7450687"/>
-              <a:gd name="connsiteY37" fmla="*/ 350238 h 3406460"/>
-              <a:gd name="connsiteX38" fmla="*/ 5129233 w 7450687"/>
-              <a:gd name="connsiteY38" fmla="*/ 316882 h 3406460"/>
-              <a:gd name="connsiteX39" fmla="*/ 5699065 w 7450687"/>
-              <a:gd name="connsiteY39" fmla="*/ 272407 h 3406460"/>
-              <a:gd name="connsiteX40" fmla="*/ 6063202 w 7450687"/>
-              <a:gd name="connsiteY40" fmla="*/ 172339 h 3406460"/>
-              <a:gd name="connsiteX41" fmla="*/ 6457914 w 7450687"/>
-              <a:gd name="connsiteY41" fmla="*/ 0 h 3406460"/>
-            </a:gdLst>
-            <a:ahLst/>
-            <a:cxnLst>
-              <a:cxn ang="0">
-                <a:pos x="connsiteX0" y="connsiteY0"/>
-              </a:cxn>
-              <a:cxn ang="0">
-                <a:pos x="connsiteX1" y="connsiteY1"/>
-              </a:cxn>
-              <a:cxn ang="0">
-                <a:pos x="connsiteX2" y="connsiteY2"/>
-              </a:cxn>
-              <a:cxn ang="0">
-                <a:pos x="connsiteX3" y="connsiteY3"/>
-              </a:cxn>
-              <a:cxn ang="0">
-                <a:pos x="connsiteX4" y="connsiteY4"/>
-              </a:cxn>
-              <a:cxn ang="0">
-                <a:pos x="connsiteX5" y="connsiteY5"/>
-              </a:cxn>
-              <a:cxn ang="0">
-                <a:pos x="connsiteX6" y="connsiteY6"/>
-              </a:cxn>
-              <a:cxn ang="0">
-                <a:pos x="connsiteX7" y="connsiteY7"/>
-              </a:cxn>
-              <a:cxn ang="0">
-                <a:pos x="connsiteX8" y="connsiteY8"/>
-              </a:cxn>
-              <a:cxn ang="0">
-                <a:pos x="connsiteX9" y="connsiteY9"/>
-              </a:cxn>
-              <a:cxn ang="0">
-                <a:pos x="connsiteX10" y="connsiteY10"/>
-              </a:cxn>
-              <a:cxn ang="0">
-                <a:pos x="connsiteX11" y="connsiteY11"/>
-              </a:cxn>
-              <a:cxn ang="0">
-                <a:pos x="connsiteX12" y="connsiteY12"/>
-              </a:cxn>
-              <a:cxn ang="0">
-                <a:pos x="connsiteX13" y="connsiteY13"/>
-              </a:cxn>
-              <a:cxn ang="0">
-                <a:pos x="connsiteX14" y="connsiteY14"/>
-              </a:cxn>
-              <a:cxn ang="0">
-                <a:pos x="connsiteX15" y="connsiteY15"/>
-              </a:cxn>
-              <a:cxn ang="0">
-                <a:pos x="connsiteX16" y="connsiteY16"/>
-              </a:cxn>
-              <a:cxn ang="0">
-                <a:pos x="connsiteX17" y="connsiteY17"/>
-              </a:cxn>
-              <a:cxn ang="0">
-                <a:pos x="connsiteX18" y="connsiteY18"/>
-              </a:cxn>
-              <a:cxn ang="0">
-                <a:pos x="connsiteX19" y="connsiteY19"/>
-              </a:cxn>
-              <a:cxn ang="0">
-                <a:pos x="connsiteX20" y="connsiteY20"/>
-              </a:cxn>
-              <a:cxn ang="0">
-                <a:pos x="connsiteX21" y="connsiteY21"/>
-              </a:cxn>
-              <a:cxn ang="0">
-                <a:pos x="connsiteX22" y="connsiteY22"/>
-              </a:cxn>
-              <a:cxn ang="0">
-                <a:pos x="connsiteX23" y="connsiteY23"/>
-              </a:cxn>
-              <a:cxn ang="0">
-                <a:pos x="connsiteX24" y="connsiteY24"/>
-              </a:cxn>
-              <a:cxn ang="0">
-                <a:pos x="connsiteX25" y="connsiteY25"/>
-              </a:cxn>
-              <a:cxn ang="0">
-                <a:pos x="connsiteX26" y="connsiteY26"/>
-              </a:cxn>
-              <a:cxn ang="0">
-                <a:pos x="connsiteX27" y="connsiteY27"/>
-              </a:cxn>
-              <a:cxn ang="0">
-                <a:pos x="connsiteX28" y="connsiteY28"/>
-              </a:cxn>
-              <a:cxn ang="0">
-                <a:pos x="connsiteX29" y="connsiteY29"/>
-              </a:cxn>
-              <a:cxn ang="0">
-                <a:pos x="connsiteX30" y="connsiteY30"/>
-              </a:cxn>
-              <a:cxn ang="0">
-                <a:pos x="connsiteX31" y="connsiteY31"/>
-              </a:cxn>
-              <a:cxn ang="0">
-                <a:pos x="connsiteX32" y="connsiteY32"/>
-              </a:cxn>
-              <a:cxn ang="0">
-                <a:pos x="connsiteX33" y="connsiteY33"/>
-              </a:cxn>
-              <a:cxn ang="0">
-                <a:pos x="connsiteX34" y="connsiteY34"/>
-              </a:cxn>
-              <a:cxn ang="0">
-                <a:pos x="connsiteX35" y="connsiteY35"/>
-              </a:cxn>
-              <a:cxn ang="0">
-                <a:pos x="connsiteX36" y="connsiteY36"/>
-              </a:cxn>
-              <a:cxn ang="0">
-                <a:pos x="connsiteX37" y="connsiteY37"/>
-              </a:cxn>
-              <a:cxn ang="0">
-                <a:pos x="connsiteX38" y="connsiteY38"/>
-              </a:cxn>
-              <a:cxn ang="0">
-                <a:pos x="connsiteX39" y="connsiteY39"/>
-              </a:cxn>
-              <a:cxn ang="0">
-                <a:pos x="connsiteX40" y="connsiteY40"/>
-              </a:cxn>
-              <a:cxn ang="0">
-                <a:pos x="connsiteX41" y="connsiteY41"/>
-              </a:cxn>
-            </a:cxnLst>
-            <a:rect l="l" t="t" r="r" b="b"/>
-            <a:pathLst>
-              <a:path w="7450687" h="3406460">
-                <a:moveTo>
-                  <a:pt x="6457914" y="0"/>
-                </a:moveTo>
-                <a:cubicBezTo>
-                  <a:pt x="6560763" y="125085"/>
-                  <a:pt x="6713644" y="161221"/>
-                  <a:pt x="6844288" y="233492"/>
-                </a:cubicBezTo>
-                <a:cubicBezTo>
-                  <a:pt x="6972153" y="289086"/>
-                  <a:pt x="7336289" y="611527"/>
-                  <a:pt x="7386323" y="717155"/>
-                </a:cubicBezTo>
-                <a:cubicBezTo>
-                  <a:pt x="7475273" y="900613"/>
-                  <a:pt x="7453035" y="1573293"/>
-                  <a:pt x="7430798" y="1809564"/>
-                </a:cubicBezTo>
-                <a:cubicBezTo>
-                  <a:pt x="7347408" y="2398855"/>
-                  <a:pt x="7041645" y="3077093"/>
-                  <a:pt x="7013848" y="3104890"/>
-                </a:cubicBezTo>
-                <a:cubicBezTo>
-                  <a:pt x="6924899" y="3085432"/>
-                  <a:pt x="6721983" y="3391196"/>
-                  <a:pt x="6569101" y="3402314"/>
-                </a:cubicBezTo>
-                <a:cubicBezTo>
-                  <a:pt x="6407881" y="3413434"/>
-                  <a:pt x="4039604" y="3405095"/>
-                  <a:pt x="3683807" y="3341162"/>
-                </a:cubicBezTo>
-                <a:cubicBezTo>
-                  <a:pt x="1749158" y="2988144"/>
-                  <a:pt x="1704683" y="2860279"/>
-                  <a:pt x="1704683" y="2860279"/>
-                </a:cubicBezTo>
-                <a:cubicBezTo>
-                  <a:pt x="1704683" y="2860279"/>
-                  <a:pt x="1910378" y="2835262"/>
-                  <a:pt x="2010446" y="2801907"/>
-                </a:cubicBezTo>
-                <a:cubicBezTo>
-                  <a:pt x="1865904" y="2799126"/>
-                  <a:pt x="1296072" y="2693500"/>
-                  <a:pt x="1273834" y="2674041"/>
-                </a:cubicBezTo>
-                <a:cubicBezTo>
-                  <a:pt x="1284954" y="2668482"/>
-                  <a:pt x="1301632" y="2662923"/>
-                  <a:pt x="1315530" y="2657363"/>
-                </a:cubicBezTo>
-                <a:cubicBezTo>
-                  <a:pt x="1284954" y="2640686"/>
-                  <a:pt x="1259936" y="2621228"/>
-                  <a:pt x="1234919" y="2590651"/>
-                </a:cubicBezTo>
-                <a:cubicBezTo>
-                  <a:pt x="1154309" y="2487804"/>
-                  <a:pt x="1018105" y="2523940"/>
-                  <a:pt x="904138" y="2485024"/>
-                </a:cubicBezTo>
-                <a:cubicBezTo>
-                  <a:pt x="976410" y="2268210"/>
-                  <a:pt x="1168208" y="2348820"/>
-                  <a:pt x="1315530" y="2307126"/>
-                </a:cubicBezTo>
-                <a:cubicBezTo>
-                  <a:pt x="929156" y="2179260"/>
-                  <a:pt x="1004207" y="2112548"/>
-                  <a:pt x="851326" y="2065294"/>
-                </a:cubicBezTo>
-                <a:cubicBezTo>
-                  <a:pt x="659528" y="2006921"/>
-                  <a:pt x="615053" y="2006921"/>
-                  <a:pt x="615053" y="2006921"/>
-                </a:cubicBezTo>
-                <a:cubicBezTo>
-                  <a:pt x="840206" y="1829023"/>
-                  <a:pt x="1109834" y="2020820"/>
-                  <a:pt x="1393361" y="1703937"/>
-                </a:cubicBezTo>
-                <a:cubicBezTo>
-                  <a:pt x="1120952" y="1659463"/>
-                  <a:pt x="306510" y="1637225"/>
-                  <a:pt x="131391" y="1553835"/>
-                </a:cubicBezTo>
-                <a:cubicBezTo>
-                  <a:pt x="198103" y="1584411"/>
-                  <a:pt x="203663" y="1492682"/>
-                  <a:pt x="234239" y="1492682"/>
-                </a:cubicBezTo>
-                <a:cubicBezTo>
-                  <a:pt x="492748" y="1489903"/>
-                  <a:pt x="756816" y="1542717"/>
-                  <a:pt x="1018105" y="1509360"/>
-                </a:cubicBezTo>
-                <a:cubicBezTo>
-                  <a:pt x="1065359" y="1506581"/>
-                  <a:pt x="1140411" y="1531597"/>
-                  <a:pt x="1148750" y="1462106"/>
-                </a:cubicBezTo>
-                <a:cubicBezTo>
-                  <a:pt x="1157088" y="1375936"/>
-                  <a:pt x="1059800" y="1395394"/>
-                  <a:pt x="1018105" y="1387055"/>
-                </a:cubicBezTo>
-                <a:cubicBezTo>
-                  <a:pt x="848545" y="1359258"/>
-                  <a:pt x="681766" y="1348140"/>
-                  <a:pt x="509426" y="1331461"/>
-                </a:cubicBezTo>
-                <a:cubicBezTo>
-                  <a:pt x="437155" y="1323122"/>
-                  <a:pt x="348206" y="1339800"/>
-                  <a:pt x="376002" y="1206376"/>
-                </a:cubicBezTo>
-                <a:cubicBezTo>
-                  <a:pt x="353764" y="1078512"/>
-                  <a:pt x="220341" y="1122986"/>
-                  <a:pt x="150849" y="1061833"/>
-                </a:cubicBezTo>
-                <a:cubicBezTo>
-                  <a:pt x="184205" y="989562"/>
-                  <a:pt x="278714" y="1039597"/>
-                  <a:pt x="306510" y="942308"/>
-                </a:cubicBezTo>
-                <a:cubicBezTo>
-                  <a:pt x="173086" y="972884"/>
-                  <a:pt x="186985" y="761630"/>
-                  <a:pt x="53560" y="764409"/>
-                </a:cubicBezTo>
-                <a:cubicBezTo>
-                  <a:pt x="-57626" y="639324"/>
-                  <a:pt x="22984" y="578171"/>
-                  <a:pt x="125832" y="530917"/>
-                </a:cubicBezTo>
-                <a:cubicBezTo>
-                  <a:pt x="259256" y="472544"/>
-                  <a:pt x="406578" y="486442"/>
-                  <a:pt x="551121" y="475324"/>
-                </a:cubicBezTo>
-                <a:cubicBezTo>
-                  <a:pt x="742919" y="450306"/>
-                  <a:pt x="926376" y="391934"/>
-                  <a:pt x="1120952" y="394713"/>
-                </a:cubicBezTo>
-                <a:cubicBezTo>
-                  <a:pt x="1304411" y="336340"/>
-                  <a:pt x="1507326" y="400272"/>
-                  <a:pt x="1693564" y="325221"/>
-                </a:cubicBezTo>
-                <a:cubicBezTo>
-                  <a:pt x="1882582" y="325221"/>
-                  <a:pt x="2074379" y="325221"/>
-                  <a:pt x="2266175" y="325221"/>
-                </a:cubicBezTo>
-                <a:cubicBezTo>
-                  <a:pt x="2321770" y="328001"/>
-                  <a:pt x="2374582" y="328001"/>
-                  <a:pt x="2430177" y="330781"/>
-                </a:cubicBezTo>
-                <a:cubicBezTo>
-                  <a:pt x="2430177" y="330781"/>
-                  <a:pt x="2432956" y="330781"/>
-                  <a:pt x="2432956" y="330781"/>
-                </a:cubicBezTo>
-                <a:cubicBezTo>
-                  <a:pt x="2672008" y="339120"/>
-                  <a:pt x="2908279" y="344679"/>
-                  <a:pt x="3144551" y="355798"/>
-                </a:cubicBezTo>
-                <a:cubicBezTo>
-                  <a:pt x="3233500" y="355798"/>
-                  <a:pt x="3319670" y="358577"/>
-                  <a:pt x="3408619" y="358577"/>
-                </a:cubicBezTo>
-                <a:cubicBezTo>
-                  <a:pt x="3597637" y="372475"/>
-                  <a:pt x="3789434" y="380814"/>
-                  <a:pt x="3981231" y="361357"/>
-                </a:cubicBezTo>
-                <a:cubicBezTo>
-                  <a:pt x="4173028" y="378035"/>
-                  <a:pt x="4359266" y="366917"/>
-                  <a:pt x="4551063" y="350238"/>
-                </a:cubicBezTo>
-                <a:cubicBezTo>
-                  <a:pt x="4745639" y="369696"/>
-                  <a:pt x="4937437" y="341899"/>
-                  <a:pt x="5129233" y="316882"/>
-                </a:cubicBezTo>
-                <a:cubicBezTo>
-                  <a:pt x="5321031" y="328001"/>
-                  <a:pt x="5512828" y="328001"/>
-                  <a:pt x="5699065" y="272407"/>
-                </a:cubicBezTo>
-                <a:cubicBezTo>
-                  <a:pt x="5840829" y="333560"/>
-                  <a:pt x="5910321" y="133424"/>
-                  <a:pt x="6063202" y="172339"/>
-                </a:cubicBezTo>
-                <a:cubicBezTo>
-                  <a:pt x="6216084" y="214035"/>
-                  <a:pt x="6324491" y="55593"/>
-                  <a:pt x="6457914" y="0"/>
-                </a:cubicBezTo>
-                <a:close/>
-              </a:path>
-            </a:pathLst>
-          </a:custGeom>
-          <a:solidFill>
-            <a:schemeClr val="bg1">
-              <a:alpha val="89000"/>
-            </a:schemeClr>
-          </a:solidFill>
-          <a:ln>
-            <a:noFill/>
-          </a:ln>
-        </p:spPr>
-        <p:style>
-          <a:lnRef idx="2">
-            <a:schemeClr val="accent1">
-              <a:shade val="50000"/>
-            </a:schemeClr>
-          </a:lnRef>
-          <a:fillRef idx="1">
-            <a:schemeClr val="accent1"/>
-          </a:fillRef>
-          <a:effectRef idx="0">
-            <a:schemeClr val="accent1"/>
-          </a:effectRef>
-          <a:fontRef idx="minor">
-            <a:schemeClr val="lt1"/>
-          </a:fontRef>
-        </p:style>
-        <p:txBody>
-          <a:bodyPr wrap="square" rtlCol="0" anchor="ctr">
-            <a:noAutofit/>
-          </a:bodyPr>
-          <a:lstStyle/>
-          <a:p>
-            <a:pPr algn="ctr"/>
-            <a:endParaRPr lang="en-US" dirty="0"/>
-          </a:p>
-        </p:txBody>
-      </p:sp>
-      <p:sp>
-        <p:nvSpPr>
-          <p:cNvPr id="2" name="제목 1">
-            <a:extLst>
-              <a:ext uri="{FF2B5EF4-FFF2-40B4-BE49-F238E27FC236}">
-                <a16:creationId xmlns:a16="http://schemas.microsoft.com/office/drawing/2014/main" id="{EF4957BC-0967-4D2F-8A6C-7AFC1A9442BC}"/>
-              </a:ext>
-            </a:extLst>
-          </p:cNvPr>
-          <p:cNvSpPr>
-            <a:spLocks noGrp="1"/>
-          </p:cNvSpPr>
-          <p:nvPr>
-            <p:ph type="ctrTitle"/>
-          </p:nvPr>
-        </p:nvSpPr>
-        <p:spPr>
-          <a:xfrm>
-            <a:off x="6438986" y="3547277"/>
-            <a:ext cx="4452181" cy="1341624"/>
-          </a:xfrm>
-        </p:spPr>
-        <p:txBody>
-          <a:bodyPr anchor="b">
-            <a:normAutofit/>
-          </a:bodyPr>
-          <a:lstStyle/>
-          <a:p>
-            <a:r>
-              <a:rPr lang="en-US" altLang="ko-KR" sz="3700"/>
-              <a:t>TEAM 13</a:t>
-            </a:r>
-            <a:br>
-              <a:rPr lang="en-US" altLang="ko-KR" sz="3700"/>
-            </a:br>
-            <a:endParaRPr lang="ko-KR" altLang="en-US" sz="3700"/>
-          </a:p>
-        </p:txBody>
-      </p:sp>
-      <p:sp>
-        <p:nvSpPr>
-          <p:cNvPr id="3" name="부제목 2">
-            <a:extLst>
-              <a:ext uri="{FF2B5EF4-FFF2-40B4-BE49-F238E27FC236}">
-                <a16:creationId xmlns:a16="http://schemas.microsoft.com/office/drawing/2014/main" id="{AC3C277B-985B-4DF0-ACED-846F93DED411}"/>
-              </a:ext>
-            </a:extLst>
-          </p:cNvPr>
-          <p:cNvSpPr>
-            <a:spLocks noGrp="1"/>
-          </p:cNvSpPr>
-          <p:nvPr>
-            <p:ph type="subTitle" idx="1"/>
-          </p:nvPr>
-        </p:nvSpPr>
-        <p:spPr>
-          <a:xfrm>
-            <a:off x="6565110" y="4945656"/>
-            <a:ext cx="3957144" cy="646785"/>
-          </a:xfrm>
-        </p:spPr>
-        <p:txBody>
-          <a:bodyPr>
-            <a:normAutofit/>
-          </a:bodyPr>
-          <a:lstStyle/>
-          <a:p>
-            <a:pPr>
-              <a:lnSpc>
-                <a:spcPct val="100000"/>
-              </a:lnSpc>
-            </a:pPr>
-            <a:r>
-              <a:rPr lang="en-US" altLang="ko-KR" sz="1400"/>
-              <a:t>Road map of Sungkyunkwan University.</a:t>
-            </a:r>
-            <a:endParaRPr lang="ko-KR" altLang="en-US" sz="1400"/>
-          </a:p>
-        </p:txBody>
-      </p:sp>
-    </p:spTree>
-    <p:extLst>
-      <p:ext uri="{BB962C8B-B14F-4D97-AF65-F5344CB8AC3E}">
-        <p14:creationId xmlns:p14="http://schemas.microsoft.com/office/powerpoint/2010/main" val="1132131020"/>
-      </p:ext>
-    </p:extLst>
-  </p:cSld>
-  <p:clrMapOvr>
-    <a:masterClrMapping/>
-  </p:clrMapOvr>
-</p:sld>
-</file>
-
-<file path=ppt/slides/slide2.xml><?xml version="1.0" encoding="utf-8"?>
-<p:sld xmlns:a="http://schemas.openxmlformats.org/drawingml/2006/main" xmlns:r="http://schemas.openxmlformats.org/officeDocument/2006/relationships" xmlns:p="http://schemas.openxmlformats.org/presentationml/2006/main">
-  <p:cSld>
     <p:spTree>
       <p:nvGrpSpPr>
         <p:cNvPr id="1" name=""/>
@@ -14236,6 +14357,104 @@
 </p:sld>
 </file>
 
+<file path=ppt/slides/slide2.xml><?xml version="1.0" encoding="utf-8"?>
+<p:sld xmlns:a="http://schemas.openxmlformats.org/drawingml/2006/main" xmlns:r="http://schemas.openxmlformats.org/officeDocument/2006/relationships" xmlns:p="http://schemas.openxmlformats.org/presentationml/2006/main">
+  <p:cSld>
+    <p:spTree>
+      <p:nvGrpSpPr>
+        <p:cNvPr id="1" name=""/>
+        <p:cNvGrpSpPr/>
+        <p:nvPr/>
+      </p:nvGrpSpPr>
+      <p:grpSpPr>
+        <a:xfrm>
+          <a:off x="0" y="0"/>
+          <a:ext cx="0" cy="0"/>
+          <a:chOff x="0" y="0"/>
+          <a:chExt cx="0" cy="0"/>
+        </a:xfrm>
+      </p:grpSpPr>
+      <p:sp>
+        <p:nvSpPr>
+          <p:cNvPr id="3" name="제목 2">
+            <a:extLst>
+              <a:ext uri="{FF2B5EF4-FFF2-40B4-BE49-F238E27FC236}">
+                <a16:creationId xmlns:a16="http://schemas.microsoft.com/office/drawing/2014/main" id="{21C19F7A-5B61-4C67-88A2-F3BD1D46C1A5}"/>
+              </a:ext>
+            </a:extLst>
+          </p:cNvPr>
+          <p:cNvSpPr>
+            <a:spLocks noGrp="1"/>
+          </p:cNvSpPr>
+          <p:nvPr>
+            <p:ph type="title"/>
+          </p:nvPr>
+        </p:nvSpPr>
+        <p:spPr/>
+        <p:txBody>
+          <a:bodyPr/>
+          <a:lstStyle/>
+          <a:p>
+            <a:r>
+              <a:rPr lang="en-US" altLang="ko-KR" dirty="0"/>
+              <a:t>Background</a:t>
+            </a:r>
+            <a:endParaRPr lang="ko-KR" altLang="en-US" dirty="0"/>
+          </a:p>
+        </p:txBody>
+      </p:sp>
+      <p:sp>
+        <p:nvSpPr>
+          <p:cNvPr id="4" name="내용 개체 틀 3">
+            <a:extLst>
+              <a:ext uri="{FF2B5EF4-FFF2-40B4-BE49-F238E27FC236}">
+                <a16:creationId xmlns:a16="http://schemas.microsoft.com/office/drawing/2014/main" id="{78D449EF-7F1D-4573-9D92-F8EFAF4DEA59}"/>
+              </a:ext>
+            </a:extLst>
+          </p:cNvPr>
+          <p:cNvSpPr>
+            <a:spLocks noGrp="1"/>
+          </p:cNvSpPr>
+          <p:nvPr>
+            <p:ph idx="1"/>
+          </p:nvPr>
+        </p:nvSpPr>
+        <p:spPr>
+          <a:xfrm>
+            <a:off x="838200" y="4630188"/>
+            <a:ext cx="10515600" cy="1704110"/>
+          </a:xfrm>
+        </p:spPr>
+        <p:txBody>
+          <a:bodyPr>
+            <a:noAutofit/>
+          </a:bodyPr>
+          <a:lstStyle/>
+          <a:p>
+            <a:pPr marL="0" indent="0">
+              <a:buNone/>
+            </a:pPr>
+            <a:r>
+              <a:rPr lang="en-US" altLang="ko-KR" dirty="0"/>
+              <a:t>Because of corona virus, students, professors and the others who work or study in university cannot visit school. People, especially freshmen or new students, may have difficulty locating the classroom when taking offline classes after Corona is over.</a:t>
+            </a:r>
+            <a:endParaRPr lang="ko-KR" altLang="en-US" dirty="0"/>
+          </a:p>
+        </p:txBody>
+      </p:sp>
+    </p:spTree>
+    <p:extLst>
+      <p:ext uri="{BB962C8B-B14F-4D97-AF65-F5344CB8AC3E}">
+        <p14:creationId xmlns:p14="http://schemas.microsoft.com/office/powerpoint/2010/main" val="2464178294"/>
+      </p:ext>
+    </p:extLst>
+  </p:cSld>
+  <p:clrMapOvr>
+    <a:masterClrMapping/>
+  </p:clrMapOvr>
+</p:sld>
+</file>
+
 <file path=ppt/slides/slide3.xml><?xml version="1.0" encoding="utf-8"?>
 <p:sld xmlns:a="http://schemas.openxmlformats.org/drawingml/2006/main" xmlns:r="http://schemas.openxmlformats.org/officeDocument/2006/relationships" xmlns:p="http://schemas.openxmlformats.org/presentationml/2006/main">
   <p:cSld>
@@ -14255,10 +14474,10 @@
       </p:grpSpPr>
       <p:sp>
         <p:nvSpPr>
-          <p:cNvPr id="4" name="제목 3">
+          <p:cNvPr id="3" name="제목 2">
             <a:extLst>
               <a:ext uri="{FF2B5EF4-FFF2-40B4-BE49-F238E27FC236}">
-                <a16:creationId xmlns:a16="http://schemas.microsoft.com/office/drawing/2014/main" id="{4129517D-AE40-4C3E-9741-E914C9D25EAA}"/>
+                <a16:creationId xmlns:a16="http://schemas.microsoft.com/office/drawing/2014/main" id="{21C19F7A-5B61-4C67-88A2-F3BD1D46C1A5}"/>
               </a:ext>
             </a:extLst>
           </p:cNvPr>
@@ -14269,32 +14488,25 @@
             <p:ph type="title"/>
           </p:nvPr>
         </p:nvSpPr>
-        <p:spPr>
-          <a:xfrm>
-            <a:off x="2843784" y="1572768"/>
-            <a:ext cx="6501384" cy="1856232"/>
-          </a:xfrm>
-        </p:spPr>
+        <p:spPr/>
         <p:txBody>
-          <a:bodyPr>
-            <a:normAutofit/>
-          </a:bodyPr>
+          <a:bodyPr/>
           <a:lstStyle/>
           <a:p>
             <a:r>
-              <a:rPr lang="en-US" altLang="ko-KR" sz="3200" dirty="0"/>
-              <a:t>PART 1</a:t>
+              <a:rPr lang="en-US" altLang="ko-KR" dirty="0"/>
+              <a:t>Goals &amp; Methods</a:t>
             </a:r>
-            <a:endParaRPr lang="ko-KR" altLang="en-US" sz="3200" dirty="0"/>
+            <a:endParaRPr lang="ko-KR" altLang="en-US" dirty="0"/>
           </a:p>
         </p:txBody>
       </p:sp>
       <p:sp>
         <p:nvSpPr>
-          <p:cNvPr id="5" name="직사각형 4">
+          <p:cNvPr id="6" name="순서도: 대체 처리 5">
             <a:extLst>
               <a:ext uri="{FF2B5EF4-FFF2-40B4-BE49-F238E27FC236}">
-                <a16:creationId xmlns:a16="http://schemas.microsoft.com/office/drawing/2014/main" id="{64A96073-8309-46CB-B9C8-A3195F5885BA}"/>
+                <a16:creationId xmlns:a16="http://schemas.microsoft.com/office/drawing/2014/main" id="{0856FC53-BA4B-4A3D-A523-D93D0915A94F}"/>
               </a:ext>
             </a:extLst>
           </p:cNvPr>
@@ -14303,47 +14515,732 @@
         </p:nvSpPr>
         <p:spPr>
           <a:xfrm>
-            <a:off x="4591743" y="2967335"/>
-            <a:ext cx="3008516" cy="923330"/>
+            <a:off x="6528262" y="4245033"/>
+            <a:ext cx="1670858" cy="598516"/>
           </a:xfrm>
-          <a:prstGeom prst="rect">
+          <a:prstGeom prst="flowChartAlternateProcess">
             <a:avLst/>
           </a:prstGeom>
-          <a:noFill/>
         </p:spPr>
+        <p:style>
+          <a:lnRef idx="2">
+            <a:schemeClr val="accent1">
+              <a:shade val="50000"/>
+            </a:schemeClr>
+          </a:lnRef>
+          <a:fillRef idx="1">
+            <a:schemeClr val="accent1"/>
+          </a:fillRef>
+          <a:effectRef idx="0">
+            <a:schemeClr val="accent1"/>
+          </a:effectRef>
+          <a:fontRef idx="minor">
+            <a:schemeClr val="lt1"/>
+          </a:fontRef>
+        </p:style>
         <p:txBody>
-          <a:bodyPr wrap="none" lIns="91440" tIns="45720" rIns="91440" bIns="45720">
-            <a:spAutoFit/>
-          </a:bodyPr>
+          <a:bodyPr rtlCol="0" anchor="ctr"/>
           <a:lstStyle/>
           <a:p>
             <a:pPr algn="ctr"/>
-            <a:r>
-              <a:rPr lang="en-US" altLang="ko-KR" sz="5400" b="1" cap="none" spc="0" dirty="0">
-                <a:ln w="6600">
-                  <a:solidFill>
-                    <a:schemeClr val="accent2"/>
-                  </a:solidFill>
-                  <a:prstDash val="solid"/>
-                </a:ln>
-                <a:solidFill>
-                  <a:srgbClr val="FFFFFF"/>
-                </a:solidFill>
-                <a:effectLst>
-                  <a:outerShdw dist="38100" dir="2700000" algn="tl" rotWithShape="0">
-                    <a:schemeClr val="accent2"/>
-                  </a:outerShdw>
-                </a:effectLst>
-              </a:rPr>
-              <a:t>Overview</a:t>
-            </a:r>
+            <a:endParaRPr lang="ko-KR" altLang="en-US"/>
+          </a:p>
+        </p:txBody>
+      </p:sp>
+      <p:sp>
+        <p:nvSpPr>
+          <p:cNvPr id="7" name="순서도: 대체 처리 6">
+            <a:extLst>
+              <a:ext uri="{FF2B5EF4-FFF2-40B4-BE49-F238E27FC236}">
+                <a16:creationId xmlns:a16="http://schemas.microsoft.com/office/drawing/2014/main" id="{75A04E3D-8470-40AB-90D6-FCE7B1F077DF}"/>
+              </a:ext>
+            </a:extLst>
+          </p:cNvPr>
+          <p:cNvSpPr/>
+          <p:nvPr/>
+        </p:nvSpPr>
+        <p:spPr>
+          <a:xfrm>
+            <a:off x="1363288" y="4245033"/>
+            <a:ext cx="1670858" cy="598516"/>
+          </a:xfrm>
+          <a:prstGeom prst="flowChartAlternateProcess">
+            <a:avLst/>
+          </a:prstGeom>
+        </p:spPr>
+        <p:style>
+          <a:lnRef idx="2">
+            <a:schemeClr val="accent1">
+              <a:shade val="50000"/>
+            </a:schemeClr>
+          </a:lnRef>
+          <a:fillRef idx="1">
+            <a:schemeClr val="accent1"/>
+          </a:fillRef>
+          <a:effectRef idx="0">
+            <a:schemeClr val="accent1"/>
+          </a:effectRef>
+          <a:fontRef idx="minor">
+            <a:schemeClr val="lt1"/>
+          </a:fontRef>
+        </p:style>
+        <p:txBody>
+          <a:bodyPr rtlCol="0" anchor="ctr"/>
+          <a:lstStyle/>
+          <a:p>
+            <a:pPr algn="ctr"/>
+            <a:endParaRPr lang="ko-KR" altLang="en-US"/>
+          </a:p>
+        </p:txBody>
+      </p:sp>
+      <p:sp>
+        <p:nvSpPr>
+          <p:cNvPr id="8" name="순서도: 대체 처리 7">
+            <a:extLst>
+              <a:ext uri="{FF2B5EF4-FFF2-40B4-BE49-F238E27FC236}">
+                <a16:creationId xmlns:a16="http://schemas.microsoft.com/office/drawing/2014/main" id="{EB26DA31-01D3-4912-9317-4A0F46F7EAA6}"/>
+              </a:ext>
+            </a:extLst>
+          </p:cNvPr>
+          <p:cNvSpPr/>
+          <p:nvPr/>
+        </p:nvSpPr>
+        <p:spPr>
+          <a:xfrm>
+            <a:off x="3945775" y="4245033"/>
+            <a:ext cx="1670858" cy="598516"/>
+          </a:xfrm>
+          <a:prstGeom prst="flowChartAlternateProcess">
+            <a:avLst/>
+          </a:prstGeom>
+        </p:spPr>
+        <p:style>
+          <a:lnRef idx="2">
+            <a:schemeClr val="accent1">
+              <a:shade val="50000"/>
+            </a:schemeClr>
+          </a:lnRef>
+          <a:fillRef idx="1">
+            <a:schemeClr val="accent1"/>
+          </a:fillRef>
+          <a:effectRef idx="0">
+            <a:schemeClr val="accent1"/>
+          </a:effectRef>
+          <a:fontRef idx="minor">
+            <a:schemeClr val="lt1"/>
+          </a:fontRef>
+        </p:style>
+        <p:txBody>
+          <a:bodyPr rtlCol="0" anchor="ctr"/>
+          <a:lstStyle/>
+          <a:p>
+            <a:pPr algn="ctr"/>
+            <a:endParaRPr lang="ko-KR" altLang="en-US"/>
+          </a:p>
+        </p:txBody>
+      </p:sp>
+      <p:sp>
+        <p:nvSpPr>
+          <p:cNvPr id="9" name="순서도: 대체 처리 8">
+            <a:extLst>
+              <a:ext uri="{FF2B5EF4-FFF2-40B4-BE49-F238E27FC236}">
+                <a16:creationId xmlns:a16="http://schemas.microsoft.com/office/drawing/2014/main" id="{F44CB01A-9FED-4E0D-850E-1B34ED888E86}"/>
+              </a:ext>
+            </a:extLst>
+          </p:cNvPr>
+          <p:cNvSpPr/>
+          <p:nvPr/>
+        </p:nvSpPr>
+        <p:spPr>
+          <a:xfrm>
+            <a:off x="9110749" y="5295208"/>
+            <a:ext cx="1670858" cy="598516"/>
+          </a:xfrm>
+          <a:prstGeom prst="flowChartAlternateProcess">
+            <a:avLst/>
+          </a:prstGeom>
+        </p:spPr>
+        <p:style>
+          <a:lnRef idx="2">
+            <a:schemeClr val="accent1">
+              <a:shade val="50000"/>
+            </a:schemeClr>
+          </a:lnRef>
+          <a:fillRef idx="1">
+            <a:schemeClr val="accent1"/>
+          </a:fillRef>
+          <a:effectRef idx="0">
+            <a:schemeClr val="accent1"/>
+          </a:effectRef>
+          <a:fontRef idx="minor">
+            <a:schemeClr val="lt1"/>
+          </a:fontRef>
+        </p:style>
+        <p:txBody>
+          <a:bodyPr rtlCol="0" anchor="ctr"/>
+          <a:lstStyle/>
+          <a:p>
+            <a:pPr algn="ctr"/>
+            <a:endParaRPr lang="ko-KR" altLang="en-US"/>
+          </a:p>
+        </p:txBody>
+      </p:sp>
+      <p:sp>
+        <p:nvSpPr>
+          <p:cNvPr id="10" name="순서도: 대체 처리 9">
+            <a:extLst>
+              <a:ext uri="{FF2B5EF4-FFF2-40B4-BE49-F238E27FC236}">
+                <a16:creationId xmlns:a16="http://schemas.microsoft.com/office/drawing/2014/main" id="{7EA62758-5544-4080-903A-07A0D31550EB}"/>
+              </a:ext>
+            </a:extLst>
+          </p:cNvPr>
+          <p:cNvSpPr/>
+          <p:nvPr/>
+        </p:nvSpPr>
+        <p:spPr>
+          <a:xfrm>
+            <a:off x="6528262" y="5339542"/>
+            <a:ext cx="1670858" cy="598516"/>
+          </a:xfrm>
+          <a:prstGeom prst="flowChartAlternateProcess">
+            <a:avLst/>
+          </a:prstGeom>
+        </p:spPr>
+        <p:style>
+          <a:lnRef idx="2">
+            <a:schemeClr val="accent1">
+              <a:shade val="50000"/>
+            </a:schemeClr>
+          </a:lnRef>
+          <a:fillRef idx="1">
+            <a:schemeClr val="accent1"/>
+          </a:fillRef>
+          <a:effectRef idx="0">
+            <a:schemeClr val="accent1"/>
+          </a:effectRef>
+          <a:fontRef idx="minor">
+            <a:schemeClr val="lt1"/>
+          </a:fontRef>
+        </p:style>
+        <p:txBody>
+          <a:bodyPr rtlCol="0" anchor="ctr"/>
+          <a:lstStyle/>
+          <a:p>
+            <a:pPr algn="ctr"/>
+            <a:endParaRPr lang="ko-KR" altLang="en-US"/>
+          </a:p>
+        </p:txBody>
+      </p:sp>
+      <p:sp>
+        <p:nvSpPr>
+          <p:cNvPr id="11" name="순서도: 대체 처리 10">
+            <a:extLst>
+              <a:ext uri="{FF2B5EF4-FFF2-40B4-BE49-F238E27FC236}">
+                <a16:creationId xmlns:a16="http://schemas.microsoft.com/office/drawing/2014/main" id="{987CFF1B-DD8E-4960-86A7-2F6158150DBB}"/>
+              </a:ext>
+            </a:extLst>
+          </p:cNvPr>
+          <p:cNvSpPr/>
+          <p:nvPr/>
+        </p:nvSpPr>
+        <p:spPr>
+          <a:xfrm>
+            <a:off x="3945775" y="5339542"/>
+            <a:ext cx="1670858" cy="598516"/>
+          </a:xfrm>
+          <a:prstGeom prst="flowChartAlternateProcess">
+            <a:avLst/>
+          </a:prstGeom>
+        </p:spPr>
+        <p:style>
+          <a:lnRef idx="2">
+            <a:schemeClr val="accent1">
+              <a:shade val="50000"/>
+            </a:schemeClr>
+          </a:lnRef>
+          <a:fillRef idx="1">
+            <a:schemeClr val="accent1"/>
+          </a:fillRef>
+          <a:effectRef idx="0">
+            <a:schemeClr val="accent1"/>
+          </a:effectRef>
+          <a:fontRef idx="minor">
+            <a:schemeClr val="lt1"/>
+          </a:fontRef>
+        </p:style>
+        <p:txBody>
+          <a:bodyPr rtlCol="0" anchor="ctr"/>
+          <a:lstStyle/>
+          <a:p>
+            <a:pPr algn="ctr"/>
+            <a:endParaRPr lang="ko-KR" altLang="en-US"/>
+          </a:p>
+        </p:txBody>
+      </p:sp>
+      <p:sp>
+        <p:nvSpPr>
+          <p:cNvPr id="12" name="순서도: 대체 처리 11">
+            <a:extLst>
+              <a:ext uri="{FF2B5EF4-FFF2-40B4-BE49-F238E27FC236}">
+                <a16:creationId xmlns:a16="http://schemas.microsoft.com/office/drawing/2014/main" id="{544CADA9-A2E4-4CE9-973C-5614E8DFA288}"/>
+              </a:ext>
+            </a:extLst>
+          </p:cNvPr>
+          <p:cNvSpPr/>
+          <p:nvPr/>
+        </p:nvSpPr>
+        <p:spPr>
+          <a:xfrm>
+            <a:off x="1363288" y="5295208"/>
+            <a:ext cx="1670858" cy="598516"/>
+          </a:xfrm>
+          <a:prstGeom prst="flowChartAlternateProcess">
+            <a:avLst/>
+          </a:prstGeom>
+        </p:spPr>
+        <p:style>
+          <a:lnRef idx="2">
+            <a:schemeClr val="accent1">
+              <a:shade val="50000"/>
+            </a:schemeClr>
+          </a:lnRef>
+          <a:fillRef idx="1">
+            <a:schemeClr val="accent1"/>
+          </a:fillRef>
+          <a:effectRef idx="0">
+            <a:schemeClr val="accent1"/>
+          </a:effectRef>
+          <a:fontRef idx="minor">
+            <a:schemeClr val="lt1"/>
+          </a:fontRef>
+        </p:style>
+        <p:txBody>
+          <a:bodyPr rtlCol="0" anchor="ctr"/>
+          <a:lstStyle/>
+          <a:p>
+            <a:pPr algn="ctr"/>
+            <a:endParaRPr lang="ko-KR" altLang="en-US"/>
+          </a:p>
+        </p:txBody>
+      </p:sp>
+      <p:sp>
+        <p:nvSpPr>
+          <p:cNvPr id="13" name="순서도: 대체 처리 12">
+            <a:extLst>
+              <a:ext uri="{FF2B5EF4-FFF2-40B4-BE49-F238E27FC236}">
+                <a16:creationId xmlns:a16="http://schemas.microsoft.com/office/drawing/2014/main" id="{6356602E-9BA4-4268-863F-8DE2F2AE1AF1}"/>
+              </a:ext>
+            </a:extLst>
+          </p:cNvPr>
+          <p:cNvSpPr/>
+          <p:nvPr/>
+        </p:nvSpPr>
+        <p:spPr>
+          <a:xfrm>
+            <a:off x="9110749" y="4245033"/>
+            <a:ext cx="1670858" cy="598516"/>
+          </a:xfrm>
+          <a:prstGeom prst="flowChartAlternateProcess">
+            <a:avLst/>
+          </a:prstGeom>
+        </p:spPr>
+        <p:style>
+          <a:lnRef idx="2">
+            <a:schemeClr val="accent1">
+              <a:shade val="50000"/>
+            </a:schemeClr>
+          </a:lnRef>
+          <a:fillRef idx="1">
+            <a:schemeClr val="accent1"/>
+          </a:fillRef>
+          <a:effectRef idx="0">
+            <a:schemeClr val="accent1"/>
+          </a:effectRef>
+          <a:fontRef idx="minor">
+            <a:schemeClr val="lt1"/>
+          </a:fontRef>
+        </p:style>
+        <p:txBody>
+          <a:bodyPr rtlCol="0" anchor="ctr"/>
+          <a:lstStyle/>
+          <a:p>
+            <a:pPr algn="ctr"/>
+            <a:endParaRPr lang="ko-KR" altLang="en-US"/>
+          </a:p>
+        </p:txBody>
+      </p:sp>
+      <p:sp>
+        <p:nvSpPr>
+          <p:cNvPr id="14" name="순서도: 대체 처리 13">
+            <a:extLst>
+              <a:ext uri="{FF2B5EF4-FFF2-40B4-BE49-F238E27FC236}">
+                <a16:creationId xmlns:a16="http://schemas.microsoft.com/office/drawing/2014/main" id="{AF667E91-213A-491D-90EA-F40B9CB07E94}"/>
+              </a:ext>
+            </a:extLst>
+          </p:cNvPr>
+          <p:cNvSpPr/>
+          <p:nvPr/>
+        </p:nvSpPr>
+        <p:spPr>
+          <a:xfrm>
+            <a:off x="9110749" y="3194858"/>
+            <a:ext cx="1670858" cy="598516"/>
+          </a:xfrm>
+          <a:prstGeom prst="flowChartAlternateProcess">
+            <a:avLst/>
+          </a:prstGeom>
+        </p:spPr>
+        <p:style>
+          <a:lnRef idx="2">
+            <a:schemeClr val="accent1">
+              <a:shade val="50000"/>
+            </a:schemeClr>
+          </a:lnRef>
+          <a:fillRef idx="1">
+            <a:schemeClr val="accent1"/>
+          </a:fillRef>
+          <a:effectRef idx="0">
+            <a:schemeClr val="accent1"/>
+          </a:effectRef>
+          <a:fontRef idx="minor">
+            <a:schemeClr val="lt1"/>
+          </a:fontRef>
+        </p:style>
+        <p:txBody>
+          <a:bodyPr rtlCol="0" anchor="ctr"/>
+          <a:lstStyle/>
+          <a:p>
+            <a:pPr algn="ctr"/>
+            <a:endParaRPr lang="ko-KR" altLang="en-US"/>
+          </a:p>
+        </p:txBody>
+      </p:sp>
+      <p:sp>
+        <p:nvSpPr>
+          <p:cNvPr id="15" name="순서도: 대체 처리 14">
+            <a:extLst>
+              <a:ext uri="{FF2B5EF4-FFF2-40B4-BE49-F238E27FC236}">
+                <a16:creationId xmlns:a16="http://schemas.microsoft.com/office/drawing/2014/main" id="{F13FCF8B-A7EB-4DFC-A35F-9DBCE179C855}"/>
+              </a:ext>
+            </a:extLst>
+          </p:cNvPr>
+          <p:cNvSpPr/>
+          <p:nvPr/>
+        </p:nvSpPr>
+        <p:spPr>
+          <a:xfrm>
+            <a:off x="6528262" y="3194858"/>
+            <a:ext cx="1670858" cy="598516"/>
+          </a:xfrm>
+          <a:prstGeom prst="flowChartAlternateProcess">
+            <a:avLst/>
+          </a:prstGeom>
+        </p:spPr>
+        <p:style>
+          <a:lnRef idx="2">
+            <a:schemeClr val="accent1">
+              <a:shade val="50000"/>
+            </a:schemeClr>
+          </a:lnRef>
+          <a:fillRef idx="1">
+            <a:schemeClr val="accent1"/>
+          </a:fillRef>
+          <a:effectRef idx="0">
+            <a:schemeClr val="accent1"/>
+          </a:effectRef>
+          <a:fontRef idx="minor">
+            <a:schemeClr val="lt1"/>
+          </a:fontRef>
+        </p:style>
+        <p:txBody>
+          <a:bodyPr rtlCol="0" anchor="ctr"/>
+          <a:lstStyle/>
+          <a:p>
+            <a:pPr algn="ctr"/>
+            <a:endParaRPr lang="ko-KR" altLang="en-US"/>
+          </a:p>
+        </p:txBody>
+      </p:sp>
+      <p:sp>
+        <p:nvSpPr>
+          <p:cNvPr id="16" name="순서도: 대체 처리 15">
+            <a:extLst>
+              <a:ext uri="{FF2B5EF4-FFF2-40B4-BE49-F238E27FC236}">
+                <a16:creationId xmlns:a16="http://schemas.microsoft.com/office/drawing/2014/main" id="{2F94D636-EAD1-4E12-91A7-EED409B6CADB}"/>
+              </a:ext>
+            </a:extLst>
+          </p:cNvPr>
+          <p:cNvSpPr/>
+          <p:nvPr/>
+        </p:nvSpPr>
+        <p:spPr>
+          <a:xfrm>
+            <a:off x="9110749" y="2178150"/>
+            <a:ext cx="1670858" cy="598516"/>
+          </a:xfrm>
+          <a:prstGeom prst="flowChartAlternateProcess">
+            <a:avLst/>
+          </a:prstGeom>
+        </p:spPr>
+        <p:style>
+          <a:lnRef idx="2">
+            <a:schemeClr val="accent1">
+              <a:shade val="50000"/>
+            </a:schemeClr>
+          </a:lnRef>
+          <a:fillRef idx="1">
+            <a:schemeClr val="accent1"/>
+          </a:fillRef>
+          <a:effectRef idx="0">
+            <a:schemeClr val="accent1"/>
+          </a:effectRef>
+          <a:fontRef idx="minor">
+            <a:schemeClr val="lt1"/>
+          </a:fontRef>
+        </p:style>
+        <p:txBody>
+          <a:bodyPr rtlCol="0" anchor="ctr"/>
+          <a:lstStyle/>
+          <a:p>
+            <a:pPr algn="ctr"/>
+            <a:endParaRPr lang="ko-KR" altLang="en-US"/>
+          </a:p>
+        </p:txBody>
+      </p:sp>
+      <p:sp>
+        <p:nvSpPr>
+          <p:cNvPr id="17" name="순서도: 대체 처리 16">
+            <a:extLst>
+              <a:ext uri="{FF2B5EF4-FFF2-40B4-BE49-F238E27FC236}">
+                <a16:creationId xmlns:a16="http://schemas.microsoft.com/office/drawing/2014/main" id="{312C8A0D-E2F4-44A1-9E31-A4121885E2FC}"/>
+              </a:ext>
+            </a:extLst>
+          </p:cNvPr>
+          <p:cNvSpPr/>
+          <p:nvPr/>
+        </p:nvSpPr>
+        <p:spPr>
+          <a:xfrm>
+            <a:off x="3945775" y="3215857"/>
+            <a:ext cx="1670858" cy="598516"/>
+          </a:xfrm>
+          <a:prstGeom prst="flowChartAlternateProcess">
+            <a:avLst/>
+          </a:prstGeom>
+        </p:spPr>
+        <p:style>
+          <a:lnRef idx="2">
+            <a:schemeClr val="accent1">
+              <a:shade val="50000"/>
+            </a:schemeClr>
+          </a:lnRef>
+          <a:fillRef idx="1">
+            <a:schemeClr val="accent1"/>
+          </a:fillRef>
+          <a:effectRef idx="0">
+            <a:schemeClr val="accent1"/>
+          </a:effectRef>
+          <a:fontRef idx="minor">
+            <a:schemeClr val="lt1"/>
+          </a:fontRef>
+        </p:style>
+        <p:txBody>
+          <a:bodyPr rtlCol="0" anchor="ctr"/>
+          <a:lstStyle/>
+          <a:p>
+            <a:pPr algn="ctr"/>
+            <a:endParaRPr lang="ko-KR" altLang="en-US"/>
+          </a:p>
+        </p:txBody>
+      </p:sp>
+      <p:sp>
+        <p:nvSpPr>
+          <p:cNvPr id="18" name="순서도: 대체 처리 17">
+            <a:extLst>
+              <a:ext uri="{FF2B5EF4-FFF2-40B4-BE49-F238E27FC236}">
+                <a16:creationId xmlns:a16="http://schemas.microsoft.com/office/drawing/2014/main" id="{3CCB83AB-A3C9-4DB7-9C1A-FA7728F18574}"/>
+              </a:ext>
+            </a:extLst>
+          </p:cNvPr>
+          <p:cNvSpPr/>
+          <p:nvPr/>
+        </p:nvSpPr>
+        <p:spPr>
+          <a:xfrm>
+            <a:off x="1363288" y="3222785"/>
+            <a:ext cx="1670858" cy="598516"/>
+          </a:xfrm>
+          <a:prstGeom prst="flowChartAlternateProcess">
+            <a:avLst/>
+          </a:prstGeom>
+        </p:spPr>
+        <p:style>
+          <a:lnRef idx="2">
+            <a:schemeClr val="accent1">
+              <a:shade val="50000"/>
+            </a:schemeClr>
+          </a:lnRef>
+          <a:fillRef idx="1">
+            <a:schemeClr val="accent1"/>
+          </a:fillRef>
+          <a:effectRef idx="0">
+            <a:schemeClr val="accent1"/>
+          </a:effectRef>
+          <a:fontRef idx="minor">
+            <a:schemeClr val="lt1"/>
+          </a:fontRef>
+        </p:style>
+        <p:txBody>
+          <a:bodyPr rtlCol="0" anchor="ctr"/>
+          <a:lstStyle/>
+          <a:p>
+            <a:pPr algn="ctr"/>
+            <a:endParaRPr lang="ko-KR" altLang="en-US"/>
+          </a:p>
+        </p:txBody>
+      </p:sp>
+      <p:sp>
+        <p:nvSpPr>
+          <p:cNvPr id="19" name="순서도: 대체 처리 18">
+            <a:extLst>
+              <a:ext uri="{FF2B5EF4-FFF2-40B4-BE49-F238E27FC236}">
+                <a16:creationId xmlns:a16="http://schemas.microsoft.com/office/drawing/2014/main" id="{D6B45478-8401-495F-BEBD-2D9238FF3E95}"/>
+              </a:ext>
+            </a:extLst>
+          </p:cNvPr>
+          <p:cNvSpPr/>
+          <p:nvPr/>
+        </p:nvSpPr>
+        <p:spPr>
+          <a:xfrm>
+            <a:off x="1363288" y="2172610"/>
+            <a:ext cx="1670858" cy="598516"/>
+          </a:xfrm>
+          <a:prstGeom prst="flowChartAlternateProcess">
+            <a:avLst/>
+          </a:prstGeom>
+        </p:spPr>
+        <p:style>
+          <a:lnRef idx="2">
+            <a:schemeClr val="accent1">
+              <a:shade val="50000"/>
+            </a:schemeClr>
+          </a:lnRef>
+          <a:fillRef idx="1">
+            <a:schemeClr val="accent1"/>
+          </a:fillRef>
+          <a:effectRef idx="0">
+            <a:schemeClr val="accent1"/>
+          </a:effectRef>
+          <a:fontRef idx="minor">
+            <a:schemeClr val="lt1"/>
+          </a:fontRef>
+        </p:style>
+        <p:txBody>
+          <a:bodyPr rtlCol="0" anchor="ctr"/>
+          <a:lstStyle/>
+          <a:p>
+            <a:pPr algn="ctr"/>
+            <a:endParaRPr lang="ko-KR" altLang="en-US"/>
+          </a:p>
+        </p:txBody>
+      </p:sp>
+      <p:sp>
+        <p:nvSpPr>
+          <p:cNvPr id="20" name="순서도: 대체 처리 19">
+            <a:extLst>
+              <a:ext uri="{FF2B5EF4-FFF2-40B4-BE49-F238E27FC236}">
+                <a16:creationId xmlns:a16="http://schemas.microsoft.com/office/drawing/2014/main" id="{7E8AA572-F189-4553-9BDB-73FBF3841D22}"/>
+              </a:ext>
+            </a:extLst>
+          </p:cNvPr>
+          <p:cNvSpPr/>
+          <p:nvPr/>
+        </p:nvSpPr>
+        <p:spPr>
+          <a:xfrm>
+            <a:off x="3945775" y="2154014"/>
+            <a:ext cx="1670858" cy="598516"/>
+          </a:xfrm>
+          <a:prstGeom prst="flowChartAlternateProcess">
+            <a:avLst/>
+          </a:prstGeom>
+        </p:spPr>
+        <p:style>
+          <a:lnRef idx="2">
+            <a:schemeClr val="accent1">
+              <a:shade val="50000"/>
+            </a:schemeClr>
+          </a:lnRef>
+          <a:fillRef idx="1">
+            <a:schemeClr val="accent1"/>
+          </a:fillRef>
+          <a:effectRef idx="0">
+            <a:schemeClr val="accent1"/>
+          </a:effectRef>
+          <a:fontRef idx="minor">
+            <a:schemeClr val="lt1"/>
+          </a:fontRef>
+        </p:style>
+        <p:txBody>
+          <a:bodyPr rtlCol="0" anchor="ctr"/>
+          <a:lstStyle/>
+          <a:p>
+            <a:pPr algn="ctr"/>
+            <a:endParaRPr lang="ko-KR" altLang="en-US"/>
+          </a:p>
+        </p:txBody>
+      </p:sp>
+      <p:sp>
+        <p:nvSpPr>
+          <p:cNvPr id="21" name="순서도: 대체 처리 20">
+            <a:extLst>
+              <a:ext uri="{FF2B5EF4-FFF2-40B4-BE49-F238E27FC236}">
+                <a16:creationId xmlns:a16="http://schemas.microsoft.com/office/drawing/2014/main" id="{75741028-E14A-477E-8620-CADE21536273}"/>
+              </a:ext>
+            </a:extLst>
+          </p:cNvPr>
+          <p:cNvSpPr/>
+          <p:nvPr/>
+        </p:nvSpPr>
+        <p:spPr>
+          <a:xfrm>
+            <a:off x="6528262" y="2172610"/>
+            <a:ext cx="1670858" cy="598516"/>
+          </a:xfrm>
+          <a:prstGeom prst="flowChartAlternateProcess">
+            <a:avLst/>
+          </a:prstGeom>
+        </p:spPr>
+        <p:style>
+          <a:lnRef idx="2">
+            <a:schemeClr val="accent1">
+              <a:shade val="50000"/>
+            </a:schemeClr>
+          </a:lnRef>
+          <a:fillRef idx="1">
+            <a:schemeClr val="accent1"/>
+          </a:fillRef>
+          <a:effectRef idx="0">
+            <a:schemeClr val="accent1"/>
+          </a:effectRef>
+          <a:fontRef idx="minor">
+            <a:schemeClr val="lt1"/>
+          </a:fontRef>
+        </p:style>
+        <p:txBody>
+          <a:bodyPr rtlCol="0" anchor="ctr"/>
+          <a:lstStyle/>
+          <a:p>
+            <a:pPr algn="ctr"/>
+            <a:endParaRPr lang="ko-KR" altLang="en-US"/>
           </a:p>
         </p:txBody>
       </p:sp>
     </p:spTree>
     <p:extLst>
       <p:ext uri="{BB962C8B-B14F-4D97-AF65-F5344CB8AC3E}">
-        <p14:creationId xmlns:p14="http://schemas.microsoft.com/office/powerpoint/2010/main" val="2456766747"/>
+        <p14:creationId xmlns:p14="http://schemas.microsoft.com/office/powerpoint/2010/main" val="1133999341"/>
       </p:ext>
     </p:extLst>
   </p:cSld>
@@ -14386,62 +15283,100 @@
             <p:ph type="title"/>
           </p:nvPr>
         </p:nvSpPr>
-        <p:spPr/>
+        <p:spPr>
+          <a:xfrm>
+            <a:off x="838200" y="365125"/>
+            <a:ext cx="10515600" cy="1325563"/>
+          </a:xfrm>
+        </p:spPr>
         <p:txBody>
           <a:bodyPr/>
           <a:lstStyle/>
           <a:p>
             <a:r>
               <a:rPr lang="en-US" altLang="ko-KR" dirty="0"/>
-              <a:t>Background</a:t>
+              <a:t>Goals &amp; Methods</a:t>
             </a:r>
             <a:endParaRPr lang="ko-KR" altLang="en-US" dirty="0"/>
           </a:p>
         </p:txBody>
       </p:sp>
-      <p:sp>
-        <p:nvSpPr>
-          <p:cNvPr id="4" name="내용 개체 틀 3">
+      <p:pic>
+        <p:nvPicPr>
+          <p:cNvPr id="4" name="그림 3">
             <a:extLst>
               <a:ext uri="{FF2B5EF4-FFF2-40B4-BE49-F238E27FC236}">
-                <a16:creationId xmlns:a16="http://schemas.microsoft.com/office/drawing/2014/main" id="{78D449EF-7F1D-4573-9D92-F8EFAF4DEA59}"/>
+                <a16:creationId xmlns:a16="http://schemas.microsoft.com/office/drawing/2014/main" id="{3E47821E-FF79-442D-9E36-4F6F99850535}"/>
               </a:ext>
             </a:extLst>
           </p:cNvPr>
-          <p:cNvSpPr>
-            <a:spLocks noGrp="1"/>
-          </p:cNvSpPr>
-          <p:nvPr>
-            <p:ph idx="1"/>
-          </p:nvPr>
-        </p:nvSpPr>
+          <p:cNvPicPr>
+            <a:picLocks noChangeAspect="1"/>
+          </p:cNvPicPr>
+          <p:nvPr/>
+        </p:nvPicPr>
+        <p:blipFill>
+          <a:blip r:embed="rId2">
+            <a:extLst>
+              <a:ext uri="{28A0092B-C50C-407E-A947-70E740481C1C}">
+                <a14:useLocalDpi xmlns:a14="http://schemas.microsoft.com/office/drawing/2010/main" val="0"/>
+              </a:ext>
+            </a:extLst>
+          </a:blip>
+          <a:stretch>
+            <a:fillRect/>
+          </a:stretch>
+        </p:blipFill>
         <p:spPr>
           <a:xfrm>
-            <a:off x="838200" y="4630188"/>
-            <a:ext cx="10515600" cy="1704110"/>
+            <a:off x="-323796" y="1533490"/>
+            <a:ext cx="4745182" cy="4745182"/>
           </a:xfrm>
+          <a:prstGeom prst="rect">
+            <a:avLst/>
+          </a:prstGeom>
         </p:spPr>
-        <p:txBody>
-          <a:bodyPr>
-            <a:noAutofit/>
-          </a:bodyPr>
-          <a:lstStyle/>
-          <a:p>
-            <a:pPr marL="0" indent="0">
-              <a:buNone/>
-            </a:pPr>
-            <a:r>
-              <a:rPr lang="en-US" altLang="ko-KR" dirty="0"/>
-              <a:t>Because of corona virus, students, professors and the others who work or study in university cannot visit school. People, especially freshmen or new students, may have difficulty locating the classroom when taking offline classes after Corona is over.</a:t>
-            </a:r>
-            <a:endParaRPr lang="ko-KR" altLang="en-US" dirty="0"/>
-          </a:p>
-        </p:txBody>
-      </p:sp>
+      </p:pic>
+      <p:pic>
+        <p:nvPicPr>
+          <p:cNvPr id="22" name="그림 21">
+            <a:extLst>
+              <a:ext uri="{FF2B5EF4-FFF2-40B4-BE49-F238E27FC236}">
+                <a16:creationId xmlns:a16="http://schemas.microsoft.com/office/drawing/2014/main" id="{C5FE6A4C-D4E9-4797-9EAD-1CCD378508C4}"/>
+              </a:ext>
+            </a:extLst>
+          </p:cNvPr>
+          <p:cNvPicPr>
+            <a:picLocks noChangeAspect="1"/>
+          </p:cNvPicPr>
+          <p:nvPr/>
+        </p:nvPicPr>
+        <p:blipFill>
+          <a:blip r:embed="rId2">
+            <a:extLst>
+              <a:ext uri="{28A0092B-C50C-407E-A947-70E740481C1C}">
+                <a14:useLocalDpi xmlns:a14="http://schemas.microsoft.com/office/drawing/2010/main" val="0"/>
+              </a:ext>
+            </a:extLst>
+          </a:blip>
+          <a:stretch>
+            <a:fillRect/>
+          </a:stretch>
+        </p:blipFill>
+        <p:spPr>
+          <a:xfrm>
+            <a:off x="7608383" y="1533490"/>
+            <a:ext cx="4745182" cy="4745182"/>
+          </a:xfrm>
+          <a:prstGeom prst="rect">
+            <a:avLst/>
+          </a:prstGeom>
+        </p:spPr>
+      </p:pic>
     </p:spTree>
     <p:extLst>
       <p:ext uri="{BB962C8B-B14F-4D97-AF65-F5344CB8AC3E}">
-        <p14:creationId xmlns:p14="http://schemas.microsoft.com/office/powerpoint/2010/main" val="2464178294"/>
+        <p14:creationId xmlns:p14="http://schemas.microsoft.com/office/powerpoint/2010/main" val="2068205309"/>
       </p:ext>
     </p:extLst>
   </p:cSld>
@@ -14484,14 +15419,19 @@
             <p:ph type="title"/>
           </p:nvPr>
         </p:nvSpPr>
-        <p:spPr/>
+        <p:spPr>
+          <a:xfrm>
+            <a:off x="838200" y="365125"/>
+            <a:ext cx="10515600" cy="1325563"/>
+          </a:xfrm>
+        </p:spPr>
         <p:txBody>
           <a:bodyPr/>
           <a:lstStyle/>
           <a:p>
             <a:r>
               <a:rPr lang="en-US" altLang="ko-KR" dirty="0"/>
-              <a:t>Goals &amp; Methods</a:t>
+              <a:t>Goals</a:t>
             </a:r>
             <a:endParaRPr lang="ko-KR" altLang="en-US" dirty="0"/>
           </a:p>
@@ -14499,744 +15439,61 @@
       </p:sp>
       <p:sp>
         <p:nvSpPr>
-          <p:cNvPr id="6" name="순서도: 대체 처리 5">
+          <p:cNvPr id="2" name="TextBox 1">
             <a:extLst>
               <a:ext uri="{FF2B5EF4-FFF2-40B4-BE49-F238E27FC236}">
-                <a16:creationId xmlns:a16="http://schemas.microsoft.com/office/drawing/2014/main" id="{0856FC53-BA4B-4A3D-A523-D93D0915A94F}"/>
+                <a16:creationId xmlns:a16="http://schemas.microsoft.com/office/drawing/2014/main" id="{0B3D1D03-DB2B-4FB5-8B81-8F2AE42B0897}"/>
               </a:ext>
             </a:extLst>
           </p:cNvPr>
-          <p:cNvSpPr/>
+          <p:cNvSpPr txBox="1"/>
           <p:nvPr/>
         </p:nvSpPr>
         <p:spPr>
           <a:xfrm>
-            <a:off x="6528262" y="4245033"/>
-            <a:ext cx="1670858" cy="598516"/>
+            <a:off x="370609" y="3059668"/>
+            <a:ext cx="11450782" cy="461665"/>
           </a:xfrm>
-          <a:prstGeom prst="flowChartAlternateProcess">
+          <a:prstGeom prst="rect">
             <a:avLst/>
           </a:prstGeom>
+          <a:noFill/>
         </p:spPr>
-        <p:style>
-          <a:lnRef idx="2">
-            <a:schemeClr val="accent1">
-              <a:shade val="50000"/>
-            </a:schemeClr>
-          </a:lnRef>
-          <a:fillRef idx="1">
-            <a:schemeClr val="accent1"/>
-          </a:fillRef>
-          <a:effectRef idx="0">
-            <a:schemeClr val="accent1"/>
-          </a:effectRef>
-          <a:fontRef idx="minor">
-            <a:schemeClr val="lt1"/>
-          </a:fontRef>
-        </p:style>
         <p:txBody>
-          <a:bodyPr rtlCol="0" anchor="ctr"/>
+          <a:bodyPr wrap="square" rtlCol="0">
+            <a:spAutoFit/>
+          </a:bodyPr>
           <a:lstStyle/>
           <a:p>
             <a:pPr algn="ctr"/>
-            <a:endParaRPr lang="ko-KR" altLang="en-US"/>
-          </a:p>
-        </p:txBody>
-      </p:sp>
-      <p:sp>
-        <p:nvSpPr>
-          <p:cNvPr id="7" name="순서도: 대체 처리 6">
-            <a:extLst>
-              <a:ext uri="{FF2B5EF4-FFF2-40B4-BE49-F238E27FC236}">
-                <a16:creationId xmlns:a16="http://schemas.microsoft.com/office/drawing/2014/main" id="{75A04E3D-8470-40AB-90D6-FCE7B1F077DF}"/>
-              </a:ext>
-            </a:extLst>
-          </p:cNvPr>
-          <p:cNvSpPr/>
-          <p:nvPr/>
-        </p:nvSpPr>
-        <p:spPr>
-          <a:xfrm>
-            <a:off x="1363288" y="4245033"/>
-            <a:ext cx="1670858" cy="598516"/>
-          </a:xfrm>
-          <a:prstGeom prst="flowChartAlternateProcess">
-            <a:avLst/>
-          </a:prstGeom>
-        </p:spPr>
-        <p:style>
-          <a:lnRef idx="2">
-            <a:schemeClr val="accent1">
-              <a:shade val="50000"/>
-            </a:schemeClr>
-          </a:lnRef>
-          <a:fillRef idx="1">
-            <a:schemeClr val="accent1"/>
-          </a:fillRef>
-          <a:effectRef idx="0">
-            <a:schemeClr val="accent1"/>
-          </a:effectRef>
-          <a:fontRef idx="minor">
-            <a:schemeClr val="lt1"/>
-          </a:fontRef>
-        </p:style>
-        <p:txBody>
-          <a:bodyPr rtlCol="0" anchor="ctr"/>
-          <a:lstStyle/>
-          <a:p>
-            <a:pPr algn="ctr"/>
-            <a:endParaRPr lang="ko-KR" altLang="en-US"/>
-          </a:p>
-        </p:txBody>
-      </p:sp>
-      <p:sp>
-        <p:nvSpPr>
-          <p:cNvPr id="8" name="순서도: 대체 처리 7">
-            <a:extLst>
-              <a:ext uri="{FF2B5EF4-FFF2-40B4-BE49-F238E27FC236}">
-                <a16:creationId xmlns:a16="http://schemas.microsoft.com/office/drawing/2014/main" id="{EB26DA31-01D3-4912-9317-4A0F46F7EAA6}"/>
-              </a:ext>
-            </a:extLst>
-          </p:cNvPr>
-          <p:cNvSpPr/>
-          <p:nvPr/>
-        </p:nvSpPr>
-        <p:spPr>
-          <a:xfrm>
-            <a:off x="3945775" y="4245033"/>
-            <a:ext cx="1670858" cy="598516"/>
-          </a:xfrm>
-          <a:prstGeom prst="flowChartAlternateProcess">
-            <a:avLst/>
-          </a:prstGeom>
-        </p:spPr>
-        <p:style>
-          <a:lnRef idx="2">
-            <a:schemeClr val="accent1">
-              <a:shade val="50000"/>
-            </a:schemeClr>
-          </a:lnRef>
-          <a:fillRef idx="1">
-            <a:schemeClr val="accent1"/>
-          </a:fillRef>
-          <a:effectRef idx="0">
-            <a:schemeClr val="accent1"/>
-          </a:effectRef>
-          <a:fontRef idx="minor">
-            <a:schemeClr val="lt1"/>
-          </a:fontRef>
-        </p:style>
-        <p:txBody>
-          <a:bodyPr rtlCol="0" anchor="ctr"/>
-          <a:lstStyle/>
-          <a:p>
-            <a:pPr algn="ctr"/>
-            <a:endParaRPr lang="ko-KR" altLang="en-US"/>
-          </a:p>
-        </p:txBody>
-      </p:sp>
-      <p:sp>
-        <p:nvSpPr>
-          <p:cNvPr id="9" name="순서도: 대체 처리 8">
-            <a:extLst>
-              <a:ext uri="{FF2B5EF4-FFF2-40B4-BE49-F238E27FC236}">
-                <a16:creationId xmlns:a16="http://schemas.microsoft.com/office/drawing/2014/main" id="{F44CB01A-9FED-4E0D-850E-1B34ED888E86}"/>
-              </a:ext>
-            </a:extLst>
-          </p:cNvPr>
-          <p:cNvSpPr/>
-          <p:nvPr/>
-        </p:nvSpPr>
-        <p:spPr>
-          <a:xfrm>
-            <a:off x="9110749" y="5295208"/>
-            <a:ext cx="1670858" cy="598516"/>
-          </a:xfrm>
-          <a:prstGeom prst="flowChartAlternateProcess">
-            <a:avLst/>
-          </a:prstGeom>
-        </p:spPr>
-        <p:style>
-          <a:lnRef idx="2">
-            <a:schemeClr val="accent1">
-              <a:shade val="50000"/>
-            </a:schemeClr>
-          </a:lnRef>
-          <a:fillRef idx="1">
-            <a:schemeClr val="accent1"/>
-          </a:fillRef>
-          <a:effectRef idx="0">
-            <a:schemeClr val="accent1"/>
-          </a:effectRef>
-          <a:fontRef idx="minor">
-            <a:schemeClr val="lt1"/>
-          </a:fontRef>
-        </p:style>
-        <p:txBody>
-          <a:bodyPr rtlCol="0" anchor="ctr"/>
-          <a:lstStyle/>
-          <a:p>
-            <a:pPr algn="ctr"/>
-            <a:endParaRPr lang="ko-KR" altLang="en-US"/>
-          </a:p>
-        </p:txBody>
-      </p:sp>
-      <p:sp>
-        <p:nvSpPr>
-          <p:cNvPr id="10" name="순서도: 대체 처리 9">
-            <a:extLst>
-              <a:ext uri="{FF2B5EF4-FFF2-40B4-BE49-F238E27FC236}">
-                <a16:creationId xmlns:a16="http://schemas.microsoft.com/office/drawing/2014/main" id="{7EA62758-5544-4080-903A-07A0D31550EB}"/>
-              </a:ext>
-            </a:extLst>
-          </p:cNvPr>
-          <p:cNvSpPr/>
-          <p:nvPr/>
-        </p:nvSpPr>
-        <p:spPr>
-          <a:xfrm>
-            <a:off x="6528262" y="5339542"/>
-            <a:ext cx="1670858" cy="598516"/>
-          </a:xfrm>
-          <a:prstGeom prst="flowChartAlternateProcess">
-            <a:avLst/>
-          </a:prstGeom>
-        </p:spPr>
-        <p:style>
-          <a:lnRef idx="2">
-            <a:schemeClr val="accent1">
-              <a:shade val="50000"/>
-            </a:schemeClr>
-          </a:lnRef>
-          <a:fillRef idx="1">
-            <a:schemeClr val="accent1"/>
-          </a:fillRef>
-          <a:effectRef idx="0">
-            <a:schemeClr val="accent1"/>
-          </a:effectRef>
-          <a:fontRef idx="minor">
-            <a:schemeClr val="lt1"/>
-          </a:fontRef>
-        </p:style>
-        <p:txBody>
-          <a:bodyPr rtlCol="0" anchor="ctr"/>
-          <a:lstStyle/>
-          <a:p>
-            <a:pPr algn="ctr"/>
-            <a:endParaRPr lang="ko-KR" altLang="en-US"/>
-          </a:p>
-        </p:txBody>
-      </p:sp>
-      <p:sp>
-        <p:nvSpPr>
-          <p:cNvPr id="11" name="순서도: 대체 처리 10">
-            <a:extLst>
-              <a:ext uri="{FF2B5EF4-FFF2-40B4-BE49-F238E27FC236}">
-                <a16:creationId xmlns:a16="http://schemas.microsoft.com/office/drawing/2014/main" id="{987CFF1B-DD8E-4960-86A7-2F6158150DBB}"/>
-              </a:ext>
-            </a:extLst>
-          </p:cNvPr>
-          <p:cNvSpPr/>
-          <p:nvPr/>
-        </p:nvSpPr>
-        <p:spPr>
-          <a:xfrm>
-            <a:off x="3945775" y="5339542"/>
-            <a:ext cx="1670858" cy="598516"/>
-          </a:xfrm>
-          <a:prstGeom prst="flowChartAlternateProcess">
-            <a:avLst/>
-          </a:prstGeom>
-        </p:spPr>
-        <p:style>
-          <a:lnRef idx="2">
-            <a:schemeClr val="accent1">
-              <a:shade val="50000"/>
-            </a:schemeClr>
-          </a:lnRef>
-          <a:fillRef idx="1">
-            <a:schemeClr val="accent1"/>
-          </a:fillRef>
-          <a:effectRef idx="0">
-            <a:schemeClr val="accent1"/>
-          </a:effectRef>
-          <a:fontRef idx="minor">
-            <a:schemeClr val="lt1"/>
-          </a:fontRef>
-        </p:style>
-        <p:txBody>
-          <a:bodyPr rtlCol="0" anchor="ctr"/>
-          <a:lstStyle/>
-          <a:p>
-            <a:pPr algn="ctr"/>
-            <a:endParaRPr lang="ko-KR" altLang="en-US"/>
-          </a:p>
-        </p:txBody>
-      </p:sp>
-      <p:sp>
-        <p:nvSpPr>
-          <p:cNvPr id="12" name="순서도: 대체 처리 11">
-            <a:extLst>
-              <a:ext uri="{FF2B5EF4-FFF2-40B4-BE49-F238E27FC236}">
-                <a16:creationId xmlns:a16="http://schemas.microsoft.com/office/drawing/2014/main" id="{544CADA9-A2E4-4CE9-973C-5614E8DFA288}"/>
-              </a:ext>
-            </a:extLst>
-          </p:cNvPr>
-          <p:cNvSpPr/>
-          <p:nvPr/>
-        </p:nvSpPr>
-        <p:spPr>
-          <a:xfrm>
-            <a:off x="1363288" y="5295208"/>
-            <a:ext cx="1670858" cy="598516"/>
-          </a:xfrm>
-          <a:prstGeom prst="flowChartAlternateProcess">
-            <a:avLst/>
-          </a:prstGeom>
-        </p:spPr>
-        <p:style>
-          <a:lnRef idx="2">
-            <a:schemeClr val="accent1">
-              <a:shade val="50000"/>
-            </a:schemeClr>
-          </a:lnRef>
-          <a:fillRef idx="1">
-            <a:schemeClr val="accent1"/>
-          </a:fillRef>
-          <a:effectRef idx="0">
-            <a:schemeClr val="accent1"/>
-          </a:effectRef>
-          <a:fontRef idx="minor">
-            <a:schemeClr val="lt1"/>
-          </a:fontRef>
-        </p:style>
-        <p:txBody>
-          <a:bodyPr rtlCol="0" anchor="ctr"/>
-          <a:lstStyle/>
-          <a:p>
-            <a:pPr algn="ctr"/>
-            <a:endParaRPr lang="ko-KR" altLang="en-US"/>
-          </a:p>
-        </p:txBody>
-      </p:sp>
-      <p:sp>
-        <p:nvSpPr>
-          <p:cNvPr id="13" name="순서도: 대체 처리 12">
-            <a:extLst>
-              <a:ext uri="{FF2B5EF4-FFF2-40B4-BE49-F238E27FC236}">
-                <a16:creationId xmlns:a16="http://schemas.microsoft.com/office/drawing/2014/main" id="{6356602E-9BA4-4268-863F-8DE2F2AE1AF1}"/>
-              </a:ext>
-            </a:extLst>
-          </p:cNvPr>
-          <p:cNvSpPr/>
-          <p:nvPr/>
-        </p:nvSpPr>
-        <p:spPr>
-          <a:xfrm>
-            <a:off x="9110749" y="4245033"/>
-            <a:ext cx="1670858" cy="598516"/>
-          </a:xfrm>
-          <a:prstGeom prst="flowChartAlternateProcess">
-            <a:avLst/>
-          </a:prstGeom>
-        </p:spPr>
-        <p:style>
-          <a:lnRef idx="2">
-            <a:schemeClr val="accent1">
-              <a:shade val="50000"/>
-            </a:schemeClr>
-          </a:lnRef>
-          <a:fillRef idx="1">
-            <a:schemeClr val="accent1"/>
-          </a:fillRef>
-          <a:effectRef idx="0">
-            <a:schemeClr val="accent1"/>
-          </a:effectRef>
-          <a:fontRef idx="minor">
-            <a:schemeClr val="lt1"/>
-          </a:fontRef>
-        </p:style>
-        <p:txBody>
-          <a:bodyPr rtlCol="0" anchor="ctr"/>
-          <a:lstStyle/>
-          <a:p>
-            <a:pPr algn="ctr"/>
-            <a:endParaRPr lang="ko-KR" altLang="en-US"/>
-          </a:p>
-        </p:txBody>
-      </p:sp>
-      <p:sp>
-        <p:nvSpPr>
-          <p:cNvPr id="14" name="순서도: 대체 처리 13">
-            <a:extLst>
-              <a:ext uri="{FF2B5EF4-FFF2-40B4-BE49-F238E27FC236}">
-                <a16:creationId xmlns:a16="http://schemas.microsoft.com/office/drawing/2014/main" id="{AF667E91-213A-491D-90EA-F40B9CB07E94}"/>
-              </a:ext>
-            </a:extLst>
-          </p:cNvPr>
-          <p:cNvSpPr/>
-          <p:nvPr/>
-        </p:nvSpPr>
-        <p:spPr>
-          <a:xfrm>
-            <a:off x="9110749" y="3194858"/>
-            <a:ext cx="1670858" cy="598516"/>
-          </a:xfrm>
-          <a:prstGeom prst="flowChartAlternateProcess">
-            <a:avLst/>
-          </a:prstGeom>
-        </p:spPr>
-        <p:style>
-          <a:lnRef idx="2">
-            <a:schemeClr val="accent1">
-              <a:shade val="50000"/>
-            </a:schemeClr>
-          </a:lnRef>
-          <a:fillRef idx="1">
-            <a:schemeClr val="accent1"/>
-          </a:fillRef>
-          <a:effectRef idx="0">
-            <a:schemeClr val="accent1"/>
-          </a:effectRef>
-          <a:fontRef idx="minor">
-            <a:schemeClr val="lt1"/>
-          </a:fontRef>
-        </p:style>
-        <p:txBody>
-          <a:bodyPr rtlCol="0" anchor="ctr"/>
-          <a:lstStyle/>
-          <a:p>
-            <a:pPr algn="ctr"/>
-            <a:endParaRPr lang="ko-KR" altLang="en-US"/>
-          </a:p>
-        </p:txBody>
-      </p:sp>
-      <p:sp>
-        <p:nvSpPr>
-          <p:cNvPr id="15" name="순서도: 대체 처리 14">
-            <a:extLst>
-              <a:ext uri="{FF2B5EF4-FFF2-40B4-BE49-F238E27FC236}">
-                <a16:creationId xmlns:a16="http://schemas.microsoft.com/office/drawing/2014/main" id="{F13FCF8B-A7EB-4DFC-A35F-9DBCE179C855}"/>
-              </a:ext>
-            </a:extLst>
-          </p:cNvPr>
-          <p:cNvSpPr/>
-          <p:nvPr/>
-        </p:nvSpPr>
-        <p:spPr>
-          <a:xfrm>
-            <a:off x="6528262" y="3194858"/>
-            <a:ext cx="1670858" cy="598516"/>
-          </a:xfrm>
-          <a:prstGeom prst="flowChartAlternateProcess">
-            <a:avLst/>
-          </a:prstGeom>
-        </p:spPr>
-        <p:style>
-          <a:lnRef idx="2">
-            <a:schemeClr val="accent1">
-              <a:shade val="50000"/>
-            </a:schemeClr>
-          </a:lnRef>
-          <a:fillRef idx="1">
-            <a:schemeClr val="accent1"/>
-          </a:fillRef>
-          <a:effectRef idx="0">
-            <a:schemeClr val="accent1"/>
-          </a:effectRef>
-          <a:fontRef idx="minor">
-            <a:schemeClr val="lt1"/>
-          </a:fontRef>
-        </p:style>
-        <p:txBody>
-          <a:bodyPr rtlCol="0" anchor="ctr"/>
-          <a:lstStyle/>
-          <a:p>
-            <a:pPr algn="ctr"/>
-            <a:endParaRPr lang="ko-KR" altLang="en-US"/>
-          </a:p>
-        </p:txBody>
-      </p:sp>
-      <p:sp>
-        <p:nvSpPr>
-          <p:cNvPr id="16" name="순서도: 대체 처리 15">
-            <a:extLst>
-              <a:ext uri="{FF2B5EF4-FFF2-40B4-BE49-F238E27FC236}">
-                <a16:creationId xmlns:a16="http://schemas.microsoft.com/office/drawing/2014/main" id="{2F94D636-EAD1-4E12-91A7-EED409B6CADB}"/>
-              </a:ext>
-            </a:extLst>
-          </p:cNvPr>
-          <p:cNvSpPr/>
-          <p:nvPr/>
-        </p:nvSpPr>
-        <p:spPr>
-          <a:xfrm>
-            <a:off x="9110749" y="2178150"/>
-            <a:ext cx="1670858" cy="598516"/>
-          </a:xfrm>
-          <a:prstGeom prst="flowChartAlternateProcess">
-            <a:avLst/>
-          </a:prstGeom>
-        </p:spPr>
-        <p:style>
-          <a:lnRef idx="2">
-            <a:schemeClr val="accent1">
-              <a:shade val="50000"/>
-            </a:schemeClr>
-          </a:lnRef>
-          <a:fillRef idx="1">
-            <a:schemeClr val="accent1"/>
-          </a:fillRef>
-          <a:effectRef idx="0">
-            <a:schemeClr val="accent1"/>
-          </a:effectRef>
-          <a:fontRef idx="minor">
-            <a:schemeClr val="lt1"/>
-          </a:fontRef>
-        </p:style>
-        <p:txBody>
-          <a:bodyPr rtlCol="0" anchor="ctr"/>
-          <a:lstStyle/>
-          <a:p>
-            <a:pPr algn="ctr"/>
-            <a:endParaRPr lang="ko-KR" altLang="en-US"/>
-          </a:p>
-        </p:txBody>
-      </p:sp>
-      <p:sp>
-        <p:nvSpPr>
-          <p:cNvPr id="17" name="순서도: 대체 처리 16">
-            <a:extLst>
-              <a:ext uri="{FF2B5EF4-FFF2-40B4-BE49-F238E27FC236}">
-                <a16:creationId xmlns:a16="http://schemas.microsoft.com/office/drawing/2014/main" id="{312C8A0D-E2F4-44A1-9E31-A4121885E2FC}"/>
-              </a:ext>
-            </a:extLst>
-          </p:cNvPr>
-          <p:cNvSpPr/>
-          <p:nvPr/>
-        </p:nvSpPr>
-        <p:spPr>
-          <a:xfrm>
-            <a:off x="3945775" y="3215857"/>
-            <a:ext cx="1670858" cy="598516"/>
-          </a:xfrm>
-          <a:prstGeom prst="flowChartAlternateProcess">
-            <a:avLst/>
-          </a:prstGeom>
-        </p:spPr>
-        <p:style>
-          <a:lnRef idx="2">
-            <a:schemeClr val="accent1">
-              <a:shade val="50000"/>
-            </a:schemeClr>
-          </a:lnRef>
-          <a:fillRef idx="1">
-            <a:schemeClr val="accent1"/>
-          </a:fillRef>
-          <a:effectRef idx="0">
-            <a:schemeClr val="accent1"/>
-          </a:effectRef>
-          <a:fontRef idx="minor">
-            <a:schemeClr val="lt1"/>
-          </a:fontRef>
-        </p:style>
-        <p:txBody>
-          <a:bodyPr rtlCol="0" anchor="ctr"/>
-          <a:lstStyle/>
-          <a:p>
-            <a:pPr algn="ctr"/>
-            <a:endParaRPr lang="ko-KR" altLang="en-US"/>
-          </a:p>
-        </p:txBody>
-      </p:sp>
-      <p:sp>
-        <p:nvSpPr>
-          <p:cNvPr id="18" name="순서도: 대체 처리 17">
-            <a:extLst>
-              <a:ext uri="{FF2B5EF4-FFF2-40B4-BE49-F238E27FC236}">
-                <a16:creationId xmlns:a16="http://schemas.microsoft.com/office/drawing/2014/main" id="{3CCB83AB-A3C9-4DB7-9C1A-FA7728F18574}"/>
-              </a:ext>
-            </a:extLst>
-          </p:cNvPr>
-          <p:cNvSpPr/>
-          <p:nvPr/>
-        </p:nvSpPr>
-        <p:spPr>
-          <a:xfrm>
-            <a:off x="1363288" y="3222785"/>
-            <a:ext cx="1670858" cy="598516"/>
-          </a:xfrm>
-          <a:prstGeom prst="flowChartAlternateProcess">
-            <a:avLst/>
-          </a:prstGeom>
-        </p:spPr>
-        <p:style>
-          <a:lnRef idx="2">
-            <a:schemeClr val="accent1">
-              <a:shade val="50000"/>
-            </a:schemeClr>
-          </a:lnRef>
-          <a:fillRef idx="1">
-            <a:schemeClr val="accent1"/>
-          </a:fillRef>
-          <a:effectRef idx="0">
-            <a:schemeClr val="accent1"/>
-          </a:effectRef>
-          <a:fontRef idx="minor">
-            <a:schemeClr val="lt1"/>
-          </a:fontRef>
-        </p:style>
-        <p:txBody>
-          <a:bodyPr rtlCol="0" anchor="ctr"/>
-          <a:lstStyle/>
-          <a:p>
-            <a:pPr algn="ctr"/>
-            <a:endParaRPr lang="ko-KR" altLang="en-US"/>
-          </a:p>
-        </p:txBody>
-      </p:sp>
-      <p:sp>
-        <p:nvSpPr>
-          <p:cNvPr id="19" name="순서도: 대체 처리 18">
-            <a:extLst>
-              <a:ext uri="{FF2B5EF4-FFF2-40B4-BE49-F238E27FC236}">
-                <a16:creationId xmlns:a16="http://schemas.microsoft.com/office/drawing/2014/main" id="{D6B45478-8401-495F-BEBD-2D9238FF3E95}"/>
-              </a:ext>
-            </a:extLst>
-          </p:cNvPr>
-          <p:cNvSpPr/>
-          <p:nvPr/>
-        </p:nvSpPr>
-        <p:spPr>
-          <a:xfrm>
-            <a:off x="1363288" y="2172610"/>
-            <a:ext cx="1670858" cy="598516"/>
-          </a:xfrm>
-          <a:prstGeom prst="flowChartAlternateProcess">
-            <a:avLst/>
-          </a:prstGeom>
-        </p:spPr>
-        <p:style>
-          <a:lnRef idx="2">
-            <a:schemeClr val="accent1">
-              <a:shade val="50000"/>
-            </a:schemeClr>
-          </a:lnRef>
-          <a:fillRef idx="1">
-            <a:schemeClr val="accent1"/>
-          </a:fillRef>
-          <a:effectRef idx="0">
-            <a:schemeClr val="accent1"/>
-          </a:effectRef>
-          <a:fontRef idx="minor">
-            <a:schemeClr val="lt1"/>
-          </a:fontRef>
-        </p:style>
-        <p:txBody>
-          <a:bodyPr rtlCol="0" anchor="ctr"/>
-          <a:lstStyle/>
-          <a:p>
-            <a:pPr algn="ctr"/>
-            <a:endParaRPr lang="ko-KR" altLang="en-US"/>
-          </a:p>
-        </p:txBody>
-      </p:sp>
-      <p:sp>
-        <p:nvSpPr>
-          <p:cNvPr id="20" name="순서도: 대체 처리 19">
-            <a:extLst>
-              <a:ext uri="{FF2B5EF4-FFF2-40B4-BE49-F238E27FC236}">
-                <a16:creationId xmlns:a16="http://schemas.microsoft.com/office/drawing/2014/main" id="{7E8AA572-F189-4553-9BDB-73FBF3841D22}"/>
-              </a:ext>
-            </a:extLst>
-          </p:cNvPr>
-          <p:cNvSpPr/>
-          <p:nvPr/>
-        </p:nvSpPr>
-        <p:spPr>
-          <a:xfrm>
-            <a:off x="3945775" y="2154014"/>
-            <a:ext cx="1670858" cy="598516"/>
-          </a:xfrm>
-          <a:prstGeom prst="flowChartAlternateProcess">
-            <a:avLst/>
-          </a:prstGeom>
-        </p:spPr>
-        <p:style>
-          <a:lnRef idx="2">
-            <a:schemeClr val="accent1">
-              <a:shade val="50000"/>
-            </a:schemeClr>
-          </a:lnRef>
-          <a:fillRef idx="1">
-            <a:schemeClr val="accent1"/>
-          </a:fillRef>
-          <a:effectRef idx="0">
-            <a:schemeClr val="accent1"/>
-          </a:effectRef>
-          <a:fontRef idx="minor">
-            <a:schemeClr val="lt1"/>
-          </a:fontRef>
-        </p:style>
-        <p:txBody>
-          <a:bodyPr rtlCol="0" anchor="ctr"/>
-          <a:lstStyle/>
-          <a:p>
-            <a:pPr algn="ctr"/>
-            <a:endParaRPr lang="ko-KR" altLang="en-US"/>
-          </a:p>
-        </p:txBody>
-      </p:sp>
-      <p:sp>
-        <p:nvSpPr>
-          <p:cNvPr id="21" name="순서도: 대체 처리 20">
-            <a:extLst>
-              <a:ext uri="{FF2B5EF4-FFF2-40B4-BE49-F238E27FC236}">
-                <a16:creationId xmlns:a16="http://schemas.microsoft.com/office/drawing/2014/main" id="{75741028-E14A-477E-8620-CADE21536273}"/>
-              </a:ext>
-            </a:extLst>
-          </p:cNvPr>
-          <p:cNvSpPr/>
-          <p:nvPr/>
-        </p:nvSpPr>
-        <p:spPr>
-          <a:xfrm>
-            <a:off x="6528262" y="2172610"/>
-            <a:ext cx="1670858" cy="598516"/>
-          </a:xfrm>
-          <a:prstGeom prst="flowChartAlternateProcess">
-            <a:avLst/>
-          </a:prstGeom>
-        </p:spPr>
-        <p:style>
-          <a:lnRef idx="2">
-            <a:schemeClr val="accent1">
-              <a:shade val="50000"/>
-            </a:schemeClr>
-          </a:lnRef>
-          <a:fillRef idx="1">
-            <a:schemeClr val="accent1"/>
-          </a:fillRef>
-          <a:effectRef idx="0">
-            <a:schemeClr val="accent1"/>
-          </a:effectRef>
-          <a:fontRef idx="minor">
-            <a:schemeClr val="lt1"/>
-          </a:fontRef>
-        </p:style>
-        <p:txBody>
-          <a:bodyPr rtlCol="0" anchor="ctr"/>
-          <a:lstStyle/>
-          <a:p>
-            <a:pPr algn="ctr"/>
-            <a:endParaRPr lang="ko-KR" altLang="en-US"/>
+            <a:r>
+              <a:rPr lang="en-US" altLang="ko-KR" sz="2400" b="1" dirty="0"/>
+              <a:t>Get</a:t>
+            </a:r>
+            <a:r>
+              <a:rPr lang="ko-KR" altLang="en-US" sz="2400" b="1" dirty="0"/>
+              <a:t> </a:t>
+            </a:r>
+            <a:r>
+              <a:rPr lang="en-US" altLang="ko-KR" sz="2400" b="1" dirty="0"/>
+              <a:t>to</a:t>
+            </a:r>
+            <a:r>
+              <a:rPr lang="ko-KR" altLang="en-US" sz="2400" b="1" dirty="0"/>
+              <a:t> </a:t>
+            </a:r>
+            <a:r>
+              <a:rPr lang="en-US" altLang="ko-KR" sz="2400" b="1" dirty="0"/>
+              <a:t>know inside the school Right Now without any step</a:t>
+            </a:r>
+            <a:endParaRPr lang="ko-KR" altLang="en-US" sz="2400" b="1" dirty="0"/>
           </a:p>
         </p:txBody>
       </p:sp>
     </p:spTree>
     <p:extLst>
       <p:ext uri="{BB962C8B-B14F-4D97-AF65-F5344CB8AC3E}">
-        <p14:creationId xmlns:p14="http://schemas.microsoft.com/office/powerpoint/2010/main" val="1133999341"/>
+        <p14:creationId xmlns:p14="http://schemas.microsoft.com/office/powerpoint/2010/main" val="1478105499"/>
       </p:ext>
     </p:extLst>
   </p:cSld>
@@ -15279,14 +15536,19 @@
             <p:ph type="title"/>
           </p:nvPr>
         </p:nvSpPr>
-        <p:spPr/>
+        <p:spPr>
+          <a:xfrm>
+            <a:off x="838200" y="365125"/>
+            <a:ext cx="10515600" cy="1325563"/>
+          </a:xfrm>
+        </p:spPr>
         <p:txBody>
           <a:bodyPr/>
           <a:lstStyle/>
           <a:p>
             <a:r>
               <a:rPr lang="en-US" altLang="ko-KR" dirty="0"/>
-              <a:t>Team &amp; Strategy</a:t>
+              <a:t>Goals</a:t>
             </a:r>
             <a:endParaRPr lang="ko-KR" altLang="en-US" dirty="0"/>
           </a:p>
@@ -15294,158 +15556,195 @@
       </p:sp>
       <p:sp>
         <p:nvSpPr>
-          <p:cNvPr id="9" name="말풍선: 모서리가 둥근 사각형 8">
+          <p:cNvPr id="2" name="TextBox 1">
             <a:extLst>
               <a:ext uri="{FF2B5EF4-FFF2-40B4-BE49-F238E27FC236}">
-                <a16:creationId xmlns:a16="http://schemas.microsoft.com/office/drawing/2014/main" id="{7543FBBF-0464-4080-AE85-AC4BEB8ECF26}"/>
+                <a16:creationId xmlns:a16="http://schemas.microsoft.com/office/drawing/2014/main" id="{0B3D1D03-DB2B-4FB5-8B81-8F2AE42B0897}"/>
               </a:ext>
             </a:extLst>
           </p:cNvPr>
-          <p:cNvSpPr/>
+          <p:cNvSpPr txBox="1"/>
           <p:nvPr/>
         </p:nvSpPr>
         <p:spPr>
           <a:xfrm>
-            <a:off x="1554479" y="4098175"/>
-            <a:ext cx="2576946" cy="1629294"/>
+            <a:off x="370609" y="1690688"/>
+            <a:ext cx="11450782" cy="461665"/>
           </a:xfrm>
-          <a:prstGeom prst="wedgeRoundRectCallout">
-            <a:avLst>
-              <a:gd name="adj1" fmla="val 77877"/>
-              <a:gd name="adj2" fmla="val 7908"/>
-              <a:gd name="adj3" fmla="val 16667"/>
-            </a:avLst>
+          <a:prstGeom prst="rect">
+            <a:avLst/>
           </a:prstGeom>
+          <a:noFill/>
         </p:spPr>
-        <p:style>
-          <a:lnRef idx="2">
-            <a:schemeClr val="accent1">
-              <a:shade val="50000"/>
-            </a:schemeClr>
-          </a:lnRef>
-          <a:fillRef idx="1">
-            <a:schemeClr val="accent1"/>
-          </a:fillRef>
-          <a:effectRef idx="0">
-            <a:schemeClr val="accent1"/>
-          </a:effectRef>
-          <a:fontRef idx="minor">
-            <a:schemeClr val="lt1"/>
-          </a:fontRef>
-        </p:style>
         <p:txBody>
-          <a:bodyPr rtlCol="0" anchor="ctr"/>
+          <a:bodyPr wrap="square" rtlCol="0">
+            <a:spAutoFit/>
+          </a:bodyPr>
           <a:lstStyle/>
           <a:p>
             <a:pPr algn="ctr"/>
-            <a:endParaRPr lang="ko-KR" altLang="en-US"/>
+            <a:r>
+              <a:rPr lang="ko-KR" altLang="en-US" sz="2400" b="1" dirty="0"/>
+              <a:t>세부 목표</a:t>
+            </a:r>
           </a:p>
         </p:txBody>
       </p:sp>
       <p:sp>
         <p:nvSpPr>
-          <p:cNvPr id="10" name="말풍선: 모서리가 둥근 사각형 9">
+          <p:cNvPr id="4" name="TextBox 3">
             <a:extLst>
               <a:ext uri="{FF2B5EF4-FFF2-40B4-BE49-F238E27FC236}">
-                <a16:creationId xmlns:a16="http://schemas.microsoft.com/office/drawing/2014/main" id="{92568A54-F777-40DF-9F1C-041D9BE7C9CA}"/>
+                <a16:creationId xmlns:a16="http://schemas.microsoft.com/office/drawing/2014/main" id="{E924B038-C650-4148-B316-B3876CA63E46}"/>
               </a:ext>
             </a:extLst>
           </p:cNvPr>
-          <p:cNvSpPr/>
+          <p:cNvSpPr txBox="1"/>
           <p:nvPr/>
         </p:nvSpPr>
         <p:spPr>
           <a:xfrm>
-            <a:off x="8060577" y="4098175"/>
-            <a:ext cx="2576946" cy="1629294"/>
+            <a:off x="1163782" y="2452255"/>
+            <a:ext cx="11450782" cy="1754326"/>
           </a:xfrm>
-          <a:prstGeom prst="wedgeRoundRectCallout">
-            <a:avLst>
-              <a:gd name="adj1" fmla="val -87930"/>
-              <a:gd name="adj2" fmla="val 5356"/>
-              <a:gd name="adj3" fmla="val 16667"/>
-            </a:avLst>
+          <a:prstGeom prst="rect">
+            <a:avLst/>
           </a:prstGeom>
+          <a:noFill/>
         </p:spPr>
-        <p:style>
-          <a:lnRef idx="2">
-            <a:schemeClr val="accent1">
-              <a:shade val="50000"/>
-            </a:schemeClr>
-          </a:lnRef>
-          <a:fillRef idx="1">
-            <a:schemeClr val="accent1"/>
-          </a:fillRef>
-          <a:effectRef idx="0">
-            <a:schemeClr val="accent1"/>
-          </a:effectRef>
-          <a:fontRef idx="minor">
-            <a:schemeClr val="lt1"/>
-          </a:fontRef>
-        </p:style>
         <p:txBody>
-          <a:bodyPr rtlCol="0" anchor="ctr"/>
+          <a:bodyPr wrap="square" rtlCol="0">
+            <a:spAutoFit/>
+          </a:bodyPr>
           <a:lstStyle/>
           <a:p>
-            <a:pPr algn="ctr"/>
-            <a:endParaRPr lang="ko-KR" altLang="en-US"/>
-          </a:p>
-        </p:txBody>
-      </p:sp>
-      <p:sp>
-        <p:nvSpPr>
-          <p:cNvPr id="11" name="말풍선: 모서리가 둥근 사각형 10">
-            <a:extLst>
-              <a:ext uri="{FF2B5EF4-FFF2-40B4-BE49-F238E27FC236}">
-                <a16:creationId xmlns:a16="http://schemas.microsoft.com/office/drawing/2014/main" id="{FC75D5F1-8AFA-4EDB-AFEE-F5CEE77BDE60}"/>
-              </a:ext>
-            </a:extLst>
-          </p:cNvPr>
-          <p:cNvSpPr/>
-          <p:nvPr/>
-        </p:nvSpPr>
-        <p:spPr>
-          <a:xfrm>
-            <a:off x="4807527" y="1799706"/>
-            <a:ext cx="2576946" cy="1629294"/>
-          </a:xfrm>
-          <a:prstGeom prst="wedgeRoundRectCallout">
-            <a:avLst>
-              <a:gd name="adj1" fmla="val -12446"/>
-              <a:gd name="adj2" fmla="val 80867"/>
-              <a:gd name="adj3" fmla="val 16667"/>
-            </a:avLst>
-          </a:prstGeom>
-        </p:spPr>
-        <p:style>
-          <a:lnRef idx="2">
-            <a:schemeClr val="accent1">
-              <a:shade val="50000"/>
-            </a:schemeClr>
-          </a:lnRef>
-          <a:fillRef idx="1">
-            <a:schemeClr val="accent1"/>
-          </a:fillRef>
-          <a:effectRef idx="0">
-            <a:schemeClr val="accent1"/>
-          </a:effectRef>
-          <a:fontRef idx="minor">
-            <a:schemeClr val="lt1"/>
-          </a:fontRef>
-        </p:style>
-        <p:txBody>
-          <a:bodyPr rtlCol="0" anchor="ctr"/>
-          <a:lstStyle/>
-          <a:p>
-            <a:pPr algn="ctr"/>
-            <a:endParaRPr lang="ko-KR" altLang="en-US"/>
+            <a:pPr marL="342900" indent="-342900">
+              <a:buAutoNum type="arabicPeriod"/>
+            </a:pPr>
+            <a:r>
+              <a:rPr lang="ko-KR" altLang="en-US" dirty="0"/>
+              <a:t>각 건물 내부의 지도 데이터 생성</a:t>
+            </a:r>
+            <a:endParaRPr lang="en-US" altLang="ko-KR" dirty="0"/>
+          </a:p>
+          <a:p>
+            <a:pPr marL="342900" indent="-342900">
+              <a:buAutoNum type="arabicPeriod"/>
+            </a:pPr>
+            <a:r>
+              <a:rPr lang="ko-KR" altLang="en-US" dirty="0"/>
+              <a:t>각 건물 내부의 강의실까지의 이동 수단에 맞는 데이터 수집 </a:t>
+            </a:r>
+            <a:r>
+              <a:rPr lang="en-US" altLang="ko-KR" dirty="0"/>
+              <a:t>(</a:t>
+            </a:r>
+            <a:r>
+              <a:rPr lang="ko-KR" altLang="en-US" dirty="0"/>
+              <a:t>걷기</a:t>
+            </a:r>
+            <a:r>
+              <a:rPr lang="en-US" altLang="ko-KR" dirty="0"/>
+              <a:t>, </a:t>
+            </a:r>
+            <a:r>
+              <a:rPr lang="ko-KR" altLang="en-US" dirty="0"/>
+              <a:t>자전거</a:t>
+            </a:r>
+            <a:r>
+              <a:rPr lang="en-US" altLang="ko-KR" dirty="0"/>
+              <a:t>, </a:t>
+            </a:r>
+            <a:r>
+              <a:rPr lang="ko-KR" altLang="en-US" dirty="0" err="1"/>
+              <a:t>킥보드</a:t>
+            </a:r>
+            <a:r>
+              <a:rPr lang="en-US" altLang="ko-KR" dirty="0"/>
+              <a:t>)</a:t>
+            </a:r>
+          </a:p>
+          <a:p>
+            <a:pPr marL="342900" indent="-342900">
+              <a:buAutoNum type="arabicPeriod"/>
+            </a:pPr>
+            <a:r>
+              <a:rPr lang="ko-KR" altLang="en-US" dirty="0"/>
+              <a:t>건물 내부에서도 </a:t>
+            </a:r>
+            <a:r>
+              <a:rPr lang="en-US" altLang="ko-KR" dirty="0"/>
+              <a:t>GPS</a:t>
+            </a:r>
+            <a:r>
+              <a:rPr lang="ko-KR" altLang="en-US" dirty="0"/>
+              <a:t>와 </a:t>
+            </a:r>
+            <a:r>
+              <a:rPr lang="en-US" altLang="ko-KR" dirty="0" err="1"/>
+              <a:t>Wifi</a:t>
+            </a:r>
+            <a:r>
+              <a:rPr lang="ko-KR" altLang="en-US" dirty="0" err="1"/>
+              <a:t>를</a:t>
+            </a:r>
+            <a:r>
+              <a:rPr lang="ko-KR" altLang="en-US" dirty="0"/>
+              <a:t> 이용하여 사용자의 정확한 위치정보 수집 기능 개발</a:t>
+            </a:r>
+            <a:endParaRPr lang="en-US" altLang="ko-KR" dirty="0"/>
+          </a:p>
+          <a:p>
+            <a:pPr marL="342900" indent="-342900">
+              <a:buAutoNum type="arabicPeriod"/>
+            </a:pPr>
+            <a:r>
+              <a:rPr lang="ko-KR" altLang="en-US" dirty="0"/>
+              <a:t>건물 입구까지의 최단거리가 아닌</a:t>
+            </a:r>
+            <a:r>
+              <a:rPr lang="en-US" altLang="ko-KR" dirty="0"/>
+              <a:t>, </a:t>
+            </a:r>
+            <a:r>
+              <a:rPr lang="ko-KR" altLang="en-US" dirty="0"/>
+              <a:t>강의실 앞까지의 최단 거리 생성</a:t>
+            </a:r>
+            <a:endParaRPr lang="en-US" altLang="ko-KR" dirty="0"/>
+          </a:p>
+          <a:p>
+            <a:pPr marL="342900" indent="-342900">
+              <a:buAutoNum type="arabicPeriod"/>
+            </a:pPr>
+            <a:r>
+              <a:rPr lang="ko-KR" altLang="en-US" dirty="0"/>
+              <a:t>계단</a:t>
+            </a:r>
+            <a:r>
+              <a:rPr lang="en-US" altLang="ko-KR" dirty="0"/>
+              <a:t>, </a:t>
+            </a:r>
+            <a:r>
+              <a:rPr lang="ko-KR" altLang="en-US" dirty="0"/>
+              <a:t>엘리베이터를 포함한 이동 경로 쉽게 표현</a:t>
+            </a:r>
+            <a:endParaRPr lang="en-US" altLang="ko-KR" dirty="0"/>
+          </a:p>
+          <a:p>
+            <a:pPr marL="342900" indent="-342900">
+              <a:buAutoNum type="arabicPeriod"/>
+            </a:pPr>
+            <a:r>
+              <a:rPr lang="ko-KR" altLang="en-US" dirty="0"/>
+              <a:t>건물 내부에서의 로드맵 기능 개발</a:t>
+            </a:r>
           </a:p>
         </p:txBody>
       </p:sp>
     </p:spTree>
     <p:extLst>
       <p:ext uri="{BB962C8B-B14F-4D97-AF65-F5344CB8AC3E}">
-        <p14:creationId xmlns:p14="http://schemas.microsoft.com/office/powerpoint/2010/main" val="1320894441"/>
+        <p14:creationId xmlns:p14="http://schemas.microsoft.com/office/powerpoint/2010/main" val="3859425549"/>
       </p:ext>
     </p:extLst>
   </p:cSld>
@@ -15488,759 +15787,243 @@
             <p:ph type="title"/>
           </p:nvPr>
         </p:nvSpPr>
-        <p:spPr/>
+        <p:spPr>
+          <a:xfrm>
+            <a:off x="838200" y="365125"/>
+            <a:ext cx="10515600" cy="1325563"/>
+          </a:xfrm>
+        </p:spPr>
         <p:txBody>
           <a:bodyPr/>
           <a:lstStyle/>
           <a:p>
             <a:r>
               <a:rPr lang="en-US" altLang="ko-KR" dirty="0"/>
-              <a:t>Plan &amp; Effects</a:t>
+              <a:t>Methods </a:t>
             </a:r>
-            <a:endParaRPr lang="ko-KR" altLang="en-US" dirty="0"/>
+            <a:r>
+              <a:rPr lang="ko-KR" altLang="en-US" dirty="0" err="1"/>
+              <a:t>프론트엔드</a:t>
+            </a:r>
+            <a:r>
+              <a:rPr lang="ko-KR" altLang="en-US" dirty="0"/>
+              <a:t> </a:t>
+            </a:r>
+            <a:r>
+              <a:rPr lang="ko-KR" altLang="en-US" dirty="0" err="1"/>
+              <a:t>백엔드</a:t>
+            </a:r>
+            <a:r>
+              <a:rPr lang="ko-KR" altLang="en-US" dirty="0"/>
+              <a:t> 구조</a:t>
+            </a:r>
           </a:p>
         </p:txBody>
       </p:sp>
-      <p:graphicFrame>
-        <p:nvGraphicFramePr>
-          <p:cNvPr id="7" name="표 7">
+      <p:sp>
+        <p:nvSpPr>
+          <p:cNvPr id="2" name="TextBox 1">
             <a:extLst>
               <a:ext uri="{FF2B5EF4-FFF2-40B4-BE49-F238E27FC236}">
-                <a16:creationId xmlns:a16="http://schemas.microsoft.com/office/drawing/2014/main" id="{B80C3303-6643-40BA-B6EB-ADFE77BD7A8C}"/>
+                <a16:creationId xmlns:a16="http://schemas.microsoft.com/office/drawing/2014/main" id="{0B3D1D03-DB2B-4FB5-8B81-8F2AE42B0897}"/>
               </a:ext>
             </a:extLst>
           </p:cNvPr>
-          <p:cNvGraphicFramePr>
-            <a:graphicFrameLocks noGrp="1"/>
-          </p:cNvGraphicFramePr>
-          <p:nvPr>
-            <p:ph idx="1"/>
-            <p:extLst>
-              <p:ext uri="{D42A27DB-BD31-4B8C-83A1-F6EECF244321}">
-                <p14:modId xmlns:p14="http://schemas.microsoft.com/office/powerpoint/2010/main" val="1337130386"/>
-              </p:ext>
-            </p:extLst>
-          </p:nvPr>
-        </p:nvGraphicFramePr>
-        <p:xfrm>
-          <a:off x="838200" y="1535504"/>
-          <a:ext cx="10515600" cy="4938579"/>
-        </p:xfrm>
-        <a:graphic>
-          <a:graphicData uri="http://schemas.openxmlformats.org/drawingml/2006/table">
-            <a:tbl>
-              <a:tblPr firstRow="1" bandRow="1">
-                <a:tableStyleId>{5C22544A-7EE6-4342-B048-85BDC9FD1C3A}</a:tableStyleId>
-              </a:tblPr>
-              <a:tblGrid>
-                <a:gridCol w="1752600">
-                  <a:extLst>
-                    <a:ext uri="{9D8B030D-6E8A-4147-A177-3AD203B41FA5}">
-                      <a16:colId xmlns:a16="http://schemas.microsoft.com/office/drawing/2014/main" val="4013395097"/>
-                    </a:ext>
-                  </a:extLst>
-                </a:gridCol>
-                <a:gridCol w="1752600">
-                  <a:extLst>
-                    <a:ext uri="{9D8B030D-6E8A-4147-A177-3AD203B41FA5}">
-                      <a16:colId xmlns:a16="http://schemas.microsoft.com/office/drawing/2014/main" val="3565969740"/>
-                    </a:ext>
-                  </a:extLst>
-                </a:gridCol>
-                <a:gridCol w="1752600">
-                  <a:extLst>
-                    <a:ext uri="{9D8B030D-6E8A-4147-A177-3AD203B41FA5}">
-                      <a16:colId xmlns:a16="http://schemas.microsoft.com/office/drawing/2014/main" val="958841226"/>
-                    </a:ext>
-                  </a:extLst>
-                </a:gridCol>
-                <a:gridCol w="1752600">
-                  <a:extLst>
-                    <a:ext uri="{9D8B030D-6E8A-4147-A177-3AD203B41FA5}">
-                      <a16:colId xmlns:a16="http://schemas.microsoft.com/office/drawing/2014/main" val="886997354"/>
-                    </a:ext>
-                  </a:extLst>
-                </a:gridCol>
-                <a:gridCol w="1752600">
-                  <a:extLst>
-                    <a:ext uri="{9D8B030D-6E8A-4147-A177-3AD203B41FA5}">
-                      <a16:colId xmlns:a16="http://schemas.microsoft.com/office/drawing/2014/main" val="289483170"/>
-                    </a:ext>
-                  </a:extLst>
-                </a:gridCol>
-                <a:gridCol w="1752600">
-                  <a:extLst>
-                    <a:ext uri="{9D8B030D-6E8A-4147-A177-3AD203B41FA5}">
-                      <a16:colId xmlns:a16="http://schemas.microsoft.com/office/drawing/2014/main" val="219788569"/>
-                    </a:ext>
-                  </a:extLst>
-                </a:gridCol>
-              </a:tblGrid>
-              <a:tr h="548731">
-                <a:tc>
-                  <a:txBody>
-                    <a:bodyPr/>
-                    <a:lstStyle/>
-                    <a:p>
-                      <a:pPr algn="ctr" latinLnBrk="1"/>
-                      <a:endParaRPr lang="ko-KR" altLang="en-US" dirty="0"/>
-                    </a:p>
-                  </a:txBody>
-                  <a:tcPr anchor="ctr"/>
-                </a:tc>
-                <a:tc>
-                  <a:txBody>
-                    <a:bodyPr/>
-                    <a:lstStyle/>
-                    <a:p>
-                      <a:pPr algn="ctr" latinLnBrk="1"/>
-                      <a:endParaRPr lang="ko-KR" altLang="en-US" dirty="0"/>
-                    </a:p>
-                  </a:txBody>
-                  <a:tcPr anchor="ctr"/>
-                </a:tc>
-                <a:tc>
-                  <a:txBody>
-                    <a:bodyPr/>
-                    <a:lstStyle/>
-                    <a:p>
-                      <a:pPr algn="ctr" latinLnBrk="1"/>
-                      <a:endParaRPr lang="ko-KR" altLang="en-US" dirty="0"/>
-                    </a:p>
-                  </a:txBody>
-                  <a:tcPr anchor="ctr"/>
-                </a:tc>
-                <a:tc>
-                  <a:txBody>
-                    <a:bodyPr/>
-                    <a:lstStyle/>
-                    <a:p>
-                      <a:pPr algn="ctr" latinLnBrk="1"/>
-                      <a:endParaRPr lang="ko-KR" altLang="en-US" dirty="0"/>
-                    </a:p>
-                  </a:txBody>
-                  <a:tcPr anchor="ctr"/>
-                </a:tc>
-                <a:tc>
-                  <a:txBody>
-                    <a:bodyPr/>
-                    <a:lstStyle/>
-                    <a:p>
-                      <a:pPr algn="ctr" latinLnBrk="1"/>
-                      <a:endParaRPr lang="ko-KR" altLang="en-US" dirty="0"/>
-                    </a:p>
-                  </a:txBody>
-                  <a:tcPr anchor="ctr"/>
-                </a:tc>
-                <a:tc>
-                  <a:txBody>
-                    <a:bodyPr/>
-                    <a:lstStyle/>
-                    <a:p>
-                      <a:pPr algn="ctr" latinLnBrk="1"/>
-                      <a:endParaRPr lang="ko-KR" altLang="en-US" dirty="0"/>
-                    </a:p>
-                  </a:txBody>
-                  <a:tcPr anchor="ctr"/>
-                </a:tc>
-                <a:extLst>
-                  <a:ext uri="{0D108BD9-81ED-4DB2-BD59-A6C34878D82A}">
-                    <a16:rowId xmlns:a16="http://schemas.microsoft.com/office/drawing/2014/main" val="2461258313"/>
-                  </a:ext>
-                </a:extLst>
-              </a:tr>
-              <a:tr h="548731">
-                <a:tc>
-                  <a:txBody>
-                    <a:bodyPr/>
-                    <a:lstStyle/>
-                    <a:p>
-                      <a:pPr algn="ctr" latinLnBrk="1"/>
-                      <a:endParaRPr lang="ko-KR" altLang="en-US" dirty="0"/>
-                    </a:p>
-                  </a:txBody>
-                  <a:tcPr anchor="ctr"/>
-                </a:tc>
-                <a:tc>
-                  <a:txBody>
-                    <a:bodyPr/>
-                    <a:lstStyle/>
-                    <a:p>
-                      <a:pPr algn="ctr" latinLnBrk="1"/>
-                      <a:endParaRPr lang="ko-KR" altLang="en-US" dirty="0"/>
-                    </a:p>
-                  </a:txBody>
-                  <a:tcPr anchor="ctr"/>
-                </a:tc>
-                <a:tc>
-                  <a:txBody>
-                    <a:bodyPr/>
-                    <a:lstStyle/>
-                    <a:p>
-                      <a:pPr algn="ctr" latinLnBrk="1"/>
-                      <a:endParaRPr lang="ko-KR" altLang="en-US" dirty="0"/>
-                    </a:p>
-                  </a:txBody>
-                  <a:tcPr anchor="ctr"/>
-                </a:tc>
-                <a:tc>
-                  <a:txBody>
-                    <a:bodyPr/>
-                    <a:lstStyle/>
-                    <a:p>
-                      <a:pPr algn="ctr" latinLnBrk="1"/>
-                      <a:endParaRPr lang="ko-KR" altLang="en-US" dirty="0"/>
-                    </a:p>
-                  </a:txBody>
-                  <a:tcPr anchor="ctr"/>
-                </a:tc>
-                <a:tc>
-                  <a:txBody>
-                    <a:bodyPr/>
-                    <a:lstStyle/>
-                    <a:p>
-                      <a:pPr algn="ctr" latinLnBrk="1"/>
-                      <a:endParaRPr lang="ko-KR" altLang="en-US"/>
-                    </a:p>
-                  </a:txBody>
-                  <a:tcPr anchor="ctr"/>
-                </a:tc>
-                <a:tc>
-                  <a:txBody>
-                    <a:bodyPr/>
-                    <a:lstStyle/>
-                    <a:p>
-                      <a:pPr algn="ctr" latinLnBrk="1"/>
-                      <a:endParaRPr lang="ko-KR" altLang="en-US"/>
-                    </a:p>
-                  </a:txBody>
-                  <a:tcPr anchor="ctr"/>
-                </a:tc>
-                <a:extLst>
-                  <a:ext uri="{0D108BD9-81ED-4DB2-BD59-A6C34878D82A}">
-                    <a16:rowId xmlns:a16="http://schemas.microsoft.com/office/drawing/2014/main" val="1624731853"/>
-                  </a:ext>
-                </a:extLst>
-              </a:tr>
-              <a:tr h="548731">
-                <a:tc>
-                  <a:txBody>
-                    <a:bodyPr/>
-                    <a:lstStyle/>
-                    <a:p>
-                      <a:pPr algn="ctr" latinLnBrk="1"/>
-                      <a:endParaRPr lang="ko-KR" altLang="en-US" dirty="0"/>
-                    </a:p>
-                  </a:txBody>
-                  <a:tcPr anchor="ctr"/>
-                </a:tc>
-                <a:tc>
-                  <a:txBody>
-                    <a:bodyPr/>
-                    <a:lstStyle/>
-                    <a:p>
-                      <a:pPr algn="ctr" latinLnBrk="1"/>
-                      <a:endParaRPr lang="ko-KR" altLang="en-US" dirty="0"/>
-                    </a:p>
-                  </a:txBody>
-                  <a:tcPr anchor="ctr"/>
-                </a:tc>
-                <a:tc>
-                  <a:txBody>
-                    <a:bodyPr/>
-                    <a:lstStyle/>
-                    <a:p>
-                      <a:pPr algn="ctr" latinLnBrk="1"/>
-                      <a:endParaRPr lang="ko-KR" altLang="en-US" dirty="0"/>
-                    </a:p>
-                  </a:txBody>
-                  <a:tcPr anchor="ctr"/>
-                </a:tc>
-                <a:tc>
-                  <a:txBody>
-                    <a:bodyPr/>
-                    <a:lstStyle/>
-                    <a:p>
-                      <a:pPr algn="ctr" latinLnBrk="1"/>
-                      <a:endParaRPr lang="ko-KR" altLang="en-US" dirty="0"/>
-                    </a:p>
-                  </a:txBody>
-                  <a:tcPr anchor="ctr"/>
-                </a:tc>
-                <a:tc>
-                  <a:txBody>
-                    <a:bodyPr/>
-                    <a:lstStyle/>
-                    <a:p>
-                      <a:pPr algn="ctr" latinLnBrk="1"/>
-                      <a:endParaRPr lang="ko-KR" altLang="en-US"/>
-                    </a:p>
-                  </a:txBody>
-                  <a:tcPr anchor="ctr"/>
-                </a:tc>
-                <a:tc>
-                  <a:txBody>
-                    <a:bodyPr/>
-                    <a:lstStyle/>
-                    <a:p>
-                      <a:pPr algn="ctr" latinLnBrk="1"/>
-                      <a:endParaRPr lang="ko-KR" altLang="en-US"/>
-                    </a:p>
-                  </a:txBody>
-                  <a:tcPr anchor="ctr"/>
-                </a:tc>
-                <a:extLst>
-                  <a:ext uri="{0D108BD9-81ED-4DB2-BD59-A6C34878D82A}">
-                    <a16:rowId xmlns:a16="http://schemas.microsoft.com/office/drawing/2014/main" val="3709917705"/>
-                  </a:ext>
-                </a:extLst>
-              </a:tr>
-              <a:tr h="548731">
-                <a:tc>
-                  <a:txBody>
-                    <a:bodyPr/>
-                    <a:lstStyle/>
-                    <a:p>
-                      <a:pPr algn="ctr" latinLnBrk="1"/>
-                      <a:endParaRPr lang="ko-KR" altLang="en-US"/>
-                    </a:p>
-                  </a:txBody>
-                  <a:tcPr anchor="ctr"/>
-                </a:tc>
-                <a:tc>
-                  <a:txBody>
-                    <a:bodyPr/>
-                    <a:lstStyle/>
-                    <a:p>
-                      <a:pPr algn="ctr" latinLnBrk="1"/>
-                      <a:endParaRPr lang="ko-KR" altLang="en-US" dirty="0"/>
-                    </a:p>
-                  </a:txBody>
-                  <a:tcPr anchor="ctr"/>
-                </a:tc>
-                <a:tc>
-                  <a:txBody>
-                    <a:bodyPr/>
-                    <a:lstStyle/>
-                    <a:p>
-                      <a:pPr algn="ctr" latinLnBrk="1"/>
-                      <a:endParaRPr lang="ko-KR" altLang="en-US" dirty="0"/>
-                    </a:p>
-                  </a:txBody>
-                  <a:tcPr anchor="ctr"/>
-                </a:tc>
-                <a:tc>
-                  <a:txBody>
-                    <a:bodyPr/>
-                    <a:lstStyle/>
-                    <a:p>
-                      <a:pPr algn="ctr" latinLnBrk="1"/>
-                      <a:endParaRPr lang="ko-KR" altLang="en-US" dirty="0"/>
-                    </a:p>
-                  </a:txBody>
-                  <a:tcPr anchor="ctr"/>
-                </a:tc>
-                <a:tc>
-                  <a:txBody>
-                    <a:bodyPr/>
-                    <a:lstStyle/>
-                    <a:p>
-                      <a:pPr algn="ctr" latinLnBrk="1"/>
-                      <a:endParaRPr lang="ko-KR" altLang="en-US" dirty="0"/>
-                    </a:p>
-                  </a:txBody>
-                  <a:tcPr anchor="ctr"/>
-                </a:tc>
-                <a:tc>
-                  <a:txBody>
-                    <a:bodyPr/>
-                    <a:lstStyle/>
-                    <a:p>
-                      <a:pPr algn="ctr" latinLnBrk="1"/>
-                      <a:endParaRPr lang="ko-KR" altLang="en-US"/>
-                    </a:p>
-                  </a:txBody>
-                  <a:tcPr anchor="ctr"/>
-                </a:tc>
-                <a:extLst>
-                  <a:ext uri="{0D108BD9-81ED-4DB2-BD59-A6C34878D82A}">
-                    <a16:rowId xmlns:a16="http://schemas.microsoft.com/office/drawing/2014/main" val="885778179"/>
-                  </a:ext>
-                </a:extLst>
-              </a:tr>
-              <a:tr h="548731">
-                <a:tc>
-                  <a:txBody>
-                    <a:bodyPr/>
-                    <a:lstStyle/>
-                    <a:p>
-                      <a:pPr algn="ctr" latinLnBrk="1"/>
-                      <a:endParaRPr lang="ko-KR" altLang="en-US"/>
-                    </a:p>
-                  </a:txBody>
-                  <a:tcPr anchor="ctr"/>
-                </a:tc>
-                <a:tc>
-                  <a:txBody>
-                    <a:bodyPr/>
-                    <a:lstStyle/>
-                    <a:p>
-                      <a:pPr algn="ctr" latinLnBrk="1"/>
-                      <a:endParaRPr lang="ko-KR" altLang="en-US"/>
-                    </a:p>
-                  </a:txBody>
-                  <a:tcPr anchor="ctr"/>
-                </a:tc>
-                <a:tc>
-                  <a:txBody>
-                    <a:bodyPr/>
-                    <a:lstStyle/>
-                    <a:p>
-                      <a:pPr algn="ctr" latinLnBrk="1"/>
-                      <a:endParaRPr lang="ko-KR" altLang="en-US" dirty="0"/>
-                    </a:p>
-                  </a:txBody>
-                  <a:tcPr anchor="ctr"/>
-                </a:tc>
-                <a:tc>
-                  <a:txBody>
-                    <a:bodyPr/>
-                    <a:lstStyle/>
-                    <a:p>
-                      <a:pPr algn="ctr" latinLnBrk="1"/>
-                      <a:endParaRPr lang="ko-KR" altLang="en-US" dirty="0"/>
-                    </a:p>
-                  </a:txBody>
-                  <a:tcPr anchor="ctr"/>
-                </a:tc>
-                <a:tc>
-                  <a:txBody>
-                    <a:bodyPr/>
-                    <a:lstStyle/>
-                    <a:p>
-                      <a:pPr algn="ctr" latinLnBrk="1"/>
-                      <a:endParaRPr lang="ko-KR" altLang="en-US" dirty="0"/>
-                    </a:p>
-                  </a:txBody>
-                  <a:tcPr anchor="ctr"/>
-                </a:tc>
-                <a:tc>
-                  <a:txBody>
-                    <a:bodyPr/>
-                    <a:lstStyle/>
-                    <a:p>
-                      <a:pPr algn="ctr" latinLnBrk="1"/>
-                      <a:endParaRPr lang="ko-KR" altLang="en-US" dirty="0"/>
-                    </a:p>
-                  </a:txBody>
-                  <a:tcPr anchor="ctr"/>
-                </a:tc>
-                <a:extLst>
-                  <a:ext uri="{0D108BD9-81ED-4DB2-BD59-A6C34878D82A}">
-                    <a16:rowId xmlns:a16="http://schemas.microsoft.com/office/drawing/2014/main" val="3768163880"/>
-                  </a:ext>
-                </a:extLst>
-              </a:tr>
-              <a:tr h="548731">
-                <a:tc>
-                  <a:txBody>
-                    <a:bodyPr/>
-                    <a:lstStyle/>
-                    <a:p>
-                      <a:pPr algn="ctr" latinLnBrk="1"/>
-                      <a:endParaRPr lang="ko-KR" altLang="en-US"/>
-                    </a:p>
-                  </a:txBody>
-                  <a:tcPr anchor="ctr"/>
-                </a:tc>
-                <a:tc>
-                  <a:txBody>
-                    <a:bodyPr/>
-                    <a:lstStyle/>
-                    <a:p>
-                      <a:pPr algn="ctr" latinLnBrk="1"/>
-                      <a:endParaRPr lang="ko-KR" altLang="en-US"/>
-                    </a:p>
-                  </a:txBody>
-                  <a:tcPr anchor="ctr"/>
-                </a:tc>
-                <a:tc>
-                  <a:txBody>
-                    <a:bodyPr/>
-                    <a:lstStyle/>
-                    <a:p>
-                      <a:pPr algn="ctr" latinLnBrk="1"/>
-                      <a:endParaRPr lang="ko-KR" altLang="en-US"/>
-                    </a:p>
-                  </a:txBody>
-                  <a:tcPr anchor="ctr"/>
-                </a:tc>
-                <a:tc>
-                  <a:txBody>
-                    <a:bodyPr/>
-                    <a:lstStyle/>
-                    <a:p>
-                      <a:pPr algn="ctr" latinLnBrk="1"/>
-                      <a:endParaRPr lang="ko-KR" altLang="en-US" dirty="0"/>
-                    </a:p>
-                  </a:txBody>
-                  <a:tcPr anchor="ctr"/>
-                </a:tc>
-                <a:tc>
-                  <a:txBody>
-                    <a:bodyPr/>
-                    <a:lstStyle/>
-                    <a:p>
-                      <a:pPr algn="ctr" latinLnBrk="1"/>
-                      <a:endParaRPr lang="ko-KR" altLang="en-US" dirty="0"/>
-                    </a:p>
-                  </a:txBody>
-                  <a:tcPr anchor="ctr"/>
-                </a:tc>
-                <a:tc>
-                  <a:txBody>
-                    <a:bodyPr/>
-                    <a:lstStyle/>
-                    <a:p>
-                      <a:pPr algn="ctr" latinLnBrk="1"/>
-                      <a:endParaRPr lang="ko-KR" altLang="en-US" dirty="0"/>
-                    </a:p>
-                  </a:txBody>
-                  <a:tcPr anchor="ctr"/>
-                </a:tc>
-                <a:extLst>
-                  <a:ext uri="{0D108BD9-81ED-4DB2-BD59-A6C34878D82A}">
-                    <a16:rowId xmlns:a16="http://schemas.microsoft.com/office/drawing/2014/main" val="1272447345"/>
-                  </a:ext>
-                </a:extLst>
-              </a:tr>
-              <a:tr h="548731">
-                <a:tc>
-                  <a:txBody>
-                    <a:bodyPr/>
-                    <a:lstStyle/>
-                    <a:p>
-                      <a:pPr algn="ctr" latinLnBrk="1"/>
-                      <a:endParaRPr lang="ko-KR" altLang="en-US" dirty="0"/>
-                    </a:p>
-                  </a:txBody>
-                  <a:tcPr anchor="ctr"/>
-                </a:tc>
-                <a:tc>
-                  <a:txBody>
-                    <a:bodyPr/>
-                    <a:lstStyle/>
-                    <a:p>
-                      <a:pPr algn="ctr" latinLnBrk="1"/>
-                      <a:endParaRPr lang="ko-KR" altLang="en-US" dirty="0"/>
-                    </a:p>
-                  </a:txBody>
-                  <a:tcPr anchor="ctr"/>
-                </a:tc>
-                <a:tc>
-                  <a:txBody>
-                    <a:bodyPr/>
-                    <a:lstStyle/>
-                    <a:p>
-                      <a:pPr algn="ctr" latinLnBrk="1"/>
-                      <a:endParaRPr lang="ko-KR" altLang="en-US" dirty="0"/>
-                    </a:p>
-                  </a:txBody>
-                  <a:tcPr anchor="ctr"/>
-                </a:tc>
-                <a:tc>
-                  <a:txBody>
-                    <a:bodyPr/>
-                    <a:lstStyle/>
-                    <a:p>
-                      <a:pPr algn="ctr" latinLnBrk="1"/>
-                      <a:endParaRPr lang="ko-KR" altLang="en-US" dirty="0"/>
-                    </a:p>
-                  </a:txBody>
-                  <a:tcPr anchor="ctr"/>
-                </a:tc>
-                <a:tc>
-                  <a:txBody>
-                    <a:bodyPr/>
-                    <a:lstStyle/>
-                    <a:p>
-                      <a:pPr algn="ctr" latinLnBrk="1"/>
-                      <a:endParaRPr lang="ko-KR" altLang="en-US" dirty="0"/>
-                    </a:p>
-                  </a:txBody>
-                  <a:tcPr anchor="ctr"/>
-                </a:tc>
-                <a:tc>
-                  <a:txBody>
-                    <a:bodyPr/>
-                    <a:lstStyle/>
-                    <a:p>
-                      <a:pPr algn="ctr" latinLnBrk="1"/>
-                      <a:endParaRPr lang="ko-KR" altLang="en-US" dirty="0"/>
-                    </a:p>
-                  </a:txBody>
-                  <a:tcPr anchor="ctr"/>
-                </a:tc>
-                <a:extLst>
-                  <a:ext uri="{0D108BD9-81ED-4DB2-BD59-A6C34878D82A}">
-                    <a16:rowId xmlns:a16="http://schemas.microsoft.com/office/drawing/2014/main" val="565131917"/>
-                  </a:ext>
-                </a:extLst>
-              </a:tr>
-              <a:tr h="548731">
-                <a:tc>
-                  <a:txBody>
-                    <a:bodyPr/>
-                    <a:lstStyle/>
-                    <a:p>
-                      <a:pPr algn="ctr" latinLnBrk="1"/>
-                      <a:endParaRPr lang="ko-KR" altLang="en-US" dirty="0"/>
-                    </a:p>
-                  </a:txBody>
-                  <a:tcPr anchor="ctr"/>
-                </a:tc>
-                <a:tc>
-                  <a:txBody>
-                    <a:bodyPr/>
-                    <a:lstStyle/>
-                    <a:p>
-                      <a:pPr algn="ctr" latinLnBrk="1"/>
-                      <a:endParaRPr lang="ko-KR" altLang="en-US" dirty="0"/>
-                    </a:p>
-                  </a:txBody>
-                  <a:tcPr anchor="ctr"/>
-                </a:tc>
-                <a:tc>
-                  <a:txBody>
-                    <a:bodyPr/>
-                    <a:lstStyle/>
-                    <a:p>
-                      <a:pPr algn="ctr" latinLnBrk="1"/>
-                      <a:endParaRPr lang="ko-KR" altLang="en-US" dirty="0"/>
-                    </a:p>
-                  </a:txBody>
-                  <a:tcPr anchor="ctr"/>
-                </a:tc>
-                <a:tc>
-                  <a:txBody>
-                    <a:bodyPr/>
-                    <a:lstStyle/>
-                    <a:p>
-                      <a:pPr algn="ctr" latinLnBrk="1"/>
-                      <a:endParaRPr lang="ko-KR" altLang="en-US" dirty="0"/>
-                    </a:p>
-                  </a:txBody>
-                  <a:tcPr anchor="ctr"/>
-                </a:tc>
-                <a:tc>
-                  <a:txBody>
-                    <a:bodyPr/>
-                    <a:lstStyle/>
-                    <a:p>
-                      <a:pPr algn="ctr" latinLnBrk="1"/>
-                      <a:endParaRPr lang="ko-KR" altLang="en-US" dirty="0"/>
-                    </a:p>
-                  </a:txBody>
-                  <a:tcPr anchor="ctr"/>
-                </a:tc>
-                <a:tc>
-                  <a:txBody>
-                    <a:bodyPr/>
-                    <a:lstStyle/>
-                    <a:p>
-                      <a:pPr algn="ctr" latinLnBrk="1"/>
-                      <a:endParaRPr lang="ko-KR" altLang="en-US" dirty="0"/>
-                    </a:p>
-                  </a:txBody>
-                  <a:tcPr anchor="ctr"/>
-                </a:tc>
-                <a:extLst>
-                  <a:ext uri="{0D108BD9-81ED-4DB2-BD59-A6C34878D82A}">
-                    <a16:rowId xmlns:a16="http://schemas.microsoft.com/office/drawing/2014/main" val="2615356161"/>
-                  </a:ext>
-                </a:extLst>
-              </a:tr>
-              <a:tr h="548731">
-                <a:tc>
-                  <a:txBody>
-                    <a:bodyPr/>
-                    <a:lstStyle/>
-                    <a:p>
-                      <a:pPr algn="ctr" latinLnBrk="1"/>
-                      <a:endParaRPr lang="ko-KR" altLang="en-US" dirty="0"/>
-                    </a:p>
-                  </a:txBody>
-                  <a:tcPr anchor="ctr"/>
-                </a:tc>
-                <a:tc>
-                  <a:txBody>
-                    <a:bodyPr/>
-                    <a:lstStyle/>
-                    <a:p>
-                      <a:pPr algn="ctr" latinLnBrk="1"/>
-                      <a:endParaRPr lang="ko-KR" altLang="en-US" dirty="0"/>
-                    </a:p>
-                  </a:txBody>
-                  <a:tcPr anchor="ctr"/>
-                </a:tc>
-                <a:tc>
-                  <a:txBody>
-                    <a:bodyPr/>
-                    <a:lstStyle/>
-                    <a:p>
-                      <a:pPr algn="ctr" latinLnBrk="1"/>
-                      <a:endParaRPr lang="ko-KR" altLang="en-US" dirty="0"/>
-                    </a:p>
-                  </a:txBody>
-                  <a:tcPr anchor="ctr"/>
-                </a:tc>
-                <a:tc>
-                  <a:txBody>
-                    <a:bodyPr/>
-                    <a:lstStyle/>
-                    <a:p>
-                      <a:pPr algn="ctr" latinLnBrk="1"/>
-                      <a:endParaRPr lang="ko-KR" altLang="en-US" dirty="0"/>
-                    </a:p>
-                  </a:txBody>
-                  <a:tcPr anchor="ctr"/>
-                </a:tc>
-                <a:tc>
-                  <a:txBody>
-                    <a:bodyPr/>
-                    <a:lstStyle/>
-                    <a:p>
-                      <a:pPr algn="ctr" latinLnBrk="1"/>
-                      <a:endParaRPr lang="ko-KR" altLang="en-US" dirty="0"/>
-                    </a:p>
-                  </a:txBody>
-                  <a:tcPr anchor="ctr"/>
-                </a:tc>
-                <a:tc>
-                  <a:txBody>
-                    <a:bodyPr/>
-                    <a:lstStyle/>
-                    <a:p>
-                      <a:pPr algn="ctr" latinLnBrk="1"/>
-                      <a:endParaRPr lang="ko-KR" altLang="en-US" dirty="0"/>
-                    </a:p>
-                  </a:txBody>
-                  <a:tcPr anchor="ctr"/>
-                </a:tc>
-                <a:extLst>
-                  <a:ext uri="{0D108BD9-81ED-4DB2-BD59-A6C34878D82A}">
-                    <a16:rowId xmlns:a16="http://schemas.microsoft.com/office/drawing/2014/main" val="624180639"/>
-                  </a:ext>
-                </a:extLst>
-              </a:tr>
-            </a:tbl>
-          </a:graphicData>
-        </a:graphic>
-      </p:graphicFrame>
+          <p:cNvSpPr txBox="1"/>
+          <p:nvPr/>
+        </p:nvSpPr>
+        <p:spPr>
+          <a:xfrm>
+            <a:off x="370609" y="3059668"/>
+            <a:ext cx="11450782" cy="461665"/>
+          </a:xfrm>
+          <a:prstGeom prst="rect">
+            <a:avLst/>
+          </a:prstGeom>
+          <a:noFill/>
+        </p:spPr>
+        <p:txBody>
+          <a:bodyPr wrap="square" rtlCol="0">
+            <a:spAutoFit/>
+          </a:bodyPr>
+          <a:lstStyle/>
+          <a:p>
+            <a:pPr algn="ctr"/>
+            <a:r>
+              <a:rPr lang="en-US" altLang="ko-KR" sz="2400" b="1" dirty="0"/>
+              <a:t>Get</a:t>
+            </a:r>
+            <a:r>
+              <a:rPr lang="ko-KR" altLang="en-US" sz="2400" b="1" dirty="0"/>
+              <a:t> </a:t>
+            </a:r>
+            <a:r>
+              <a:rPr lang="en-US" altLang="ko-KR" sz="2400" b="1" dirty="0"/>
+              <a:t>to</a:t>
+            </a:r>
+            <a:r>
+              <a:rPr lang="ko-KR" altLang="en-US" sz="2400" b="1" dirty="0"/>
+              <a:t> </a:t>
+            </a:r>
+            <a:r>
+              <a:rPr lang="en-US" altLang="ko-KR" sz="2400" b="1" dirty="0"/>
+              <a:t>know inside the school Right Now without any step</a:t>
+            </a:r>
+            <a:endParaRPr lang="ko-KR" altLang="en-US" sz="2400" b="1" dirty="0"/>
+          </a:p>
+        </p:txBody>
+      </p:sp>
     </p:spTree>
     <p:extLst>
       <p:ext uri="{BB962C8B-B14F-4D97-AF65-F5344CB8AC3E}">
-        <p14:creationId xmlns:p14="http://schemas.microsoft.com/office/powerpoint/2010/main" val="1552797185"/>
+        <p14:creationId xmlns:p14="http://schemas.microsoft.com/office/powerpoint/2010/main" val="1223850312"/>
+      </p:ext>
+    </p:extLst>
+  </p:cSld>
+  <p:clrMapOvr>
+    <a:masterClrMapping/>
+  </p:clrMapOvr>
+</p:sld>
+</file>
+
+<file path=ppt/slides/slide8.xml><?xml version="1.0" encoding="utf-8"?>
+<p:sld xmlns:a="http://schemas.openxmlformats.org/drawingml/2006/main" xmlns:r="http://schemas.openxmlformats.org/officeDocument/2006/relationships" xmlns:p="http://schemas.openxmlformats.org/presentationml/2006/main">
+  <p:cSld>
+    <p:spTree>
+      <p:nvGrpSpPr>
+        <p:cNvPr id="1" name=""/>
+        <p:cNvGrpSpPr/>
+        <p:nvPr/>
+      </p:nvGrpSpPr>
+      <p:grpSpPr>
+        <a:xfrm>
+          <a:off x="0" y="0"/>
+          <a:ext cx="0" cy="0"/>
+          <a:chOff x="0" y="0"/>
+          <a:chExt cx="0" cy="0"/>
+        </a:xfrm>
+      </p:grpSpPr>
+      <p:sp>
+        <p:nvSpPr>
+          <p:cNvPr id="3" name="제목 2">
+            <a:extLst>
+              <a:ext uri="{FF2B5EF4-FFF2-40B4-BE49-F238E27FC236}">
+                <a16:creationId xmlns:a16="http://schemas.microsoft.com/office/drawing/2014/main" id="{21C19F7A-5B61-4C67-88A2-F3BD1D46C1A5}"/>
+              </a:ext>
+            </a:extLst>
+          </p:cNvPr>
+          <p:cNvSpPr>
+            <a:spLocks noGrp="1"/>
+          </p:cNvSpPr>
+          <p:nvPr>
+            <p:ph type="title"/>
+          </p:nvPr>
+        </p:nvSpPr>
+        <p:spPr>
+          <a:xfrm>
+            <a:off x="838200" y="365125"/>
+            <a:ext cx="10515600" cy="1325563"/>
+          </a:xfrm>
+        </p:spPr>
+        <p:txBody>
+          <a:bodyPr/>
+          <a:lstStyle/>
+          <a:p>
+            <a:r>
+              <a:rPr lang="en-US" altLang="ko-KR" dirty="0"/>
+              <a:t>Methods </a:t>
+            </a:r>
+            <a:r>
+              <a:rPr lang="ko-KR" altLang="en-US" dirty="0"/>
+              <a:t>쓰일 기술 스택들 </a:t>
+            </a:r>
+            <a:r>
+              <a:rPr lang="ko-KR" altLang="en-US" dirty="0" err="1"/>
+              <a:t>프론트엔드</a:t>
+            </a:r>
+            <a:endParaRPr lang="ko-KR" altLang="en-US" dirty="0"/>
+          </a:p>
+        </p:txBody>
+      </p:sp>
+    </p:spTree>
+    <p:extLst>
+      <p:ext uri="{BB962C8B-B14F-4D97-AF65-F5344CB8AC3E}">
+        <p14:creationId xmlns:p14="http://schemas.microsoft.com/office/powerpoint/2010/main" val="4083894149"/>
+      </p:ext>
+    </p:extLst>
+  </p:cSld>
+  <p:clrMapOvr>
+    <a:masterClrMapping/>
+  </p:clrMapOvr>
+</p:sld>
+</file>
+
+<file path=ppt/slides/slide9.xml><?xml version="1.0" encoding="utf-8"?>
+<p:sld xmlns:a="http://schemas.openxmlformats.org/drawingml/2006/main" xmlns:r="http://schemas.openxmlformats.org/officeDocument/2006/relationships" xmlns:p="http://schemas.openxmlformats.org/presentationml/2006/main">
+  <p:cSld>
+    <p:spTree>
+      <p:nvGrpSpPr>
+        <p:cNvPr id="1" name=""/>
+        <p:cNvGrpSpPr/>
+        <p:nvPr/>
+      </p:nvGrpSpPr>
+      <p:grpSpPr>
+        <a:xfrm>
+          <a:off x="0" y="0"/>
+          <a:ext cx="0" cy="0"/>
+          <a:chOff x="0" y="0"/>
+          <a:chExt cx="0" cy="0"/>
+        </a:xfrm>
+      </p:grpSpPr>
+      <p:sp>
+        <p:nvSpPr>
+          <p:cNvPr id="3" name="제목 2">
+            <a:extLst>
+              <a:ext uri="{FF2B5EF4-FFF2-40B4-BE49-F238E27FC236}">
+                <a16:creationId xmlns:a16="http://schemas.microsoft.com/office/drawing/2014/main" id="{21C19F7A-5B61-4C67-88A2-F3BD1D46C1A5}"/>
+              </a:ext>
+            </a:extLst>
+          </p:cNvPr>
+          <p:cNvSpPr>
+            <a:spLocks noGrp="1"/>
+          </p:cNvSpPr>
+          <p:nvPr>
+            <p:ph type="title"/>
+          </p:nvPr>
+        </p:nvSpPr>
+        <p:spPr>
+          <a:xfrm>
+            <a:off x="838200" y="365125"/>
+            <a:ext cx="10515600" cy="1325563"/>
+          </a:xfrm>
+        </p:spPr>
+        <p:txBody>
+          <a:bodyPr/>
+          <a:lstStyle/>
+          <a:p>
+            <a:r>
+              <a:rPr lang="en-US" altLang="ko-KR" dirty="0"/>
+              <a:t>Methods </a:t>
+            </a:r>
+            <a:r>
+              <a:rPr lang="ko-KR" altLang="en-US" dirty="0"/>
+              <a:t>쓰일 기술 스택들 </a:t>
+            </a:r>
+            <a:r>
+              <a:rPr lang="ko-KR" altLang="en-US" dirty="0" err="1"/>
+              <a:t>백엔드</a:t>
+            </a:r>
+            <a:r>
+              <a:rPr lang="ko-KR" altLang="en-US" dirty="0"/>
+              <a:t> 기술들</a:t>
+            </a:r>
+          </a:p>
+        </p:txBody>
+      </p:sp>
+    </p:spTree>
+    <p:extLst>
+      <p:ext uri="{BB962C8B-B14F-4D97-AF65-F5344CB8AC3E}">
+        <p14:creationId xmlns:p14="http://schemas.microsoft.com/office/powerpoint/2010/main" val="510731926"/>
       </p:ext>
     </p:extLst>
   </p:cSld>
@@ -16449,4 +16232,299 @@
     </a:ext>
   </a:extLst>
 </a:theme>
+</file>
+
+<file path=ppt/theme/theme2.xml><?xml version="1.0" encoding="utf-8"?>
+<a:theme xmlns:a="http://schemas.openxmlformats.org/drawingml/2006/main" name="Office 테마">
+  <a:themeElements>
+    <a:clrScheme name="Office">
+      <a:dk1>
+        <a:sysClr val="windowText" lastClr="000000"/>
+      </a:dk1>
+      <a:lt1>
+        <a:sysClr val="window" lastClr="FFFFFF"/>
+      </a:lt1>
+      <a:dk2>
+        <a:srgbClr val="44546A"/>
+      </a:dk2>
+      <a:lt2>
+        <a:srgbClr val="E7E6E6"/>
+      </a:lt2>
+      <a:accent1>
+        <a:srgbClr val="4472C4"/>
+      </a:accent1>
+      <a:accent2>
+        <a:srgbClr val="ED7D31"/>
+      </a:accent2>
+      <a:accent3>
+        <a:srgbClr val="A5A5A5"/>
+      </a:accent3>
+      <a:accent4>
+        <a:srgbClr val="FFC000"/>
+      </a:accent4>
+      <a:accent5>
+        <a:srgbClr val="5B9BD5"/>
+      </a:accent5>
+      <a:accent6>
+        <a:srgbClr val="70AD47"/>
+      </a:accent6>
+      <a:hlink>
+        <a:srgbClr val="0563C1"/>
+      </a:hlink>
+      <a:folHlink>
+        <a:srgbClr val="954F72"/>
+      </a:folHlink>
+    </a:clrScheme>
+    <a:fontScheme name="Office">
+      <a:majorFont>
+        <a:latin typeface="맑은 고딕" panose="020F0302020204030204"/>
+        <a:ea typeface=""/>
+        <a:cs typeface=""/>
+        <a:font script="Jpan" typeface="游ゴシック Light"/>
+        <a:font script="Hang" typeface="맑은 고딕"/>
+        <a:font script="Hans" typeface="等线 Light"/>
+        <a:font script="Hant" typeface="新細明體"/>
+        <a:font script="Arab" typeface="Times New Roman"/>
+        <a:font script="Hebr" typeface="Times New Roman"/>
+        <a:font script="Thai" typeface="Angsana New"/>
+        <a:font script="Ethi" typeface="Nyala"/>
+        <a:font script="Beng" typeface="Vrinda"/>
+        <a:font script="Gujr" typeface="Shruti"/>
+        <a:font script="Khmr" typeface="MoolBoran"/>
+        <a:font script="Knda" typeface="Tunga"/>
+        <a:font script="Guru" typeface="Raavi"/>
+        <a:font script="Cans" typeface="Euphemia"/>
+        <a:font script="Cher" typeface="Plantagenet Cherokee"/>
+        <a:font script="Yiii" typeface="Microsoft Yi Baiti"/>
+        <a:font script="Tibt" typeface="Microsoft Himalaya"/>
+        <a:font script="Thaa" typeface="MV Boli"/>
+        <a:font script="Deva" typeface="Mangal"/>
+        <a:font script="Telu" typeface="Gautami"/>
+        <a:font script="Taml" typeface="Latha"/>
+        <a:font script="Syrc" typeface="Estrangelo Edessa"/>
+        <a:font script="Orya" typeface="Kalinga"/>
+        <a:font script="Mlym" typeface="Kartika"/>
+        <a:font script="Laoo" typeface="DokChampa"/>
+        <a:font script="Sinh" typeface="Iskoola Pota"/>
+        <a:font script="Mong" typeface="Mongolian Baiti"/>
+        <a:font script="Viet" typeface="Times New Roman"/>
+        <a:font script="Uigh" typeface="Microsoft Uighur"/>
+        <a:font script="Geor" typeface="Sylfaen"/>
+        <a:font script="Armn" typeface="Arial"/>
+        <a:font script="Bugi" typeface="Leelawadee UI"/>
+        <a:font script="Bopo" typeface="Microsoft JhengHei"/>
+        <a:font script="Java" typeface="Javanese Text"/>
+        <a:font script="Lisu" typeface="Segoe UI"/>
+        <a:font script="Mymr" typeface="Myanmar Text"/>
+        <a:font script="Nkoo" typeface="Ebrima"/>
+        <a:font script="Olck" typeface="Nirmala UI"/>
+        <a:font script="Osma" typeface="Ebrima"/>
+        <a:font script="Phag" typeface="Phagspa"/>
+        <a:font script="Syrn" typeface="Estrangelo Edessa"/>
+        <a:font script="Syrj" typeface="Estrangelo Edessa"/>
+        <a:font script="Syre" typeface="Estrangelo Edessa"/>
+        <a:font script="Sora" typeface="Nirmala UI"/>
+        <a:font script="Tale" typeface="Microsoft Tai Le"/>
+        <a:font script="Talu" typeface="Microsoft New Tai Lue"/>
+        <a:font script="Tfng" typeface="Ebrima"/>
+      </a:majorFont>
+      <a:minorFont>
+        <a:latin typeface="맑은 고딕" panose="020F0502020204030204"/>
+        <a:ea typeface=""/>
+        <a:cs typeface=""/>
+        <a:font script="Jpan" typeface="游ゴシック"/>
+        <a:font script="Hang" typeface="맑은 고딕"/>
+        <a:font script="Hans" typeface="等线"/>
+        <a:font script="Hant" typeface="新細明體"/>
+        <a:font script="Arab" typeface="Arial"/>
+        <a:font script="Hebr" typeface="Arial"/>
+        <a:font script="Thai" typeface="Cordia New"/>
+        <a:font script="Ethi" typeface="Nyala"/>
+        <a:font script="Beng" typeface="Vrinda"/>
+        <a:font script="Gujr" typeface="Shruti"/>
+        <a:font script="Khmr" typeface="DaunPenh"/>
+        <a:font script="Knda" typeface="Tunga"/>
+        <a:font script="Guru" typeface="Raavi"/>
+        <a:font script="Cans" typeface="Euphemia"/>
+        <a:font script="Cher" typeface="Plantagenet Cherokee"/>
+        <a:font script="Yiii" typeface="Microsoft Yi Baiti"/>
+        <a:font script="Tibt" typeface="Microsoft Himalaya"/>
+        <a:font script="Thaa" typeface="MV Boli"/>
+        <a:font script="Deva" typeface="Mangal"/>
+        <a:font script="Telu" typeface="Gautami"/>
+        <a:font script="Taml" typeface="Latha"/>
+        <a:font script="Syrc" typeface="Estrangelo Edessa"/>
+        <a:font script="Orya" typeface="Kalinga"/>
+        <a:font script="Mlym" typeface="Kartika"/>
+        <a:font script="Laoo" typeface="DokChampa"/>
+        <a:font script="Sinh" typeface="Iskoola Pota"/>
+        <a:font script="Mong" typeface="Mongolian Baiti"/>
+        <a:font script="Viet" typeface="Arial"/>
+        <a:font script="Uigh" typeface="Microsoft Uighur"/>
+        <a:font script="Geor" typeface="Sylfaen"/>
+        <a:font script="Armn" typeface="Arial"/>
+        <a:font script="Bugi" typeface="Leelawadee UI"/>
+        <a:font script="Bopo" typeface="Microsoft JhengHei"/>
+        <a:font script="Java" typeface="Javanese Text"/>
+        <a:font script="Lisu" typeface="Segoe UI"/>
+        <a:font script="Mymr" typeface="Myanmar Text"/>
+        <a:font script="Nkoo" typeface="Ebrima"/>
+        <a:font script="Olck" typeface="Nirmala UI"/>
+        <a:font script="Osma" typeface="Ebrima"/>
+        <a:font script="Phag" typeface="Phagspa"/>
+        <a:font script="Syrn" typeface="Estrangelo Edessa"/>
+        <a:font script="Syrj" typeface="Estrangelo Edessa"/>
+        <a:font script="Syre" typeface="Estrangelo Edessa"/>
+        <a:font script="Sora" typeface="Nirmala UI"/>
+        <a:font script="Tale" typeface="Microsoft Tai Le"/>
+        <a:font script="Talu" typeface="Microsoft New Tai Lue"/>
+        <a:font script="Tfng" typeface="Ebrima"/>
+      </a:minorFont>
+    </a:fontScheme>
+    <a:fmtScheme name="Office">
+      <a:fillStyleLst>
+        <a:solidFill>
+          <a:schemeClr val="phClr"/>
+        </a:solidFill>
+        <a:gradFill rotWithShape="1">
+          <a:gsLst>
+            <a:gs pos="0">
+              <a:schemeClr val="phClr">
+                <a:lumMod val="110000"/>
+                <a:satMod val="105000"/>
+                <a:tint val="67000"/>
+              </a:schemeClr>
+            </a:gs>
+            <a:gs pos="50000">
+              <a:schemeClr val="phClr">
+                <a:lumMod val="105000"/>
+                <a:satMod val="103000"/>
+                <a:tint val="73000"/>
+              </a:schemeClr>
+            </a:gs>
+            <a:gs pos="100000">
+              <a:schemeClr val="phClr">
+                <a:lumMod val="105000"/>
+                <a:satMod val="109000"/>
+                <a:tint val="81000"/>
+              </a:schemeClr>
+            </a:gs>
+          </a:gsLst>
+          <a:lin ang="5400000" scaled="0"/>
+        </a:gradFill>
+        <a:gradFill rotWithShape="1">
+          <a:gsLst>
+            <a:gs pos="0">
+              <a:schemeClr val="phClr">
+                <a:satMod val="103000"/>
+                <a:lumMod val="102000"/>
+                <a:tint val="94000"/>
+              </a:schemeClr>
+            </a:gs>
+            <a:gs pos="50000">
+              <a:schemeClr val="phClr">
+                <a:satMod val="110000"/>
+                <a:lumMod val="100000"/>
+                <a:shade val="100000"/>
+              </a:schemeClr>
+            </a:gs>
+            <a:gs pos="100000">
+              <a:schemeClr val="phClr">
+                <a:lumMod val="99000"/>
+                <a:satMod val="120000"/>
+                <a:shade val="78000"/>
+              </a:schemeClr>
+            </a:gs>
+          </a:gsLst>
+          <a:lin ang="5400000" scaled="0"/>
+        </a:gradFill>
+      </a:fillStyleLst>
+      <a:lnStyleLst>
+        <a:ln w="6350" cap="flat" cmpd="sng" algn="ctr">
+          <a:solidFill>
+            <a:schemeClr val="phClr"/>
+          </a:solidFill>
+          <a:prstDash val="solid"/>
+          <a:miter lim="800000"/>
+        </a:ln>
+        <a:ln w="12700" cap="flat" cmpd="sng" algn="ctr">
+          <a:solidFill>
+            <a:schemeClr val="phClr"/>
+          </a:solidFill>
+          <a:prstDash val="solid"/>
+          <a:miter lim="800000"/>
+        </a:ln>
+        <a:ln w="19050" cap="flat" cmpd="sng" algn="ctr">
+          <a:solidFill>
+            <a:schemeClr val="phClr"/>
+          </a:solidFill>
+          <a:prstDash val="solid"/>
+          <a:miter lim="800000"/>
+        </a:ln>
+      </a:lnStyleLst>
+      <a:effectStyleLst>
+        <a:effectStyle>
+          <a:effectLst/>
+        </a:effectStyle>
+        <a:effectStyle>
+          <a:effectLst/>
+        </a:effectStyle>
+        <a:effectStyle>
+          <a:effectLst>
+            <a:outerShdw blurRad="57150" dist="19050" dir="5400000" algn="ctr" rotWithShape="0">
+              <a:srgbClr val="000000">
+                <a:alpha val="63000"/>
+              </a:srgbClr>
+            </a:outerShdw>
+          </a:effectLst>
+        </a:effectStyle>
+      </a:effectStyleLst>
+      <a:bgFillStyleLst>
+        <a:solidFill>
+          <a:schemeClr val="phClr"/>
+        </a:solidFill>
+        <a:solidFill>
+          <a:schemeClr val="phClr">
+            <a:tint val="95000"/>
+            <a:satMod val="170000"/>
+          </a:schemeClr>
+        </a:solidFill>
+        <a:gradFill rotWithShape="1">
+          <a:gsLst>
+            <a:gs pos="0">
+              <a:schemeClr val="phClr">
+                <a:tint val="93000"/>
+                <a:satMod val="150000"/>
+                <a:shade val="98000"/>
+                <a:lumMod val="102000"/>
+              </a:schemeClr>
+            </a:gs>
+            <a:gs pos="50000">
+              <a:schemeClr val="phClr">
+                <a:tint val="98000"/>
+                <a:satMod val="130000"/>
+                <a:shade val="90000"/>
+                <a:lumMod val="103000"/>
+              </a:schemeClr>
+            </a:gs>
+            <a:gs pos="100000">
+              <a:schemeClr val="phClr">
+                <a:shade val="63000"/>
+                <a:satMod val="120000"/>
+              </a:schemeClr>
+            </a:gs>
+          </a:gsLst>
+          <a:lin ang="5400000" scaled="0"/>
+        </a:gradFill>
+      </a:bgFillStyleLst>
+    </a:fmtScheme>
+  </a:themeElements>
+  <a:objectDefaults/>
+  <a:extraClrSchemeLst/>
+  <a:extLst>
+    <a:ext uri="{05A4C25C-085E-4340-85A3-A5531E510DB2}">
+      <thm15:themeFamily xmlns:thm15="http://schemas.microsoft.com/office/thememl/2012/main" name="Office Theme" id="{62F939B6-93AF-4DB8-9C6B-D6C7DFDC589F}" vid="{4A3C46E8-61CC-4603-A589-7422A47A8E4A}"/>
+    </a:ext>
+  </a:extLst>
+</a:theme>
 </file>
--- a/팀플제안서ppt.pptx
+++ b/팀플제안서ppt.pptx
@@ -675,10 +675,252 @@
           </a:p>
           <a:p>
             <a:r>
-              <a:rPr lang="en-US" altLang="ko-KR"/>
+              <a:rPr lang="en-US" altLang="ko-KR" dirty="0"/>
               <a:t>1 . </a:t>
             </a:r>
-            <a:endParaRPr lang="ko-KR" altLang="en-US"/>
+            <a:r>
+              <a:rPr lang="ko-KR" altLang="en-US" dirty="0"/>
+              <a:t>건물 내부 경로 안내</a:t>
+            </a:r>
+            <a:endParaRPr lang="en-US" altLang="ko-KR" dirty="0"/>
+          </a:p>
+          <a:p>
+            <a:r>
+              <a:rPr lang="en-US" altLang="ko-KR" dirty="0"/>
+              <a:t>2 . </a:t>
+            </a:r>
+            <a:r>
+              <a:rPr lang="ko-KR" altLang="en-US" dirty="0"/>
+              <a:t>건물 내부 이동시간을 이동 수단 별 안내</a:t>
+            </a:r>
+            <a:endParaRPr lang="en-US" altLang="ko-KR" dirty="0"/>
+          </a:p>
+          <a:p>
+            <a:r>
+              <a:rPr lang="en-US" altLang="ko-KR" dirty="0"/>
+              <a:t>3 . </a:t>
+            </a:r>
+            <a:r>
+              <a:rPr lang="ko-KR" altLang="en-US" dirty="0"/>
+              <a:t>건물 내부 </a:t>
+            </a:r>
+            <a:r>
+              <a:rPr lang="ko-KR" altLang="en-US" dirty="0" err="1"/>
+              <a:t>로드뷰</a:t>
+            </a:r>
+            <a:r>
+              <a:rPr lang="ko-KR" altLang="en-US" dirty="0"/>
+              <a:t> 기능 </a:t>
+            </a:r>
+            <a:endParaRPr lang="en-US" altLang="ko-KR" dirty="0"/>
+          </a:p>
+          <a:p>
+            <a:r>
+              <a:rPr lang="en-US" altLang="ko-KR" dirty="0"/>
+              <a:t>4 . </a:t>
+            </a:r>
+            <a:r>
+              <a:rPr lang="ko-KR" altLang="en-US" dirty="0"/>
+              <a:t>건물 내부 이동시</a:t>
+            </a:r>
+            <a:r>
+              <a:rPr lang="en-US" altLang="ko-KR" dirty="0"/>
+              <a:t>, </a:t>
+            </a:r>
+            <a:r>
+              <a:rPr lang="ko-KR" altLang="en-US" dirty="0"/>
+              <a:t>건물 내부의 호수 분포도 제공</a:t>
+            </a:r>
+            <a:endParaRPr lang="en-US" altLang="ko-KR" dirty="0"/>
+          </a:p>
+          <a:p>
+            <a:endParaRPr lang="en-US" altLang="ko-KR" dirty="0"/>
+          </a:p>
+          <a:p>
+            <a:endParaRPr lang="en-US" altLang="ko-KR" dirty="0"/>
+          </a:p>
+          <a:p>
+            <a:r>
+              <a:rPr lang="ko-KR" altLang="en-US" dirty="0"/>
+              <a:t>이를 위해 시스템에서 필요한 기능들</a:t>
+            </a:r>
+            <a:endParaRPr lang="en-US" altLang="ko-KR" dirty="0"/>
+          </a:p>
+          <a:p>
+            <a:r>
+              <a:rPr lang="en-US" altLang="ko-KR" dirty="0"/>
+              <a:t>1 . </a:t>
+            </a:r>
+            <a:r>
+              <a:rPr lang="ko-KR" altLang="en-US" dirty="0"/>
+              <a:t>건물 내부까지 포함한 최단 경로 알고리즘 </a:t>
+            </a:r>
+            <a:r>
+              <a:rPr lang="en-US" altLang="ko-KR" dirty="0"/>
+              <a:t>: </a:t>
+            </a:r>
+            <a:r>
+              <a:rPr lang="ko-KR" altLang="en-US" dirty="0"/>
+              <a:t>알고리즘 만들기 </a:t>
+            </a:r>
+            <a:r>
+              <a:rPr lang="en-US" altLang="ko-KR" dirty="0"/>
+              <a:t>-&gt; </a:t>
+            </a:r>
+            <a:r>
+              <a:rPr lang="ko-KR" altLang="en-US" dirty="0"/>
+              <a:t>출입구와 층 이동 수단에 따른 차이 고려 </a:t>
+            </a:r>
+            <a:r>
+              <a:rPr lang="en-US" altLang="ko-KR" dirty="0"/>
+              <a:t>-&gt; </a:t>
+            </a:r>
+            <a:r>
+              <a:rPr lang="ko-KR" altLang="en-US" dirty="0"/>
+              <a:t>실제 익숙한 이용자와 비교</a:t>
+            </a:r>
+            <a:endParaRPr lang="en-US" altLang="ko-KR" dirty="0"/>
+          </a:p>
+          <a:p>
+            <a:r>
+              <a:rPr lang="en-US" altLang="ko-KR" dirty="0"/>
+              <a:t>2 . </a:t>
+            </a:r>
+            <a:r>
+              <a:rPr lang="ko-KR" altLang="en-US" dirty="0"/>
+              <a:t>건물 내부에서의 사용자의 위치정보 수집 </a:t>
+            </a:r>
+            <a:r>
+              <a:rPr lang="en-US" altLang="ko-KR" dirty="0"/>
+              <a:t>: </a:t>
+            </a:r>
+            <a:r>
+              <a:rPr lang="ko-KR" altLang="en-US" dirty="0"/>
+              <a:t>사용자의 </a:t>
+            </a:r>
+            <a:r>
+              <a:rPr lang="en-US" altLang="ko-KR" dirty="0"/>
+              <a:t>GPS</a:t>
+            </a:r>
+            <a:r>
+              <a:rPr lang="ko-KR" altLang="en-US" dirty="0"/>
+              <a:t>정보 수집 </a:t>
+            </a:r>
+            <a:r>
+              <a:rPr lang="en-US" altLang="ko-KR" dirty="0"/>
+              <a:t>+ </a:t>
+            </a:r>
+            <a:r>
+              <a:rPr lang="ko-KR" altLang="en-US" dirty="0"/>
+              <a:t>근처 </a:t>
+            </a:r>
+            <a:r>
+              <a:rPr lang="en-US" altLang="ko-KR" dirty="0" err="1"/>
+              <a:t>wifi</a:t>
+            </a:r>
+            <a:r>
+              <a:rPr lang="en-US" altLang="ko-KR" dirty="0"/>
+              <a:t> </a:t>
+            </a:r>
+            <a:r>
+              <a:rPr lang="ko-KR" altLang="en-US" dirty="0"/>
+              <a:t>정보 </a:t>
+            </a:r>
+            <a:r>
+              <a:rPr lang="en-US" altLang="ko-KR" dirty="0"/>
+              <a:t>-&gt; </a:t>
+            </a:r>
+            <a:r>
+              <a:rPr lang="ko-KR" altLang="en-US" dirty="0"/>
+              <a:t>건물 내부까지 정확한 위치정보 파악</a:t>
+            </a:r>
+            <a:endParaRPr lang="en-US" altLang="ko-KR" dirty="0"/>
+          </a:p>
+          <a:p>
+            <a:endParaRPr lang="en-US" altLang="ko-KR" dirty="0"/>
+          </a:p>
+          <a:p>
+            <a:r>
+              <a:rPr lang="en-US" altLang="ko-KR" dirty="0"/>
+              <a:t>3 . </a:t>
+            </a:r>
+            <a:r>
+              <a:rPr lang="ko-KR" altLang="en-US" dirty="0"/>
+              <a:t>같은 건물이라도 층 이동시에 위치정보변화 인지 </a:t>
+            </a:r>
+            <a:r>
+              <a:rPr lang="en-US" altLang="ko-KR" dirty="0"/>
+              <a:t>: </a:t>
+            </a:r>
+            <a:r>
+              <a:rPr lang="ko-KR" altLang="en-US" dirty="0"/>
+              <a:t> 정확한 건물 내부 위치정보 </a:t>
+            </a:r>
+            <a:r>
+              <a:rPr lang="en-US" altLang="ko-KR" dirty="0"/>
+              <a:t>-&gt; </a:t>
+            </a:r>
+            <a:r>
+              <a:rPr lang="ko-KR" altLang="en-US" dirty="0"/>
+              <a:t>층 이동시 해당 층 호수 분포도 제공</a:t>
+            </a:r>
+            <a:endParaRPr lang="en-US" altLang="ko-KR" dirty="0"/>
+          </a:p>
+          <a:p>
+            <a:endParaRPr lang="en-US" altLang="ko-KR" dirty="0"/>
+          </a:p>
+          <a:p>
+            <a:r>
+              <a:rPr lang="en-US" altLang="ko-KR" dirty="0"/>
+              <a:t>4 . </a:t>
+            </a:r>
+            <a:r>
+              <a:rPr lang="ko-KR" altLang="en-US" dirty="0" err="1"/>
+              <a:t>로드뷰</a:t>
+            </a:r>
+            <a:r>
+              <a:rPr lang="ko-KR" altLang="en-US" dirty="0"/>
+              <a:t> 데이터 들을 압축되게 전달하여 빠른 시간에 로딩 필요 </a:t>
+            </a:r>
+            <a:r>
+              <a:rPr lang="en-US" altLang="ko-KR" dirty="0"/>
+              <a:t>: </a:t>
+            </a:r>
+            <a:r>
+              <a:rPr lang="ko-KR" altLang="en-US" dirty="0"/>
+              <a:t>고화질 </a:t>
+            </a:r>
+            <a:r>
+              <a:rPr lang="ko-KR" altLang="en-US" dirty="0" err="1"/>
+              <a:t>로드뷰</a:t>
+            </a:r>
+            <a:r>
+              <a:rPr lang="ko-KR" altLang="en-US" dirty="0"/>
+              <a:t> 데이터 압축 </a:t>
+            </a:r>
+            <a:r>
+              <a:rPr lang="en-US" altLang="ko-KR" dirty="0"/>
+              <a:t>-&gt; </a:t>
+            </a:r>
+            <a:r>
+              <a:rPr lang="ko-KR" altLang="en-US" dirty="0"/>
+              <a:t>전송 및 수신 </a:t>
+            </a:r>
+            <a:r>
+              <a:rPr lang="en-US" altLang="ko-KR" dirty="0"/>
+              <a:t>-&gt; </a:t>
+            </a:r>
+            <a:r>
+              <a:rPr lang="ko-KR" altLang="en-US" dirty="0"/>
+              <a:t>앱에서 렌더링 하여 제공</a:t>
+            </a:r>
+            <a:endParaRPr lang="en-US" altLang="ko-KR" dirty="0"/>
+          </a:p>
+          <a:p>
+            <a:r>
+              <a:rPr lang="en-US" altLang="ko-KR" dirty="0"/>
+              <a:t> </a:t>
+            </a:r>
           </a:p>
         </p:txBody>
       </p:sp>
@@ -846,6 +1088,40 @@
           <a:bodyPr/>
           <a:lstStyle/>
           <a:p>
+            <a:pPr marL="0" marR="0" lvl="0" indent="0" algn="l" defTabSz="914400" rtl="0" eaLnBrk="1" fontAlgn="auto" latinLnBrk="1" hangingPunct="1">
+              <a:lnSpc>
+                <a:spcPct val="100000"/>
+              </a:lnSpc>
+              <a:spcBef>
+                <a:spcPts val="0"/>
+              </a:spcBef>
+              <a:spcAft>
+                <a:spcPts val="0"/>
+              </a:spcAft>
+              <a:buClrTx/>
+              <a:buSzTx/>
+              <a:buFontTx/>
+              <a:buNone/>
+              <a:tabLst/>
+              <a:defRPr/>
+            </a:pPr>
+            <a:r>
+              <a:rPr lang="en-US" altLang="ko-KR" dirty="0"/>
+              <a:t>Firebase(</a:t>
+            </a:r>
+            <a:r>
+              <a:rPr lang="ko-KR" altLang="en-US" dirty="0"/>
+              <a:t>서비스 초기</a:t>
+            </a:r>
+            <a:r>
+              <a:rPr lang="en-US" altLang="ko-KR"/>
+              <a:t>)</a:t>
+            </a:r>
+          </a:p>
+          <a:p>
+            <a:endParaRPr lang="en-US" altLang="ko-KR"/>
+          </a:p>
+          <a:p>
             <a:r>
               <a:rPr lang="en-US" altLang="ko-KR" dirty="0" err="1"/>
               <a:t>Github</a:t>
@@ -877,18 +1153,7 @@
             <a:endParaRPr lang="en-US" altLang="ko-KR" dirty="0"/>
           </a:p>
           <a:p>
-            <a:r>
-              <a:rPr lang="en-US" altLang="ko-KR" dirty="0"/>
-              <a:t>Firebase(</a:t>
-            </a:r>
-            <a:r>
-              <a:rPr lang="ko-KR" altLang="en-US" dirty="0"/>
-              <a:t>서비스 초기</a:t>
-            </a:r>
-            <a:r>
-              <a:rPr lang="en-US" altLang="ko-KR" dirty="0"/>
-              <a:t>)</a:t>
-            </a:r>
+            <a:endParaRPr lang="en-US" altLang="ko-KR" dirty="0"/>
           </a:p>
           <a:p>
             <a:r>

--- a/팀플제안서ppt.pptx
+++ b/팀플제안서ppt.pptx
@@ -4,19 +4,14 @@
   <p:sldMasterIdLst>
     <p:sldMasterId id="2147483736" r:id="rId1"/>
   </p:sldMasterIdLst>
-  <p:notesMasterIdLst>
-    <p:notesMasterId r:id="rId11"/>
-  </p:notesMasterIdLst>
   <p:sldIdLst>
-    <p:sldId id="259" r:id="rId2"/>
-    <p:sldId id="260" r:id="rId3"/>
-    <p:sldId id="261" r:id="rId4"/>
-    <p:sldId id="264" r:id="rId5"/>
-    <p:sldId id="266" r:id="rId6"/>
-    <p:sldId id="267" r:id="rId7"/>
-    <p:sldId id="268" r:id="rId8"/>
-    <p:sldId id="269" r:id="rId9"/>
-    <p:sldId id="270" r:id="rId10"/>
+    <p:sldId id="256" r:id="rId2"/>
+    <p:sldId id="259" r:id="rId3"/>
+    <p:sldId id="258" r:id="rId4"/>
+    <p:sldId id="260" r:id="rId5"/>
+    <p:sldId id="261" r:id="rId6"/>
+    <p:sldId id="262" r:id="rId7"/>
+    <p:sldId id="263" r:id="rId8"/>
   </p:sldIdLst>
   <p:sldSz cx="12192000" cy="6858000"/>
   <p:notesSz cx="6858000" cy="9144000"/>
@@ -121,1090 +116,6 @@
     </p:ext>
   </p:extLst>
 </p:presentation>
-</file>
-
-<file path=ppt/notesMasters/notesMaster1.xml><?xml version="1.0" encoding="utf-8"?>
-<p:notesMaster xmlns:a="http://schemas.openxmlformats.org/drawingml/2006/main" xmlns:r="http://schemas.openxmlformats.org/officeDocument/2006/relationships" xmlns:p="http://schemas.openxmlformats.org/presentationml/2006/main">
-  <p:cSld>
-    <p:bg>
-      <p:bgRef idx="1001">
-        <a:schemeClr val="bg1"/>
-      </p:bgRef>
-    </p:bg>
-    <p:spTree>
-      <p:nvGrpSpPr>
-        <p:cNvPr id="1" name=""/>
-        <p:cNvGrpSpPr/>
-        <p:nvPr/>
-      </p:nvGrpSpPr>
-      <p:grpSpPr>
-        <a:xfrm>
-          <a:off x="0" y="0"/>
-          <a:ext cx="0" cy="0"/>
-          <a:chOff x="0" y="0"/>
-          <a:chExt cx="0" cy="0"/>
-        </a:xfrm>
-      </p:grpSpPr>
-      <p:sp>
-        <p:nvSpPr>
-          <p:cNvPr id="2" name="머리글 개체 틀 1"/>
-          <p:cNvSpPr>
-            <a:spLocks noGrp="1"/>
-          </p:cNvSpPr>
-          <p:nvPr>
-            <p:ph type="hdr" sz="quarter"/>
-          </p:nvPr>
-        </p:nvSpPr>
-        <p:spPr>
-          <a:xfrm>
-            <a:off x="0" y="0"/>
-            <a:ext cx="2971800" cy="458788"/>
-          </a:xfrm>
-          <a:prstGeom prst="rect">
-            <a:avLst/>
-          </a:prstGeom>
-        </p:spPr>
-        <p:txBody>
-          <a:bodyPr vert="horz" lIns="91440" tIns="45720" rIns="91440" bIns="45720" rtlCol="0"/>
-          <a:lstStyle>
-            <a:lvl1pPr algn="l">
-              <a:defRPr sz="1200"/>
-            </a:lvl1pPr>
-          </a:lstStyle>
-          <a:p>
-            <a:endParaRPr lang="ko-KR" altLang="en-US"/>
-          </a:p>
-        </p:txBody>
-      </p:sp>
-      <p:sp>
-        <p:nvSpPr>
-          <p:cNvPr id="3" name="날짜 개체 틀 2"/>
-          <p:cNvSpPr>
-            <a:spLocks noGrp="1"/>
-          </p:cNvSpPr>
-          <p:nvPr>
-            <p:ph type="dt" idx="1"/>
-          </p:nvPr>
-        </p:nvSpPr>
-        <p:spPr>
-          <a:xfrm>
-            <a:off x="3884613" y="0"/>
-            <a:ext cx="2971800" cy="458788"/>
-          </a:xfrm>
-          <a:prstGeom prst="rect">
-            <a:avLst/>
-          </a:prstGeom>
-        </p:spPr>
-        <p:txBody>
-          <a:bodyPr vert="horz" lIns="91440" tIns="45720" rIns="91440" bIns="45720" rtlCol="0"/>
-          <a:lstStyle>
-            <a:lvl1pPr algn="r">
-              <a:defRPr sz="1200"/>
-            </a:lvl1pPr>
-          </a:lstStyle>
-          <a:p>
-            <a:fld id="{F7C1D390-D64C-4778-80E1-024A2E90A798}" type="datetimeFigureOut">
-              <a:rPr lang="ko-KR" altLang="en-US" smtClean="0"/>
-              <a:t>2021-03-31</a:t>
-            </a:fld>
-            <a:endParaRPr lang="ko-KR" altLang="en-US"/>
-          </a:p>
-        </p:txBody>
-      </p:sp>
-      <p:sp>
-        <p:nvSpPr>
-          <p:cNvPr id="4" name="슬라이드 이미지 개체 틀 3"/>
-          <p:cNvSpPr>
-            <a:spLocks noGrp="1" noRot="1" noChangeAspect="1"/>
-          </p:cNvSpPr>
-          <p:nvPr>
-            <p:ph type="sldImg" idx="2"/>
-          </p:nvPr>
-        </p:nvSpPr>
-        <p:spPr>
-          <a:xfrm>
-            <a:off x="685800" y="1143000"/>
-            <a:ext cx="5486400" cy="3086100"/>
-          </a:xfrm>
-          <a:prstGeom prst="rect">
-            <a:avLst/>
-          </a:prstGeom>
-          <a:noFill/>
-          <a:ln w="12700">
-            <a:solidFill>
-              <a:prstClr val="black"/>
-            </a:solidFill>
-          </a:ln>
-        </p:spPr>
-        <p:txBody>
-          <a:bodyPr vert="horz" lIns="91440" tIns="45720" rIns="91440" bIns="45720" rtlCol="0" anchor="ctr"/>
-          <a:lstStyle/>
-          <a:p>
-            <a:endParaRPr lang="ko-KR" altLang="en-US"/>
-          </a:p>
-        </p:txBody>
-      </p:sp>
-      <p:sp>
-        <p:nvSpPr>
-          <p:cNvPr id="5" name="슬라이드 노트 개체 틀 4"/>
-          <p:cNvSpPr>
-            <a:spLocks noGrp="1"/>
-          </p:cNvSpPr>
-          <p:nvPr>
-            <p:ph type="body" sz="quarter" idx="3"/>
-          </p:nvPr>
-        </p:nvSpPr>
-        <p:spPr>
-          <a:xfrm>
-            <a:off x="685800" y="4400550"/>
-            <a:ext cx="5486400" cy="3600450"/>
-          </a:xfrm>
-          <a:prstGeom prst="rect">
-            <a:avLst/>
-          </a:prstGeom>
-        </p:spPr>
-        <p:txBody>
-          <a:bodyPr vert="horz" lIns="91440" tIns="45720" rIns="91440" bIns="45720" rtlCol="0"/>
-          <a:lstStyle/>
-          <a:p>
-            <a:pPr lvl="0"/>
-            <a:r>
-              <a:rPr lang="ko-KR" altLang="en-US"/>
-              <a:t>마스터 텍스트 스타일 편집</a:t>
-            </a:r>
-          </a:p>
-          <a:p>
-            <a:pPr lvl="1"/>
-            <a:r>
-              <a:rPr lang="ko-KR" altLang="en-US"/>
-              <a:t>둘째 수준</a:t>
-            </a:r>
-          </a:p>
-          <a:p>
-            <a:pPr lvl="2"/>
-            <a:r>
-              <a:rPr lang="ko-KR" altLang="en-US"/>
-              <a:t>셋째 수준</a:t>
-            </a:r>
-          </a:p>
-          <a:p>
-            <a:pPr lvl="3"/>
-            <a:r>
-              <a:rPr lang="ko-KR" altLang="en-US"/>
-              <a:t>넷째 수준</a:t>
-            </a:r>
-          </a:p>
-          <a:p>
-            <a:pPr lvl="4"/>
-            <a:r>
-              <a:rPr lang="ko-KR" altLang="en-US"/>
-              <a:t>다섯째 수준</a:t>
-            </a:r>
-          </a:p>
-        </p:txBody>
-      </p:sp>
-      <p:sp>
-        <p:nvSpPr>
-          <p:cNvPr id="6" name="바닥글 개체 틀 5"/>
-          <p:cNvSpPr>
-            <a:spLocks noGrp="1"/>
-          </p:cNvSpPr>
-          <p:nvPr>
-            <p:ph type="ftr" sz="quarter" idx="4"/>
-          </p:nvPr>
-        </p:nvSpPr>
-        <p:spPr>
-          <a:xfrm>
-            <a:off x="0" y="8685213"/>
-            <a:ext cx="2971800" cy="458787"/>
-          </a:xfrm>
-          <a:prstGeom prst="rect">
-            <a:avLst/>
-          </a:prstGeom>
-        </p:spPr>
-        <p:txBody>
-          <a:bodyPr vert="horz" lIns="91440" tIns="45720" rIns="91440" bIns="45720" rtlCol="0" anchor="b"/>
-          <a:lstStyle>
-            <a:lvl1pPr algn="l">
-              <a:defRPr sz="1200"/>
-            </a:lvl1pPr>
-          </a:lstStyle>
-          <a:p>
-            <a:endParaRPr lang="ko-KR" altLang="en-US"/>
-          </a:p>
-        </p:txBody>
-      </p:sp>
-      <p:sp>
-        <p:nvSpPr>
-          <p:cNvPr id="7" name="슬라이드 번호 개체 틀 6"/>
-          <p:cNvSpPr>
-            <a:spLocks noGrp="1"/>
-          </p:cNvSpPr>
-          <p:nvPr>
-            <p:ph type="sldNum" sz="quarter" idx="5"/>
-          </p:nvPr>
-        </p:nvSpPr>
-        <p:spPr>
-          <a:xfrm>
-            <a:off x="3884613" y="8685213"/>
-            <a:ext cx="2971800" cy="458787"/>
-          </a:xfrm>
-          <a:prstGeom prst="rect">
-            <a:avLst/>
-          </a:prstGeom>
-        </p:spPr>
-        <p:txBody>
-          <a:bodyPr vert="horz" lIns="91440" tIns="45720" rIns="91440" bIns="45720" rtlCol="0" anchor="b"/>
-          <a:lstStyle>
-            <a:lvl1pPr algn="r">
-              <a:defRPr sz="1200"/>
-            </a:lvl1pPr>
-          </a:lstStyle>
-          <a:p>
-            <a:fld id="{57F706FF-9F07-4697-B45F-67BE92F8979D}" type="slidenum">
-              <a:rPr lang="ko-KR" altLang="en-US" smtClean="0"/>
-              <a:t>‹#›</a:t>
-            </a:fld>
-            <a:endParaRPr lang="ko-KR" altLang="en-US"/>
-          </a:p>
-        </p:txBody>
-      </p:sp>
-    </p:spTree>
-    <p:extLst>
-      <p:ext uri="{BB962C8B-B14F-4D97-AF65-F5344CB8AC3E}">
-        <p14:creationId xmlns:p14="http://schemas.microsoft.com/office/powerpoint/2010/main" val="3079912047"/>
-      </p:ext>
-    </p:extLst>
-  </p:cSld>
-  <p:clrMap bg1="lt1" tx1="dk1" bg2="lt2" tx2="dk2" accent1="accent1" accent2="accent2" accent3="accent3" accent4="accent4" accent5="accent5" accent6="accent6" hlink="hlink" folHlink="folHlink"/>
-  <p:notesStyle>
-    <a:lvl1pPr marL="0" algn="l" defTabSz="914400" rtl="0" eaLnBrk="1" latinLnBrk="1" hangingPunct="1">
-      <a:defRPr sz="1200" kern="1200">
-        <a:solidFill>
-          <a:schemeClr val="tx1"/>
-        </a:solidFill>
-        <a:latin typeface="+mn-lt"/>
-        <a:ea typeface="+mn-ea"/>
-        <a:cs typeface="+mn-cs"/>
-      </a:defRPr>
-    </a:lvl1pPr>
-    <a:lvl2pPr marL="457200" algn="l" defTabSz="914400" rtl="0" eaLnBrk="1" latinLnBrk="1" hangingPunct="1">
-      <a:defRPr sz="1200" kern="1200">
-        <a:solidFill>
-          <a:schemeClr val="tx1"/>
-        </a:solidFill>
-        <a:latin typeface="+mn-lt"/>
-        <a:ea typeface="+mn-ea"/>
-        <a:cs typeface="+mn-cs"/>
-      </a:defRPr>
-    </a:lvl2pPr>
-    <a:lvl3pPr marL="914400" algn="l" defTabSz="914400" rtl="0" eaLnBrk="1" latinLnBrk="1" hangingPunct="1">
-      <a:defRPr sz="1200" kern="1200">
-        <a:solidFill>
-          <a:schemeClr val="tx1"/>
-        </a:solidFill>
-        <a:latin typeface="+mn-lt"/>
-        <a:ea typeface="+mn-ea"/>
-        <a:cs typeface="+mn-cs"/>
-      </a:defRPr>
-    </a:lvl3pPr>
-    <a:lvl4pPr marL="1371600" algn="l" defTabSz="914400" rtl="0" eaLnBrk="1" latinLnBrk="1" hangingPunct="1">
-      <a:defRPr sz="1200" kern="1200">
-        <a:solidFill>
-          <a:schemeClr val="tx1"/>
-        </a:solidFill>
-        <a:latin typeface="+mn-lt"/>
-        <a:ea typeface="+mn-ea"/>
-        <a:cs typeface="+mn-cs"/>
-      </a:defRPr>
-    </a:lvl4pPr>
-    <a:lvl5pPr marL="1828800" algn="l" defTabSz="914400" rtl="0" eaLnBrk="1" latinLnBrk="1" hangingPunct="1">
-      <a:defRPr sz="1200" kern="1200">
-        <a:solidFill>
-          <a:schemeClr val="tx1"/>
-        </a:solidFill>
-        <a:latin typeface="+mn-lt"/>
-        <a:ea typeface="+mn-ea"/>
-        <a:cs typeface="+mn-cs"/>
-      </a:defRPr>
-    </a:lvl5pPr>
-    <a:lvl6pPr marL="2286000" algn="l" defTabSz="914400" rtl="0" eaLnBrk="1" latinLnBrk="1" hangingPunct="1">
-      <a:defRPr sz="1200" kern="1200">
-        <a:solidFill>
-          <a:schemeClr val="tx1"/>
-        </a:solidFill>
-        <a:latin typeface="+mn-lt"/>
-        <a:ea typeface="+mn-ea"/>
-        <a:cs typeface="+mn-cs"/>
-      </a:defRPr>
-    </a:lvl6pPr>
-    <a:lvl7pPr marL="2743200" algn="l" defTabSz="914400" rtl="0" eaLnBrk="1" latinLnBrk="1" hangingPunct="1">
-      <a:defRPr sz="1200" kern="1200">
-        <a:solidFill>
-          <a:schemeClr val="tx1"/>
-        </a:solidFill>
-        <a:latin typeface="+mn-lt"/>
-        <a:ea typeface="+mn-ea"/>
-        <a:cs typeface="+mn-cs"/>
-      </a:defRPr>
-    </a:lvl7pPr>
-    <a:lvl8pPr marL="3200400" algn="l" defTabSz="914400" rtl="0" eaLnBrk="1" latinLnBrk="1" hangingPunct="1">
-      <a:defRPr sz="1200" kern="1200">
-        <a:solidFill>
-          <a:schemeClr val="tx1"/>
-        </a:solidFill>
-        <a:latin typeface="+mn-lt"/>
-        <a:ea typeface="+mn-ea"/>
-        <a:cs typeface="+mn-cs"/>
-      </a:defRPr>
-    </a:lvl8pPr>
-    <a:lvl9pPr marL="3657600" algn="l" defTabSz="914400" rtl="0" eaLnBrk="1" latinLnBrk="1" hangingPunct="1">
-      <a:defRPr sz="1200" kern="1200">
-        <a:solidFill>
-          <a:schemeClr val="tx1"/>
-        </a:solidFill>
-        <a:latin typeface="+mn-lt"/>
-        <a:ea typeface="+mn-ea"/>
-        <a:cs typeface="+mn-cs"/>
-      </a:defRPr>
-    </a:lvl9pPr>
-  </p:notesStyle>
-</p:notesMaster>
-</file>
-
-<file path=ppt/notesSlides/notesSlide1.xml><?xml version="1.0" encoding="utf-8"?>
-<p:notes xmlns:a="http://schemas.openxmlformats.org/drawingml/2006/main" xmlns:r="http://schemas.openxmlformats.org/officeDocument/2006/relationships" xmlns:p="http://schemas.openxmlformats.org/presentationml/2006/main">
-  <p:cSld>
-    <p:spTree>
-      <p:nvGrpSpPr>
-        <p:cNvPr id="1" name=""/>
-        <p:cNvGrpSpPr/>
-        <p:nvPr/>
-      </p:nvGrpSpPr>
-      <p:grpSpPr>
-        <a:xfrm>
-          <a:off x="0" y="0"/>
-          <a:ext cx="0" cy="0"/>
-          <a:chOff x="0" y="0"/>
-          <a:chExt cx="0" cy="0"/>
-        </a:xfrm>
-      </p:grpSpPr>
-      <p:sp>
-        <p:nvSpPr>
-          <p:cNvPr id="2" name="슬라이드 이미지 개체 틀 1"/>
-          <p:cNvSpPr>
-            <a:spLocks noGrp="1" noRot="1" noChangeAspect="1"/>
-          </p:cNvSpPr>
-          <p:nvPr>
-            <p:ph type="sldImg"/>
-          </p:nvPr>
-        </p:nvSpPr>
-        <p:spPr/>
-      </p:sp>
-      <p:sp>
-        <p:nvSpPr>
-          <p:cNvPr id="3" name="슬라이드 노트 개체 틀 2"/>
-          <p:cNvSpPr>
-            <a:spLocks noGrp="1"/>
-          </p:cNvSpPr>
-          <p:nvPr>
-            <p:ph type="body" idx="1"/>
-          </p:nvPr>
-        </p:nvSpPr>
-        <p:spPr/>
-        <p:txBody>
-          <a:bodyPr/>
-          <a:lstStyle/>
-          <a:p>
-            <a:r>
-              <a:rPr lang="ko-KR" altLang="en-US" dirty="0"/>
-              <a:t>또한</a:t>
-            </a:r>
-            <a:r>
-              <a:rPr lang="en-US" altLang="ko-KR" dirty="0"/>
-              <a:t>, </a:t>
-            </a:r>
-            <a:r>
-              <a:rPr lang="ko-KR" altLang="en-US" dirty="0"/>
-              <a:t>성균관대학교 특성상</a:t>
-            </a:r>
-            <a:r>
-              <a:rPr lang="en-US" altLang="ko-KR" dirty="0"/>
-              <a:t>, </a:t>
-            </a:r>
-            <a:r>
-              <a:rPr lang="ko-KR" altLang="en-US" dirty="0"/>
-              <a:t>문과 </a:t>
-            </a:r>
-            <a:r>
-              <a:rPr lang="en-US" altLang="ko-KR" dirty="0"/>
-              <a:t>/ </a:t>
-            </a:r>
-            <a:r>
-              <a:rPr lang="ko-KR" altLang="en-US" dirty="0"/>
-              <a:t>이과 학생들은 서로의 캠퍼스에 대해서 잘 알 수가 없고</a:t>
-            </a:r>
-            <a:r>
-              <a:rPr lang="en-US" altLang="ko-KR" dirty="0"/>
-              <a:t>, </a:t>
-            </a:r>
-            <a:r>
-              <a:rPr lang="ko-KR" altLang="en-US" dirty="0" err="1"/>
-              <a:t>헤멜</a:t>
-            </a:r>
-            <a:r>
-              <a:rPr lang="ko-KR" altLang="en-US" dirty="0"/>
-              <a:t> 여지가 있다</a:t>
-            </a:r>
-            <a:r>
-              <a:rPr lang="en-US" altLang="ko-KR" dirty="0"/>
-              <a:t>. </a:t>
-            </a:r>
-            <a:r>
-              <a:rPr lang="ko-KR" altLang="en-US" dirty="0"/>
-              <a:t> 또한 고등학생들도 앱의 해당 기능을 사용하여</a:t>
-            </a:r>
-            <a:r>
-              <a:rPr lang="en-US" altLang="ko-KR" dirty="0"/>
-              <a:t>, </a:t>
-            </a:r>
-            <a:r>
-              <a:rPr lang="ko-KR" altLang="en-US" dirty="0"/>
-              <a:t>성균관대학교에 대해 잘 알 수 있고</a:t>
-            </a:r>
-            <a:r>
-              <a:rPr lang="en-US" altLang="ko-KR" dirty="0"/>
-              <a:t>, </a:t>
-            </a:r>
-            <a:r>
-              <a:rPr lang="ko-KR" altLang="en-US" dirty="0"/>
-              <a:t>우리 학교의 친밀감과 같은 이미지에 긍정적인 영향을 줄 수 있다</a:t>
-            </a:r>
-            <a:r>
-              <a:rPr lang="en-US" altLang="ko-KR" dirty="0"/>
-              <a:t>.</a:t>
-            </a:r>
-          </a:p>
-        </p:txBody>
-      </p:sp>
-      <p:sp>
-        <p:nvSpPr>
-          <p:cNvPr id="4" name="슬라이드 번호 개체 틀 3"/>
-          <p:cNvSpPr>
-            <a:spLocks noGrp="1"/>
-          </p:cNvSpPr>
-          <p:nvPr>
-            <p:ph type="sldNum" sz="quarter" idx="5"/>
-          </p:nvPr>
-        </p:nvSpPr>
-        <p:spPr/>
-        <p:txBody>
-          <a:bodyPr/>
-          <a:lstStyle/>
-          <a:p>
-            <a:fld id="{57F706FF-9F07-4697-B45F-67BE92F8979D}" type="slidenum">
-              <a:rPr lang="ko-KR" altLang="en-US" smtClean="0"/>
-              <a:t>2</a:t>
-            </a:fld>
-            <a:endParaRPr lang="ko-KR" altLang="en-US"/>
-          </a:p>
-        </p:txBody>
-      </p:sp>
-    </p:spTree>
-    <p:extLst>
-      <p:ext uri="{BB962C8B-B14F-4D97-AF65-F5344CB8AC3E}">
-        <p14:creationId xmlns:p14="http://schemas.microsoft.com/office/powerpoint/2010/main" val="1647245685"/>
-      </p:ext>
-    </p:extLst>
-  </p:cSld>
-  <p:clrMapOvr>
-    <a:masterClrMapping/>
-  </p:clrMapOvr>
-</p:notes>
-</file>
-
-<file path=ppt/notesSlides/notesSlide2.xml><?xml version="1.0" encoding="utf-8"?>
-<p:notes xmlns:a="http://schemas.openxmlformats.org/drawingml/2006/main" xmlns:r="http://schemas.openxmlformats.org/officeDocument/2006/relationships" xmlns:p="http://schemas.openxmlformats.org/presentationml/2006/main">
-  <p:cSld>
-    <p:spTree>
-      <p:nvGrpSpPr>
-        <p:cNvPr id="1" name=""/>
-        <p:cNvGrpSpPr/>
-        <p:nvPr/>
-      </p:nvGrpSpPr>
-      <p:grpSpPr>
-        <a:xfrm>
-          <a:off x="0" y="0"/>
-          <a:ext cx="0" cy="0"/>
-          <a:chOff x="0" y="0"/>
-          <a:chExt cx="0" cy="0"/>
-        </a:xfrm>
-      </p:grpSpPr>
-      <p:sp>
-        <p:nvSpPr>
-          <p:cNvPr id="2" name="슬라이드 이미지 개체 틀 1"/>
-          <p:cNvSpPr>
-            <a:spLocks noGrp="1" noRot="1" noChangeAspect="1"/>
-          </p:cNvSpPr>
-          <p:nvPr>
-            <p:ph type="sldImg"/>
-          </p:nvPr>
-        </p:nvSpPr>
-        <p:spPr/>
-      </p:sp>
-      <p:sp>
-        <p:nvSpPr>
-          <p:cNvPr id="3" name="슬라이드 노트 개체 틀 2"/>
-          <p:cNvSpPr>
-            <a:spLocks noGrp="1"/>
-          </p:cNvSpPr>
-          <p:nvPr>
-            <p:ph type="body" idx="1"/>
-          </p:nvPr>
-        </p:nvSpPr>
-        <p:spPr/>
-        <p:txBody>
-          <a:bodyPr/>
-          <a:lstStyle/>
-          <a:p>
-            <a:r>
-              <a:rPr lang="ko-KR" altLang="en-US" dirty="0"/>
-              <a:t>서비스 정리</a:t>
-            </a:r>
-            <a:endParaRPr lang="en-US" altLang="ko-KR" dirty="0"/>
-          </a:p>
-          <a:p>
-            <a:r>
-              <a:rPr lang="en-US" altLang="ko-KR" dirty="0"/>
-              <a:t>1 . </a:t>
-            </a:r>
-            <a:r>
-              <a:rPr lang="ko-KR" altLang="en-US" dirty="0"/>
-              <a:t>건물 내부 경로 안내</a:t>
-            </a:r>
-            <a:endParaRPr lang="en-US" altLang="ko-KR" dirty="0"/>
-          </a:p>
-          <a:p>
-            <a:r>
-              <a:rPr lang="en-US" altLang="ko-KR" dirty="0"/>
-              <a:t>2 . </a:t>
-            </a:r>
-            <a:r>
-              <a:rPr lang="ko-KR" altLang="en-US" dirty="0"/>
-              <a:t>건물 내부 이동시간을 이동 수단 별 안내</a:t>
-            </a:r>
-            <a:endParaRPr lang="en-US" altLang="ko-KR" dirty="0"/>
-          </a:p>
-          <a:p>
-            <a:r>
-              <a:rPr lang="en-US" altLang="ko-KR" dirty="0"/>
-              <a:t>3 . </a:t>
-            </a:r>
-            <a:r>
-              <a:rPr lang="ko-KR" altLang="en-US" dirty="0"/>
-              <a:t>건물 내부 </a:t>
-            </a:r>
-            <a:r>
-              <a:rPr lang="ko-KR" altLang="en-US" dirty="0" err="1"/>
-              <a:t>로드뷰</a:t>
-            </a:r>
-            <a:r>
-              <a:rPr lang="ko-KR" altLang="en-US" dirty="0"/>
-              <a:t> 기능 </a:t>
-            </a:r>
-            <a:endParaRPr lang="en-US" altLang="ko-KR" dirty="0"/>
-          </a:p>
-          <a:p>
-            <a:r>
-              <a:rPr lang="en-US" altLang="ko-KR" dirty="0"/>
-              <a:t>4 . </a:t>
-            </a:r>
-            <a:r>
-              <a:rPr lang="ko-KR" altLang="en-US" dirty="0"/>
-              <a:t>건물 내부 이동시</a:t>
-            </a:r>
-            <a:r>
-              <a:rPr lang="en-US" altLang="ko-KR" dirty="0"/>
-              <a:t>, </a:t>
-            </a:r>
-            <a:r>
-              <a:rPr lang="ko-KR" altLang="en-US" dirty="0"/>
-              <a:t>건물 내부의 호수 분포도 제공</a:t>
-            </a:r>
-            <a:endParaRPr lang="en-US" altLang="ko-KR" dirty="0"/>
-          </a:p>
-          <a:p>
-            <a:endParaRPr lang="en-US" altLang="ko-KR" dirty="0"/>
-          </a:p>
-          <a:p>
-            <a:endParaRPr lang="en-US" altLang="ko-KR" dirty="0"/>
-          </a:p>
-          <a:p>
-            <a:r>
-              <a:rPr lang="ko-KR" altLang="en-US" dirty="0"/>
-              <a:t>이를 위해 시스템에서 필요한 기능들</a:t>
-            </a:r>
-            <a:endParaRPr lang="en-US" altLang="ko-KR" dirty="0"/>
-          </a:p>
-          <a:p>
-            <a:r>
-              <a:rPr lang="en-US" altLang="ko-KR" dirty="0"/>
-              <a:t>1 . </a:t>
-            </a:r>
-            <a:r>
-              <a:rPr lang="ko-KR" altLang="en-US" dirty="0"/>
-              <a:t>건물 내부까지 포함한 최단 경로 알고리즘 </a:t>
-            </a:r>
-            <a:r>
-              <a:rPr lang="en-US" altLang="ko-KR" dirty="0"/>
-              <a:t>: </a:t>
-            </a:r>
-            <a:r>
-              <a:rPr lang="ko-KR" altLang="en-US" dirty="0"/>
-              <a:t>알고리즘 만들기 </a:t>
-            </a:r>
-            <a:r>
-              <a:rPr lang="en-US" altLang="ko-KR" dirty="0"/>
-              <a:t>-&gt; </a:t>
-            </a:r>
-            <a:r>
-              <a:rPr lang="ko-KR" altLang="en-US" dirty="0"/>
-              <a:t>출입구와 층 이동 수단에 따른 차이 고려 </a:t>
-            </a:r>
-            <a:r>
-              <a:rPr lang="en-US" altLang="ko-KR" dirty="0"/>
-              <a:t>-&gt; </a:t>
-            </a:r>
-            <a:r>
-              <a:rPr lang="ko-KR" altLang="en-US" dirty="0"/>
-              <a:t>실제 익숙한 이용자와 비교</a:t>
-            </a:r>
-            <a:endParaRPr lang="en-US" altLang="ko-KR" dirty="0"/>
-          </a:p>
-          <a:p>
-            <a:r>
-              <a:rPr lang="en-US" altLang="ko-KR" dirty="0"/>
-              <a:t>2 . </a:t>
-            </a:r>
-            <a:r>
-              <a:rPr lang="ko-KR" altLang="en-US" dirty="0"/>
-              <a:t>건물 내부에서의 사용자의 위치정보 수집 </a:t>
-            </a:r>
-            <a:r>
-              <a:rPr lang="en-US" altLang="ko-KR" dirty="0"/>
-              <a:t>: </a:t>
-            </a:r>
-            <a:r>
-              <a:rPr lang="ko-KR" altLang="en-US" dirty="0"/>
-              <a:t>사용자의 </a:t>
-            </a:r>
-            <a:r>
-              <a:rPr lang="en-US" altLang="ko-KR" dirty="0"/>
-              <a:t>GPS</a:t>
-            </a:r>
-            <a:r>
-              <a:rPr lang="ko-KR" altLang="en-US" dirty="0"/>
-              <a:t>정보 수집 </a:t>
-            </a:r>
-            <a:r>
-              <a:rPr lang="en-US" altLang="ko-KR" dirty="0"/>
-              <a:t>+ </a:t>
-            </a:r>
-            <a:r>
-              <a:rPr lang="ko-KR" altLang="en-US" dirty="0"/>
-              <a:t>근처 </a:t>
-            </a:r>
-            <a:r>
-              <a:rPr lang="en-US" altLang="ko-KR" dirty="0" err="1"/>
-              <a:t>wifi</a:t>
-            </a:r>
-            <a:r>
-              <a:rPr lang="en-US" altLang="ko-KR" dirty="0"/>
-              <a:t> </a:t>
-            </a:r>
-            <a:r>
-              <a:rPr lang="ko-KR" altLang="en-US" dirty="0"/>
-              <a:t>정보 </a:t>
-            </a:r>
-            <a:r>
-              <a:rPr lang="en-US" altLang="ko-KR" dirty="0"/>
-              <a:t>-&gt; </a:t>
-            </a:r>
-            <a:r>
-              <a:rPr lang="ko-KR" altLang="en-US" dirty="0"/>
-              <a:t>건물 내부까지 정확한 위치정보 파악</a:t>
-            </a:r>
-            <a:endParaRPr lang="en-US" altLang="ko-KR" dirty="0"/>
-          </a:p>
-          <a:p>
-            <a:endParaRPr lang="en-US" altLang="ko-KR" dirty="0"/>
-          </a:p>
-          <a:p>
-            <a:r>
-              <a:rPr lang="en-US" altLang="ko-KR" dirty="0"/>
-              <a:t>3 . </a:t>
-            </a:r>
-            <a:r>
-              <a:rPr lang="ko-KR" altLang="en-US" dirty="0"/>
-              <a:t>같은 건물이라도 층 이동시에 위치정보변화 인지 </a:t>
-            </a:r>
-            <a:r>
-              <a:rPr lang="en-US" altLang="ko-KR" dirty="0"/>
-              <a:t>: </a:t>
-            </a:r>
-            <a:r>
-              <a:rPr lang="ko-KR" altLang="en-US" dirty="0"/>
-              <a:t> 정확한 건물 내부 위치정보 </a:t>
-            </a:r>
-            <a:r>
-              <a:rPr lang="en-US" altLang="ko-KR" dirty="0"/>
-              <a:t>-&gt; </a:t>
-            </a:r>
-            <a:r>
-              <a:rPr lang="ko-KR" altLang="en-US" dirty="0"/>
-              <a:t>층 이동시 해당 층 호수 분포도 제공</a:t>
-            </a:r>
-            <a:endParaRPr lang="en-US" altLang="ko-KR" dirty="0"/>
-          </a:p>
-          <a:p>
-            <a:endParaRPr lang="en-US" altLang="ko-KR" dirty="0"/>
-          </a:p>
-          <a:p>
-            <a:r>
-              <a:rPr lang="en-US" altLang="ko-KR" dirty="0"/>
-              <a:t>4 . </a:t>
-            </a:r>
-            <a:r>
-              <a:rPr lang="ko-KR" altLang="en-US" dirty="0" err="1"/>
-              <a:t>로드뷰</a:t>
-            </a:r>
-            <a:r>
-              <a:rPr lang="ko-KR" altLang="en-US" dirty="0"/>
-              <a:t> 데이터 들을 압축되게 전달하여 빠른 시간에 로딩 필요 </a:t>
-            </a:r>
-            <a:r>
-              <a:rPr lang="en-US" altLang="ko-KR" dirty="0"/>
-              <a:t>: </a:t>
-            </a:r>
-            <a:r>
-              <a:rPr lang="ko-KR" altLang="en-US" dirty="0"/>
-              <a:t>고화질 </a:t>
-            </a:r>
-            <a:r>
-              <a:rPr lang="ko-KR" altLang="en-US" dirty="0" err="1"/>
-              <a:t>로드뷰</a:t>
-            </a:r>
-            <a:r>
-              <a:rPr lang="ko-KR" altLang="en-US" dirty="0"/>
-              <a:t> 데이터 압축 </a:t>
-            </a:r>
-            <a:r>
-              <a:rPr lang="en-US" altLang="ko-KR" dirty="0"/>
-              <a:t>-&gt; </a:t>
-            </a:r>
-            <a:r>
-              <a:rPr lang="ko-KR" altLang="en-US" dirty="0"/>
-              <a:t>전송 및 수신 </a:t>
-            </a:r>
-            <a:r>
-              <a:rPr lang="en-US" altLang="ko-KR" dirty="0"/>
-              <a:t>-&gt; </a:t>
-            </a:r>
-            <a:r>
-              <a:rPr lang="ko-KR" altLang="en-US" dirty="0"/>
-              <a:t>앱에서 렌더링 하여 제공</a:t>
-            </a:r>
-            <a:endParaRPr lang="en-US" altLang="ko-KR" dirty="0"/>
-          </a:p>
-          <a:p>
-            <a:r>
-              <a:rPr lang="en-US" altLang="ko-KR" dirty="0"/>
-              <a:t> </a:t>
-            </a:r>
-          </a:p>
-        </p:txBody>
-      </p:sp>
-      <p:sp>
-        <p:nvSpPr>
-          <p:cNvPr id="4" name="슬라이드 번호 개체 틀 3"/>
-          <p:cNvSpPr>
-            <a:spLocks noGrp="1"/>
-          </p:cNvSpPr>
-          <p:nvPr>
-            <p:ph type="sldNum" sz="quarter" idx="5"/>
-          </p:nvPr>
-        </p:nvSpPr>
-        <p:spPr/>
-        <p:txBody>
-          <a:bodyPr/>
-          <a:lstStyle/>
-          <a:p>
-            <a:fld id="{57F706FF-9F07-4697-B45F-67BE92F8979D}" type="slidenum">
-              <a:rPr lang="ko-KR" altLang="en-US" smtClean="0"/>
-              <a:t>6</a:t>
-            </a:fld>
-            <a:endParaRPr lang="ko-KR" altLang="en-US"/>
-          </a:p>
-        </p:txBody>
-      </p:sp>
-    </p:spTree>
-    <p:extLst>
-      <p:ext uri="{BB962C8B-B14F-4D97-AF65-F5344CB8AC3E}">
-        <p14:creationId xmlns:p14="http://schemas.microsoft.com/office/powerpoint/2010/main" val="1300726906"/>
-      </p:ext>
-    </p:extLst>
-  </p:cSld>
-  <p:clrMapOvr>
-    <a:masterClrMapping/>
-  </p:clrMapOvr>
-</p:notes>
-</file>
-
-<file path=ppt/notesSlides/notesSlide3.xml><?xml version="1.0" encoding="utf-8"?>
-<p:notes xmlns:a="http://schemas.openxmlformats.org/drawingml/2006/main" xmlns:r="http://schemas.openxmlformats.org/officeDocument/2006/relationships" xmlns:p="http://schemas.openxmlformats.org/presentationml/2006/main">
-  <p:cSld>
-    <p:spTree>
-      <p:nvGrpSpPr>
-        <p:cNvPr id="1" name=""/>
-        <p:cNvGrpSpPr/>
-        <p:nvPr/>
-      </p:nvGrpSpPr>
-      <p:grpSpPr>
-        <a:xfrm>
-          <a:off x="0" y="0"/>
-          <a:ext cx="0" cy="0"/>
-          <a:chOff x="0" y="0"/>
-          <a:chExt cx="0" cy="0"/>
-        </a:xfrm>
-      </p:grpSpPr>
-      <p:sp>
-        <p:nvSpPr>
-          <p:cNvPr id="2" name="슬라이드 이미지 개체 틀 1"/>
-          <p:cNvSpPr>
-            <a:spLocks noGrp="1" noRot="1" noChangeAspect="1"/>
-          </p:cNvSpPr>
-          <p:nvPr>
-            <p:ph type="sldImg"/>
-          </p:nvPr>
-        </p:nvSpPr>
-        <p:spPr/>
-      </p:sp>
-      <p:sp>
-        <p:nvSpPr>
-          <p:cNvPr id="3" name="슬라이드 노트 개체 틀 2"/>
-          <p:cNvSpPr>
-            <a:spLocks noGrp="1"/>
-          </p:cNvSpPr>
-          <p:nvPr>
-            <p:ph type="body" idx="1"/>
-          </p:nvPr>
-        </p:nvSpPr>
-        <p:spPr/>
-        <p:txBody>
-          <a:bodyPr/>
-          <a:lstStyle/>
-          <a:p>
-            <a:endParaRPr lang="ko-KR" altLang="en-US" dirty="0"/>
-          </a:p>
-        </p:txBody>
-      </p:sp>
-      <p:sp>
-        <p:nvSpPr>
-          <p:cNvPr id="4" name="슬라이드 번호 개체 틀 3"/>
-          <p:cNvSpPr>
-            <a:spLocks noGrp="1"/>
-          </p:cNvSpPr>
-          <p:nvPr>
-            <p:ph type="sldNum" sz="quarter" idx="5"/>
-          </p:nvPr>
-        </p:nvSpPr>
-        <p:spPr/>
-        <p:txBody>
-          <a:bodyPr/>
-          <a:lstStyle/>
-          <a:p>
-            <a:fld id="{57F706FF-9F07-4697-B45F-67BE92F8979D}" type="slidenum">
-              <a:rPr lang="ko-KR" altLang="en-US" smtClean="0"/>
-              <a:t>8</a:t>
-            </a:fld>
-            <a:endParaRPr lang="ko-KR" altLang="en-US"/>
-          </a:p>
-        </p:txBody>
-      </p:sp>
-    </p:spTree>
-    <p:extLst>
-      <p:ext uri="{BB962C8B-B14F-4D97-AF65-F5344CB8AC3E}">
-        <p14:creationId xmlns:p14="http://schemas.microsoft.com/office/powerpoint/2010/main" val="1748998499"/>
-      </p:ext>
-    </p:extLst>
-  </p:cSld>
-  <p:clrMapOvr>
-    <a:masterClrMapping/>
-  </p:clrMapOvr>
-</p:notes>
-</file>
-
-<file path=ppt/notesSlides/notesSlide4.xml><?xml version="1.0" encoding="utf-8"?>
-<p:notes xmlns:a="http://schemas.openxmlformats.org/drawingml/2006/main" xmlns:r="http://schemas.openxmlformats.org/officeDocument/2006/relationships" xmlns:p="http://schemas.openxmlformats.org/presentationml/2006/main">
-  <p:cSld>
-    <p:spTree>
-      <p:nvGrpSpPr>
-        <p:cNvPr id="1" name=""/>
-        <p:cNvGrpSpPr/>
-        <p:nvPr/>
-      </p:nvGrpSpPr>
-      <p:grpSpPr>
-        <a:xfrm>
-          <a:off x="0" y="0"/>
-          <a:ext cx="0" cy="0"/>
-          <a:chOff x="0" y="0"/>
-          <a:chExt cx="0" cy="0"/>
-        </a:xfrm>
-      </p:grpSpPr>
-      <p:sp>
-        <p:nvSpPr>
-          <p:cNvPr id="2" name="슬라이드 이미지 개체 틀 1"/>
-          <p:cNvSpPr>
-            <a:spLocks noGrp="1" noRot="1" noChangeAspect="1"/>
-          </p:cNvSpPr>
-          <p:nvPr>
-            <p:ph type="sldImg"/>
-          </p:nvPr>
-        </p:nvSpPr>
-        <p:spPr/>
-      </p:sp>
-      <p:sp>
-        <p:nvSpPr>
-          <p:cNvPr id="3" name="슬라이드 노트 개체 틀 2"/>
-          <p:cNvSpPr>
-            <a:spLocks noGrp="1"/>
-          </p:cNvSpPr>
-          <p:nvPr>
-            <p:ph type="body" idx="1"/>
-          </p:nvPr>
-        </p:nvSpPr>
-        <p:spPr/>
-        <p:txBody>
-          <a:bodyPr/>
-          <a:lstStyle/>
-          <a:p>
-            <a:pPr marL="0" marR="0" lvl="0" indent="0" algn="l" defTabSz="914400" rtl="0" eaLnBrk="1" fontAlgn="auto" latinLnBrk="1" hangingPunct="1">
-              <a:lnSpc>
-                <a:spcPct val="100000"/>
-              </a:lnSpc>
-              <a:spcBef>
-                <a:spcPts val="0"/>
-              </a:spcBef>
-              <a:spcAft>
-                <a:spcPts val="0"/>
-              </a:spcAft>
-              <a:buClrTx/>
-              <a:buSzTx/>
-              <a:buFontTx/>
-              <a:buNone/>
-              <a:tabLst/>
-              <a:defRPr/>
-            </a:pPr>
-            <a:r>
-              <a:rPr lang="en-US" altLang="ko-KR" dirty="0"/>
-              <a:t>Firebase(</a:t>
-            </a:r>
-            <a:r>
-              <a:rPr lang="ko-KR" altLang="en-US" dirty="0"/>
-              <a:t>서비스 초기</a:t>
-            </a:r>
-            <a:r>
-              <a:rPr lang="en-US" altLang="ko-KR"/>
-              <a:t>)</a:t>
-            </a:r>
-          </a:p>
-          <a:p>
-            <a:endParaRPr lang="en-US" altLang="ko-KR"/>
-          </a:p>
-          <a:p>
-            <a:r>
-              <a:rPr lang="en-US" altLang="ko-KR" dirty="0" err="1"/>
-              <a:t>Github</a:t>
-            </a:r>
-            <a:r>
-              <a:rPr lang="en-US" altLang="ko-KR" dirty="0"/>
-              <a:t> </a:t>
-            </a:r>
-          </a:p>
-          <a:p>
-            <a:r>
-              <a:rPr lang="en-US" altLang="ko-KR" dirty="0"/>
-              <a:t>Jenkins – CI/CD tool</a:t>
-            </a:r>
-          </a:p>
-          <a:p>
-            <a:r>
-              <a:rPr lang="en-US" altLang="ko-KR" dirty="0"/>
-              <a:t>Docker </a:t>
-            </a:r>
-          </a:p>
-          <a:p>
-            <a:r>
-              <a:rPr lang="en-US" altLang="ko-KR" dirty="0"/>
-              <a:t>AWS</a:t>
-            </a:r>
-          </a:p>
-          <a:p>
-            <a:endParaRPr lang="en-US" altLang="ko-KR" dirty="0"/>
-          </a:p>
-          <a:p>
-            <a:endParaRPr lang="en-US" altLang="ko-KR" dirty="0"/>
-          </a:p>
-          <a:p>
-            <a:r>
-              <a:rPr lang="en-US" altLang="ko-KR" dirty="0"/>
-              <a:t>Flutter (</a:t>
-            </a:r>
-            <a:r>
-              <a:rPr lang="ko-KR" altLang="en-US" dirty="0"/>
-              <a:t>크로스플랫폼 언어</a:t>
-            </a:r>
-            <a:r>
-              <a:rPr lang="en-US" altLang="ko-KR" dirty="0"/>
-              <a:t>)</a:t>
-            </a:r>
-          </a:p>
-        </p:txBody>
-      </p:sp>
-      <p:sp>
-        <p:nvSpPr>
-          <p:cNvPr id="4" name="슬라이드 번호 개체 틀 3"/>
-          <p:cNvSpPr>
-            <a:spLocks noGrp="1"/>
-          </p:cNvSpPr>
-          <p:nvPr>
-            <p:ph type="sldNum" sz="quarter" idx="5"/>
-          </p:nvPr>
-        </p:nvSpPr>
-        <p:spPr/>
-        <p:txBody>
-          <a:bodyPr/>
-          <a:lstStyle/>
-          <a:p>
-            <a:fld id="{57F706FF-9F07-4697-B45F-67BE92F8979D}" type="slidenum">
-              <a:rPr lang="ko-KR" altLang="en-US" smtClean="0"/>
-              <a:t>9</a:t>
-            </a:fld>
-            <a:endParaRPr lang="ko-KR" altLang="en-US"/>
-          </a:p>
-        </p:txBody>
-      </p:sp>
-    </p:spTree>
-    <p:extLst>
-      <p:ext uri="{BB962C8B-B14F-4D97-AF65-F5344CB8AC3E}">
-        <p14:creationId xmlns:p14="http://schemas.microsoft.com/office/powerpoint/2010/main" val="3146430224"/>
-      </p:ext>
-    </p:extLst>
-  </p:cSld>
-  <p:clrMapOvr>
-    <a:masterClrMapping/>
-  </p:clrMapOvr>
-</p:notes>
 </file>
 
 <file path=ppt/slideLayouts/slideLayout1.xml><?xml version="1.0" encoding="utf-8"?>
@@ -3552,7 +2463,7 @@
           <a:p>
             <a:fld id="{3C04E684-10F4-4CC3-A0B9-F03AA7BE37CF}" type="datetimeFigureOut">
               <a:rPr lang="en-US" smtClean="0"/>
-              <a:t>3/31/2021</a:t>
+              <a:t>3/30/2021</a:t>
             </a:fld>
             <a:endParaRPr lang="en-US"/>
           </a:p>
@@ -6042,7 +4953,7 @@
           <a:p>
             <a:fld id="{3C04E684-10F4-4CC3-A0B9-F03AA7BE37CF}" type="datetimeFigureOut">
               <a:rPr lang="en-US" smtClean="0"/>
-              <a:t>3/31/2021</a:t>
+              <a:t>3/30/2021</a:t>
             </a:fld>
             <a:endParaRPr lang="en-US"/>
           </a:p>
@@ -6240,7 +5151,7 @@
           <a:p>
             <a:fld id="{3C04E684-10F4-4CC3-A0B9-F03AA7BE37CF}" type="datetimeFigureOut">
               <a:rPr lang="en-US" smtClean="0"/>
-              <a:t>3/31/2021</a:t>
+              <a:t>3/30/2021</a:t>
             </a:fld>
             <a:endParaRPr lang="en-US"/>
           </a:p>
@@ -6448,7 +5359,7 @@
           <a:p>
             <a:fld id="{3C04E684-10F4-4CC3-A0B9-F03AA7BE37CF}" type="datetimeFigureOut">
               <a:rPr lang="en-US" smtClean="0"/>
-              <a:t>3/31/2021</a:t>
+              <a:t>3/30/2021</a:t>
             </a:fld>
             <a:endParaRPr lang="en-US"/>
           </a:p>
@@ -7185,7 +6096,7 @@
           <a:p>
             <a:fld id="{3C04E684-10F4-4CC3-A0B9-F03AA7BE37CF}" type="datetimeFigureOut">
               <a:rPr lang="en-US" smtClean="0"/>
-              <a:t>3/31/2021</a:t>
+              <a:t>3/30/2021</a:t>
             </a:fld>
             <a:endParaRPr lang="en-US"/>
           </a:p>
@@ -7827,7 +6738,7 @@
           <a:p>
             <a:fld id="{3C04E684-10F4-4CC3-A0B9-F03AA7BE37CF}" type="datetimeFigureOut">
               <a:rPr lang="en-US" smtClean="0"/>
-              <a:t>3/31/2021</a:t>
+              <a:t>3/30/2021</a:t>
             </a:fld>
             <a:endParaRPr lang="en-US"/>
           </a:p>
@@ -8627,7 +7538,7 @@
           <a:p>
             <a:fld id="{3C04E684-10F4-4CC3-A0B9-F03AA7BE37CF}" type="datetimeFigureOut">
               <a:rPr lang="en-US" smtClean="0"/>
-              <a:t>3/31/2021</a:t>
+              <a:t>3/30/2021</a:t>
             </a:fld>
             <a:endParaRPr lang="en-US"/>
           </a:p>
@@ -9578,7 +8489,7 @@
           <a:p>
             <a:fld id="{3C04E684-10F4-4CC3-A0B9-F03AA7BE37CF}" type="datetimeFigureOut">
               <a:rPr lang="en-US" smtClean="0"/>
-              <a:t>3/31/2021</a:t>
+              <a:t>3/30/2021</a:t>
             </a:fld>
             <a:endParaRPr lang="en-US"/>
           </a:p>
@@ -11927,7 +10838,7 @@
           <a:p>
             <a:fld id="{3C04E684-10F4-4CC3-A0B9-F03AA7BE37CF}" type="datetimeFigureOut">
               <a:rPr lang="en-US" smtClean="0"/>
-              <a:t>3/31/2021</a:t>
+              <a:t>3/30/2021</a:t>
             </a:fld>
             <a:endParaRPr lang="en-US"/>
           </a:p>
@@ -12040,7 +10951,7 @@
           <a:p>
             <a:fld id="{3C04E684-10F4-4CC3-A0B9-F03AA7BE37CF}" type="datetimeFigureOut">
               <a:rPr lang="en-US" smtClean="0"/>
-              <a:t>3/31/2021</a:t>
+              <a:t>3/30/2021</a:t>
             </a:fld>
             <a:endParaRPr lang="en-US"/>
           </a:p>
@@ -12547,7 +11458,7 @@
           <a:p>
             <a:fld id="{3C04E684-10F4-4CC3-A0B9-F03AA7BE37CF}" type="datetimeFigureOut">
               <a:rPr lang="en-US" smtClean="0"/>
-              <a:t>3/31/2021</a:t>
+              <a:t>3/30/2021</a:t>
             </a:fld>
             <a:endParaRPr lang="en-US"/>
           </a:p>
@@ -13850,7 +12761,7 @@
           <a:p>
             <a:fld id="{3C04E684-10F4-4CC3-A0B9-F03AA7BE37CF}" type="datetimeFigureOut">
               <a:rPr lang="en-US" smtClean="0"/>
-              <a:t>3/31/2021</a:t>
+              <a:t>3/30/2021</a:t>
             </a:fld>
             <a:endParaRPr lang="en-US"/>
           </a:p>
@@ -14093,7 +13004,7 @@
           <a:p>
             <a:fld id="{3C04E684-10F4-4CC3-A0B9-F03AA7BE37CF}" type="datetimeFigureOut">
               <a:rPr lang="en-US" smtClean="0"/>
-              <a:t>3/31/2021</a:t>
+              <a:t>3/30/2021</a:t>
             </a:fld>
             <a:endParaRPr lang="en-US"/>
           </a:p>
@@ -14497,6 +13408,709 @@
 <file path=ppt/slides/slide1.xml><?xml version="1.0" encoding="utf-8"?>
 <p:sld xmlns:a="http://schemas.openxmlformats.org/drawingml/2006/main" xmlns:r="http://schemas.openxmlformats.org/officeDocument/2006/relationships" xmlns:p="http://schemas.openxmlformats.org/presentationml/2006/main">
   <p:cSld>
+    <p:bg>
+      <p:bgPr>
+        <a:solidFill>
+          <a:schemeClr val="bg1"/>
+        </a:solidFill>
+        <a:effectLst/>
+      </p:bgPr>
+    </p:bg>
+    <p:spTree>
+      <p:nvGrpSpPr>
+        <p:cNvPr id="1" name=""/>
+        <p:cNvGrpSpPr/>
+        <p:nvPr/>
+      </p:nvGrpSpPr>
+      <p:grpSpPr>
+        <a:xfrm>
+          <a:off x="0" y="0"/>
+          <a:ext cx="0" cy="0"/>
+          <a:chOff x="0" y="0"/>
+          <a:chExt cx="0" cy="0"/>
+        </a:xfrm>
+      </p:grpSpPr>
+      <p:sp useBgFill="1">
+        <p:nvSpPr>
+          <p:cNvPr id="21" name="Rectangle 8">
+            <a:extLst>
+              <a:ext uri="{FF2B5EF4-FFF2-40B4-BE49-F238E27FC236}">
+                <a16:creationId xmlns:a16="http://schemas.microsoft.com/office/drawing/2014/main" id="{8F187B58-3857-4454-9C70-EFB475976F73}"/>
+              </a:ext>
+              <a:ext uri="{C183D7F6-B498-43B3-948B-1728B52AA6E4}">
+                <adec:decorative xmlns:adec="http://schemas.microsoft.com/office/drawing/2017/decorative" val="1"/>
+              </a:ext>
+            </a:extLst>
+          </p:cNvPr>
+          <p:cNvSpPr>
+            <a:spLocks noGrp="1" noRot="1" noChangeAspect="1" noMove="1" noResize="1" noEditPoints="1" noAdjustHandles="1" noChangeArrowheads="1" noChangeShapeType="1" noTextEdit="1"/>
+          </p:cNvSpPr>
+          <p:nvPr>
+            <p:extLst>
+              <p:ext uri="{386F3935-93C4-4BCD-93E2-E3B085C9AB24}">
+                <p16:designElem xmlns:p16="http://schemas.microsoft.com/office/powerpoint/2015/main" val="1"/>
+              </p:ext>
+            </p:extLst>
+          </p:nvPr>
+        </p:nvSpPr>
+        <p:spPr>
+          <a:xfrm>
+            <a:off x="0" y="0"/>
+            <a:ext cx="12188952" cy="6858000"/>
+          </a:xfrm>
+          <a:prstGeom prst="rect">
+            <a:avLst/>
+          </a:prstGeom>
+          <a:ln>
+            <a:noFill/>
+          </a:ln>
+        </p:spPr>
+        <p:style>
+          <a:lnRef idx="2">
+            <a:schemeClr val="accent1">
+              <a:shade val="50000"/>
+            </a:schemeClr>
+          </a:lnRef>
+          <a:fillRef idx="1">
+            <a:schemeClr val="accent1"/>
+          </a:fillRef>
+          <a:effectRef idx="0">
+            <a:schemeClr val="accent1"/>
+          </a:effectRef>
+          <a:fontRef idx="minor">
+            <a:schemeClr val="lt1"/>
+          </a:fontRef>
+        </p:style>
+        <p:txBody>
+          <a:bodyPr rtlCol="0" anchor="ctr"/>
+          <a:lstStyle/>
+          <a:p>
+            <a:pPr algn="ctr"/>
+            <a:endParaRPr lang="en-US"/>
+          </a:p>
+        </p:txBody>
+      </p:sp>
+      <p:pic>
+        <p:nvPicPr>
+          <p:cNvPr id="22" name="Picture 3">
+            <a:extLst>
+              <a:ext uri="{FF2B5EF4-FFF2-40B4-BE49-F238E27FC236}">
+                <a16:creationId xmlns:a16="http://schemas.microsoft.com/office/drawing/2014/main" id="{DC0DF46A-EB7E-4A68-8065-5F17FB1C8D99}"/>
+              </a:ext>
+            </a:extLst>
+          </p:cNvPr>
+          <p:cNvPicPr>
+            <a:picLocks noChangeAspect="1"/>
+          </p:cNvPicPr>
+          <p:nvPr/>
+        </p:nvPicPr>
+        <p:blipFill rotWithShape="1">
+          <a:blip r:embed="rId2"/>
+          <a:srcRect t="5125" b="16203"/>
+          <a:stretch/>
+        </p:blipFill>
+        <p:spPr>
+          <a:xfrm>
+            <a:off x="20" y="10"/>
+            <a:ext cx="12191980" cy="6857990"/>
+          </a:xfrm>
+          <a:prstGeom prst="rect">
+            <a:avLst/>
+          </a:prstGeom>
+        </p:spPr>
+      </p:pic>
+      <p:sp>
+        <p:nvSpPr>
+          <p:cNvPr id="23" name="Freeform: Shape 10">
+            <a:extLst>
+              <a:ext uri="{FF2B5EF4-FFF2-40B4-BE49-F238E27FC236}">
+                <a16:creationId xmlns:a16="http://schemas.microsoft.com/office/drawing/2014/main" id="{4C5418A4-3935-49EA-B51C-5DDCBFAA3952}"/>
+              </a:ext>
+              <a:ext uri="{C183D7F6-B498-43B3-948B-1728B52AA6E4}">
+                <adec:decorative xmlns:adec="http://schemas.microsoft.com/office/drawing/2017/decorative" val="1"/>
+              </a:ext>
+            </a:extLst>
+          </p:cNvPr>
+          <p:cNvSpPr>
+            <a:spLocks noGrp="1" noRot="1" noChangeAspect="1" noMove="1" noResize="1" noEditPoints="1" noAdjustHandles="1" noChangeArrowheads="1" noChangeShapeType="1" noTextEdit="1"/>
+          </p:cNvSpPr>
+          <p:nvPr>
+            <p:extLst>
+              <p:ext uri="{386F3935-93C4-4BCD-93E2-E3B085C9AB24}">
+                <p16:designElem xmlns:p16="http://schemas.microsoft.com/office/powerpoint/2015/main" val="1"/>
+              </p:ext>
+            </p:extLst>
+          </p:nvPr>
+        </p:nvSpPr>
+        <p:spPr>
+          <a:xfrm>
+            <a:off x="4428056" y="2813365"/>
+            <a:ext cx="7450687" cy="3406460"/>
+          </a:xfrm>
+          <a:custGeom>
+            <a:avLst/>
+            <a:gdLst>
+              <a:gd name="connsiteX0" fmla="*/ 6457914 w 7450687"/>
+              <a:gd name="connsiteY0" fmla="*/ 0 h 3406460"/>
+              <a:gd name="connsiteX1" fmla="*/ 6844288 w 7450687"/>
+              <a:gd name="connsiteY1" fmla="*/ 233492 h 3406460"/>
+              <a:gd name="connsiteX2" fmla="*/ 7386323 w 7450687"/>
+              <a:gd name="connsiteY2" fmla="*/ 717155 h 3406460"/>
+              <a:gd name="connsiteX3" fmla="*/ 7430798 w 7450687"/>
+              <a:gd name="connsiteY3" fmla="*/ 1809564 h 3406460"/>
+              <a:gd name="connsiteX4" fmla="*/ 7013848 w 7450687"/>
+              <a:gd name="connsiteY4" fmla="*/ 3104890 h 3406460"/>
+              <a:gd name="connsiteX5" fmla="*/ 6569101 w 7450687"/>
+              <a:gd name="connsiteY5" fmla="*/ 3402314 h 3406460"/>
+              <a:gd name="connsiteX6" fmla="*/ 3683807 w 7450687"/>
+              <a:gd name="connsiteY6" fmla="*/ 3341162 h 3406460"/>
+              <a:gd name="connsiteX7" fmla="*/ 1704683 w 7450687"/>
+              <a:gd name="connsiteY7" fmla="*/ 2860279 h 3406460"/>
+              <a:gd name="connsiteX8" fmla="*/ 2010446 w 7450687"/>
+              <a:gd name="connsiteY8" fmla="*/ 2801907 h 3406460"/>
+              <a:gd name="connsiteX9" fmla="*/ 1273834 w 7450687"/>
+              <a:gd name="connsiteY9" fmla="*/ 2674041 h 3406460"/>
+              <a:gd name="connsiteX10" fmla="*/ 1315530 w 7450687"/>
+              <a:gd name="connsiteY10" fmla="*/ 2657363 h 3406460"/>
+              <a:gd name="connsiteX11" fmla="*/ 1234919 w 7450687"/>
+              <a:gd name="connsiteY11" fmla="*/ 2590651 h 3406460"/>
+              <a:gd name="connsiteX12" fmla="*/ 904138 w 7450687"/>
+              <a:gd name="connsiteY12" fmla="*/ 2485024 h 3406460"/>
+              <a:gd name="connsiteX13" fmla="*/ 1315530 w 7450687"/>
+              <a:gd name="connsiteY13" fmla="*/ 2307126 h 3406460"/>
+              <a:gd name="connsiteX14" fmla="*/ 851326 w 7450687"/>
+              <a:gd name="connsiteY14" fmla="*/ 2065294 h 3406460"/>
+              <a:gd name="connsiteX15" fmla="*/ 615053 w 7450687"/>
+              <a:gd name="connsiteY15" fmla="*/ 2006921 h 3406460"/>
+              <a:gd name="connsiteX16" fmla="*/ 1393361 w 7450687"/>
+              <a:gd name="connsiteY16" fmla="*/ 1703937 h 3406460"/>
+              <a:gd name="connsiteX17" fmla="*/ 131391 w 7450687"/>
+              <a:gd name="connsiteY17" fmla="*/ 1553835 h 3406460"/>
+              <a:gd name="connsiteX18" fmla="*/ 234239 w 7450687"/>
+              <a:gd name="connsiteY18" fmla="*/ 1492682 h 3406460"/>
+              <a:gd name="connsiteX19" fmla="*/ 1018105 w 7450687"/>
+              <a:gd name="connsiteY19" fmla="*/ 1509360 h 3406460"/>
+              <a:gd name="connsiteX20" fmla="*/ 1148750 w 7450687"/>
+              <a:gd name="connsiteY20" fmla="*/ 1462106 h 3406460"/>
+              <a:gd name="connsiteX21" fmla="*/ 1018105 w 7450687"/>
+              <a:gd name="connsiteY21" fmla="*/ 1387055 h 3406460"/>
+              <a:gd name="connsiteX22" fmla="*/ 509426 w 7450687"/>
+              <a:gd name="connsiteY22" fmla="*/ 1331461 h 3406460"/>
+              <a:gd name="connsiteX23" fmla="*/ 376002 w 7450687"/>
+              <a:gd name="connsiteY23" fmla="*/ 1206376 h 3406460"/>
+              <a:gd name="connsiteX24" fmla="*/ 150849 w 7450687"/>
+              <a:gd name="connsiteY24" fmla="*/ 1061833 h 3406460"/>
+              <a:gd name="connsiteX25" fmla="*/ 306510 w 7450687"/>
+              <a:gd name="connsiteY25" fmla="*/ 942308 h 3406460"/>
+              <a:gd name="connsiteX26" fmla="*/ 53560 w 7450687"/>
+              <a:gd name="connsiteY26" fmla="*/ 764409 h 3406460"/>
+              <a:gd name="connsiteX27" fmla="*/ 125832 w 7450687"/>
+              <a:gd name="connsiteY27" fmla="*/ 530917 h 3406460"/>
+              <a:gd name="connsiteX28" fmla="*/ 551121 w 7450687"/>
+              <a:gd name="connsiteY28" fmla="*/ 475324 h 3406460"/>
+              <a:gd name="connsiteX29" fmla="*/ 1120952 w 7450687"/>
+              <a:gd name="connsiteY29" fmla="*/ 394713 h 3406460"/>
+              <a:gd name="connsiteX30" fmla="*/ 1693564 w 7450687"/>
+              <a:gd name="connsiteY30" fmla="*/ 325221 h 3406460"/>
+              <a:gd name="connsiteX31" fmla="*/ 2266175 w 7450687"/>
+              <a:gd name="connsiteY31" fmla="*/ 325221 h 3406460"/>
+              <a:gd name="connsiteX32" fmla="*/ 2430177 w 7450687"/>
+              <a:gd name="connsiteY32" fmla="*/ 330781 h 3406460"/>
+              <a:gd name="connsiteX33" fmla="*/ 2432956 w 7450687"/>
+              <a:gd name="connsiteY33" fmla="*/ 330781 h 3406460"/>
+              <a:gd name="connsiteX34" fmla="*/ 3144551 w 7450687"/>
+              <a:gd name="connsiteY34" fmla="*/ 355798 h 3406460"/>
+              <a:gd name="connsiteX35" fmla="*/ 3408619 w 7450687"/>
+              <a:gd name="connsiteY35" fmla="*/ 358577 h 3406460"/>
+              <a:gd name="connsiteX36" fmla="*/ 3981231 w 7450687"/>
+              <a:gd name="connsiteY36" fmla="*/ 361357 h 3406460"/>
+              <a:gd name="connsiteX37" fmla="*/ 4551063 w 7450687"/>
+              <a:gd name="connsiteY37" fmla="*/ 350238 h 3406460"/>
+              <a:gd name="connsiteX38" fmla="*/ 5129233 w 7450687"/>
+              <a:gd name="connsiteY38" fmla="*/ 316882 h 3406460"/>
+              <a:gd name="connsiteX39" fmla="*/ 5699065 w 7450687"/>
+              <a:gd name="connsiteY39" fmla="*/ 272407 h 3406460"/>
+              <a:gd name="connsiteX40" fmla="*/ 6063202 w 7450687"/>
+              <a:gd name="connsiteY40" fmla="*/ 172339 h 3406460"/>
+              <a:gd name="connsiteX41" fmla="*/ 6457914 w 7450687"/>
+              <a:gd name="connsiteY41" fmla="*/ 0 h 3406460"/>
+            </a:gdLst>
+            <a:ahLst/>
+            <a:cxnLst>
+              <a:cxn ang="0">
+                <a:pos x="connsiteX0" y="connsiteY0"/>
+              </a:cxn>
+              <a:cxn ang="0">
+                <a:pos x="connsiteX1" y="connsiteY1"/>
+              </a:cxn>
+              <a:cxn ang="0">
+                <a:pos x="connsiteX2" y="connsiteY2"/>
+              </a:cxn>
+              <a:cxn ang="0">
+                <a:pos x="connsiteX3" y="connsiteY3"/>
+              </a:cxn>
+              <a:cxn ang="0">
+                <a:pos x="connsiteX4" y="connsiteY4"/>
+              </a:cxn>
+              <a:cxn ang="0">
+                <a:pos x="connsiteX5" y="connsiteY5"/>
+              </a:cxn>
+              <a:cxn ang="0">
+                <a:pos x="connsiteX6" y="connsiteY6"/>
+              </a:cxn>
+              <a:cxn ang="0">
+                <a:pos x="connsiteX7" y="connsiteY7"/>
+              </a:cxn>
+              <a:cxn ang="0">
+                <a:pos x="connsiteX8" y="connsiteY8"/>
+              </a:cxn>
+              <a:cxn ang="0">
+                <a:pos x="connsiteX9" y="connsiteY9"/>
+              </a:cxn>
+              <a:cxn ang="0">
+                <a:pos x="connsiteX10" y="connsiteY10"/>
+              </a:cxn>
+              <a:cxn ang="0">
+                <a:pos x="connsiteX11" y="connsiteY11"/>
+              </a:cxn>
+              <a:cxn ang="0">
+                <a:pos x="connsiteX12" y="connsiteY12"/>
+              </a:cxn>
+              <a:cxn ang="0">
+                <a:pos x="connsiteX13" y="connsiteY13"/>
+              </a:cxn>
+              <a:cxn ang="0">
+                <a:pos x="connsiteX14" y="connsiteY14"/>
+              </a:cxn>
+              <a:cxn ang="0">
+                <a:pos x="connsiteX15" y="connsiteY15"/>
+              </a:cxn>
+              <a:cxn ang="0">
+                <a:pos x="connsiteX16" y="connsiteY16"/>
+              </a:cxn>
+              <a:cxn ang="0">
+                <a:pos x="connsiteX17" y="connsiteY17"/>
+              </a:cxn>
+              <a:cxn ang="0">
+                <a:pos x="connsiteX18" y="connsiteY18"/>
+              </a:cxn>
+              <a:cxn ang="0">
+                <a:pos x="connsiteX19" y="connsiteY19"/>
+              </a:cxn>
+              <a:cxn ang="0">
+                <a:pos x="connsiteX20" y="connsiteY20"/>
+              </a:cxn>
+              <a:cxn ang="0">
+                <a:pos x="connsiteX21" y="connsiteY21"/>
+              </a:cxn>
+              <a:cxn ang="0">
+                <a:pos x="connsiteX22" y="connsiteY22"/>
+              </a:cxn>
+              <a:cxn ang="0">
+                <a:pos x="connsiteX23" y="connsiteY23"/>
+              </a:cxn>
+              <a:cxn ang="0">
+                <a:pos x="connsiteX24" y="connsiteY24"/>
+              </a:cxn>
+              <a:cxn ang="0">
+                <a:pos x="connsiteX25" y="connsiteY25"/>
+              </a:cxn>
+              <a:cxn ang="0">
+                <a:pos x="connsiteX26" y="connsiteY26"/>
+              </a:cxn>
+              <a:cxn ang="0">
+                <a:pos x="connsiteX27" y="connsiteY27"/>
+              </a:cxn>
+              <a:cxn ang="0">
+                <a:pos x="connsiteX28" y="connsiteY28"/>
+              </a:cxn>
+              <a:cxn ang="0">
+                <a:pos x="connsiteX29" y="connsiteY29"/>
+              </a:cxn>
+              <a:cxn ang="0">
+                <a:pos x="connsiteX30" y="connsiteY30"/>
+              </a:cxn>
+              <a:cxn ang="0">
+                <a:pos x="connsiteX31" y="connsiteY31"/>
+              </a:cxn>
+              <a:cxn ang="0">
+                <a:pos x="connsiteX32" y="connsiteY32"/>
+              </a:cxn>
+              <a:cxn ang="0">
+                <a:pos x="connsiteX33" y="connsiteY33"/>
+              </a:cxn>
+              <a:cxn ang="0">
+                <a:pos x="connsiteX34" y="connsiteY34"/>
+              </a:cxn>
+              <a:cxn ang="0">
+                <a:pos x="connsiteX35" y="connsiteY35"/>
+              </a:cxn>
+              <a:cxn ang="0">
+                <a:pos x="connsiteX36" y="connsiteY36"/>
+              </a:cxn>
+              <a:cxn ang="0">
+                <a:pos x="connsiteX37" y="connsiteY37"/>
+              </a:cxn>
+              <a:cxn ang="0">
+                <a:pos x="connsiteX38" y="connsiteY38"/>
+              </a:cxn>
+              <a:cxn ang="0">
+                <a:pos x="connsiteX39" y="connsiteY39"/>
+              </a:cxn>
+              <a:cxn ang="0">
+                <a:pos x="connsiteX40" y="connsiteY40"/>
+              </a:cxn>
+              <a:cxn ang="0">
+                <a:pos x="connsiteX41" y="connsiteY41"/>
+              </a:cxn>
+            </a:cxnLst>
+            <a:rect l="l" t="t" r="r" b="b"/>
+            <a:pathLst>
+              <a:path w="7450687" h="3406460">
+                <a:moveTo>
+                  <a:pt x="6457914" y="0"/>
+                </a:moveTo>
+                <a:cubicBezTo>
+                  <a:pt x="6560763" y="125085"/>
+                  <a:pt x="6713644" y="161221"/>
+                  <a:pt x="6844288" y="233492"/>
+                </a:cubicBezTo>
+                <a:cubicBezTo>
+                  <a:pt x="6972153" y="289086"/>
+                  <a:pt x="7336289" y="611527"/>
+                  <a:pt x="7386323" y="717155"/>
+                </a:cubicBezTo>
+                <a:cubicBezTo>
+                  <a:pt x="7475273" y="900613"/>
+                  <a:pt x="7453035" y="1573293"/>
+                  <a:pt x="7430798" y="1809564"/>
+                </a:cubicBezTo>
+                <a:cubicBezTo>
+                  <a:pt x="7347408" y="2398855"/>
+                  <a:pt x="7041645" y="3077093"/>
+                  <a:pt x="7013848" y="3104890"/>
+                </a:cubicBezTo>
+                <a:cubicBezTo>
+                  <a:pt x="6924899" y="3085432"/>
+                  <a:pt x="6721983" y="3391196"/>
+                  <a:pt x="6569101" y="3402314"/>
+                </a:cubicBezTo>
+                <a:cubicBezTo>
+                  <a:pt x="6407881" y="3413434"/>
+                  <a:pt x="4039604" y="3405095"/>
+                  <a:pt x="3683807" y="3341162"/>
+                </a:cubicBezTo>
+                <a:cubicBezTo>
+                  <a:pt x="1749158" y="2988144"/>
+                  <a:pt x="1704683" y="2860279"/>
+                  <a:pt x="1704683" y="2860279"/>
+                </a:cubicBezTo>
+                <a:cubicBezTo>
+                  <a:pt x="1704683" y="2860279"/>
+                  <a:pt x="1910378" y="2835262"/>
+                  <a:pt x="2010446" y="2801907"/>
+                </a:cubicBezTo>
+                <a:cubicBezTo>
+                  <a:pt x="1865904" y="2799126"/>
+                  <a:pt x="1296072" y="2693500"/>
+                  <a:pt x="1273834" y="2674041"/>
+                </a:cubicBezTo>
+                <a:cubicBezTo>
+                  <a:pt x="1284954" y="2668482"/>
+                  <a:pt x="1301632" y="2662923"/>
+                  <a:pt x="1315530" y="2657363"/>
+                </a:cubicBezTo>
+                <a:cubicBezTo>
+                  <a:pt x="1284954" y="2640686"/>
+                  <a:pt x="1259936" y="2621228"/>
+                  <a:pt x="1234919" y="2590651"/>
+                </a:cubicBezTo>
+                <a:cubicBezTo>
+                  <a:pt x="1154309" y="2487804"/>
+                  <a:pt x="1018105" y="2523940"/>
+                  <a:pt x="904138" y="2485024"/>
+                </a:cubicBezTo>
+                <a:cubicBezTo>
+                  <a:pt x="976410" y="2268210"/>
+                  <a:pt x="1168208" y="2348820"/>
+                  <a:pt x="1315530" y="2307126"/>
+                </a:cubicBezTo>
+                <a:cubicBezTo>
+                  <a:pt x="929156" y="2179260"/>
+                  <a:pt x="1004207" y="2112548"/>
+                  <a:pt x="851326" y="2065294"/>
+                </a:cubicBezTo>
+                <a:cubicBezTo>
+                  <a:pt x="659528" y="2006921"/>
+                  <a:pt x="615053" y="2006921"/>
+                  <a:pt x="615053" y="2006921"/>
+                </a:cubicBezTo>
+                <a:cubicBezTo>
+                  <a:pt x="840206" y="1829023"/>
+                  <a:pt x="1109834" y="2020820"/>
+                  <a:pt x="1393361" y="1703937"/>
+                </a:cubicBezTo>
+                <a:cubicBezTo>
+                  <a:pt x="1120952" y="1659463"/>
+                  <a:pt x="306510" y="1637225"/>
+                  <a:pt x="131391" y="1553835"/>
+                </a:cubicBezTo>
+                <a:cubicBezTo>
+                  <a:pt x="198103" y="1584411"/>
+                  <a:pt x="203663" y="1492682"/>
+                  <a:pt x="234239" y="1492682"/>
+                </a:cubicBezTo>
+                <a:cubicBezTo>
+                  <a:pt x="492748" y="1489903"/>
+                  <a:pt x="756816" y="1542717"/>
+                  <a:pt x="1018105" y="1509360"/>
+                </a:cubicBezTo>
+                <a:cubicBezTo>
+                  <a:pt x="1065359" y="1506581"/>
+                  <a:pt x="1140411" y="1531597"/>
+                  <a:pt x="1148750" y="1462106"/>
+                </a:cubicBezTo>
+                <a:cubicBezTo>
+                  <a:pt x="1157088" y="1375936"/>
+                  <a:pt x="1059800" y="1395394"/>
+                  <a:pt x="1018105" y="1387055"/>
+                </a:cubicBezTo>
+                <a:cubicBezTo>
+                  <a:pt x="848545" y="1359258"/>
+                  <a:pt x="681766" y="1348140"/>
+                  <a:pt x="509426" y="1331461"/>
+                </a:cubicBezTo>
+                <a:cubicBezTo>
+                  <a:pt x="437155" y="1323122"/>
+                  <a:pt x="348206" y="1339800"/>
+                  <a:pt x="376002" y="1206376"/>
+                </a:cubicBezTo>
+                <a:cubicBezTo>
+                  <a:pt x="353764" y="1078512"/>
+                  <a:pt x="220341" y="1122986"/>
+                  <a:pt x="150849" y="1061833"/>
+                </a:cubicBezTo>
+                <a:cubicBezTo>
+                  <a:pt x="184205" y="989562"/>
+                  <a:pt x="278714" y="1039597"/>
+                  <a:pt x="306510" y="942308"/>
+                </a:cubicBezTo>
+                <a:cubicBezTo>
+                  <a:pt x="173086" y="972884"/>
+                  <a:pt x="186985" y="761630"/>
+                  <a:pt x="53560" y="764409"/>
+                </a:cubicBezTo>
+                <a:cubicBezTo>
+                  <a:pt x="-57626" y="639324"/>
+                  <a:pt x="22984" y="578171"/>
+                  <a:pt x="125832" y="530917"/>
+                </a:cubicBezTo>
+                <a:cubicBezTo>
+                  <a:pt x="259256" y="472544"/>
+                  <a:pt x="406578" y="486442"/>
+                  <a:pt x="551121" y="475324"/>
+                </a:cubicBezTo>
+                <a:cubicBezTo>
+                  <a:pt x="742919" y="450306"/>
+                  <a:pt x="926376" y="391934"/>
+                  <a:pt x="1120952" y="394713"/>
+                </a:cubicBezTo>
+                <a:cubicBezTo>
+                  <a:pt x="1304411" y="336340"/>
+                  <a:pt x="1507326" y="400272"/>
+                  <a:pt x="1693564" y="325221"/>
+                </a:cubicBezTo>
+                <a:cubicBezTo>
+                  <a:pt x="1882582" y="325221"/>
+                  <a:pt x="2074379" y="325221"/>
+                  <a:pt x="2266175" y="325221"/>
+                </a:cubicBezTo>
+                <a:cubicBezTo>
+                  <a:pt x="2321770" y="328001"/>
+                  <a:pt x="2374582" y="328001"/>
+                  <a:pt x="2430177" y="330781"/>
+                </a:cubicBezTo>
+                <a:cubicBezTo>
+                  <a:pt x="2430177" y="330781"/>
+                  <a:pt x="2432956" y="330781"/>
+                  <a:pt x="2432956" y="330781"/>
+                </a:cubicBezTo>
+                <a:cubicBezTo>
+                  <a:pt x="2672008" y="339120"/>
+                  <a:pt x="2908279" y="344679"/>
+                  <a:pt x="3144551" y="355798"/>
+                </a:cubicBezTo>
+                <a:cubicBezTo>
+                  <a:pt x="3233500" y="355798"/>
+                  <a:pt x="3319670" y="358577"/>
+                  <a:pt x="3408619" y="358577"/>
+                </a:cubicBezTo>
+                <a:cubicBezTo>
+                  <a:pt x="3597637" y="372475"/>
+                  <a:pt x="3789434" y="380814"/>
+                  <a:pt x="3981231" y="361357"/>
+                </a:cubicBezTo>
+                <a:cubicBezTo>
+                  <a:pt x="4173028" y="378035"/>
+                  <a:pt x="4359266" y="366917"/>
+                  <a:pt x="4551063" y="350238"/>
+                </a:cubicBezTo>
+                <a:cubicBezTo>
+                  <a:pt x="4745639" y="369696"/>
+                  <a:pt x="4937437" y="341899"/>
+                  <a:pt x="5129233" y="316882"/>
+                </a:cubicBezTo>
+                <a:cubicBezTo>
+                  <a:pt x="5321031" y="328001"/>
+                  <a:pt x="5512828" y="328001"/>
+                  <a:pt x="5699065" y="272407"/>
+                </a:cubicBezTo>
+                <a:cubicBezTo>
+                  <a:pt x="5840829" y="333560"/>
+                  <a:pt x="5910321" y="133424"/>
+                  <a:pt x="6063202" y="172339"/>
+                </a:cubicBezTo>
+                <a:cubicBezTo>
+                  <a:pt x="6216084" y="214035"/>
+                  <a:pt x="6324491" y="55593"/>
+                  <a:pt x="6457914" y="0"/>
+                </a:cubicBezTo>
+                <a:close/>
+              </a:path>
+            </a:pathLst>
+          </a:custGeom>
+          <a:solidFill>
+            <a:schemeClr val="bg1">
+              <a:alpha val="89000"/>
+            </a:schemeClr>
+          </a:solidFill>
+          <a:ln>
+            <a:noFill/>
+          </a:ln>
+        </p:spPr>
+        <p:style>
+          <a:lnRef idx="2">
+            <a:schemeClr val="accent1">
+              <a:shade val="50000"/>
+            </a:schemeClr>
+          </a:lnRef>
+          <a:fillRef idx="1">
+            <a:schemeClr val="accent1"/>
+          </a:fillRef>
+          <a:effectRef idx="0">
+            <a:schemeClr val="accent1"/>
+          </a:effectRef>
+          <a:fontRef idx="minor">
+            <a:schemeClr val="lt1"/>
+          </a:fontRef>
+        </p:style>
+        <p:txBody>
+          <a:bodyPr wrap="square" rtlCol="0" anchor="ctr">
+            <a:noAutofit/>
+          </a:bodyPr>
+          <a:lstStyle/>
+          <a:p>
+            <a:pPr algn="ctr"/>
+            <a:endParaRPr lang="en-US" dirty="0"/>
+          </a:p>
+        </p:txBody>
+      </p:sp>
+      <p:sp>
+        <p:nvSpPr>
+          <p:cNvPr id="2" name="제목 1">
+            <a:extLst>
+              <a:ext uri="{FF2B5EF4-FFF2-40B4-BE49-F238E27FC236}">
+                <a16:creationId xmlns:a16="http://schemas.microsoft.com/office/drawing/2014/main" id="{EF4957BC-0967-4D2F-8A6C-7AFC1A9442BC}"/>
+              </a:ext>
+            </a:extLst>
+          </p:cNvPr>
+          <p:cNvSpPr>
+            <a:spLocks noGrp="1"/>
+          </p:cNvSpPr>
+          <p:nvPr>
+            <p:ph type="ctrTitle"/>
+          </p:nvPr>
+        </p:nvSpPr>
+        <p:spPr>
+          <a:xfrm>
+            <a:off x="6438986" y="3547277"/>
+            <a:ext cx="4452181" cy="1341624"/>
+          </a:xfrm>
+        </p:spPr>
+        <p:txBody>
+          <a:bodyPr anchor="b">
+            <a:normAutofit/>
+          </a:bodyPr>
+          <a:lstStyle/>
+          <a:p>
+            <a:r>
+              <a:rPr lang="en-US" altLang="ko-KR" sz="3700"/>
+              <a:t>TEAM 13</a:t>
+            </a:r>
+            <a:br>
+              <a:rPr lang="en-US" altLang="ko-KR" sz="3700"/>
+            </a:br>
+            <a:endParaRPr lang="ko-KR" altLang="en-US" sz="3700"/>
+          </a:p>
+        </p:txBody>
+      </p:sp>
+      <p:sp>
+        <p:nvSpPr>
+          <p:cNvPr id="3" name="부제목 2">
+            <a:extLst>
+              <a:ext uri="{FF2B5EF4-FFF2-40B4-BE49-F238E27FC236}">
+                <a16:creationId xmlns:a16="http://schemas.microsoft.com/office/drawing/2014/main" id="{AC3C277B-985B-4DF0-ACED-846F93DED411}"/>
+              </a:ext>
+            </a:extLst>
+          </p:cNvPr>
+          <p:cNvSpPr>
+            <a:spLocks noGrp="1"/>
+          </p:cNvSpPr>
+          <p:nvPr>
+            <p:ph type="subTitle" idx="1"/>
+          </p:nvPr>
+        </p:nvSpPr>
+        <p:spPr>
+          <a:xfrm>
+            <a:off x="6565110" y="4945656"/>
+            <a:ext cx="3957144" cy="646785"/>
+          </a:xfrm>
+        </p:spPr>
+        <p:txBody>
+          <a:bodyPr>
+            <a:normAutofit/>
+          </a:bodyPr>
+          <a:lstStyle/>
+          <a:p>
+            <a:pPr>
+              <a:lnSpc>
+                <a:spcPct val="100000"/>
+              </a:lnSpc>
+            </a:pPr>
+            <a:r>
+              <a:rPr lang="en-US" altLang="ko-KR" sz="1400"/>
+              <a:t>Road map of Sungkyunkwan University.</a:t>
+            </a:r>
+            <a:endParaRPr lang="ko-KR" altLang="en-US" sz="1400"/>
+          </a:p>
+        </p:txBody>
+      </p:sp>
+    </p:spTree>
+    <p:extLst>
+      <p:ext uri="{BB962C8B-B14F-4D97-AF65-F5344CB8AC3E}">
+        <p14:creationId xmlns:p14="http://schemas.microsoft.com/office/powerpoint/2010/main" val="1132131020"/>
+      </p:ext>
+    </p:extLst>
+  </p:cSld>
+  <p:clrMapOvr>
+    <a:masterClrMapping/>
+  </p:clrMapOvr>
+</p:sld>
+</file>
+
+<file path=ppt/slides/slide2.xml><?xml version="1.0" encoding="utf-8"?>
+<p:sld xmlns:a="http://schemas.openxmlformats.org/drawingml/2006/main" xmlns:r="http://schemas.openxmlformats.org/officeDocument/2006/relationships" xmlns:p="http://schemas.openxmlformats.org/presentationml/2006/main">
+  <p:cSld>
     <p:spTree>
       <p:nvGrpSpPr>
         <p:cNvPr id="1" name=""/>
@@ -14622,7 +14236,124 @@
 </p:sld>
 </file>
 
-<file path=ppt/slides/slide2.xml><?xml version="1.0" encoding="utf-8"?>
+<file path=ppt/slides/slide3.xml><?xml version="1.0" encoding="utf-8"?>
+<p:sld xmlns:a="http://schemas.openxmlformats.org/drawingml/2006/main" xmlns:r="http://schemas.openxmlformats.org/officeDocument/2006/relationships" xmlns:p="http://schemas.openxmlformats.org/presentationml/2006/main">
+  <p:cSld>
+    <p:spTree>
+      <p:nvGrpSpPr>
+        <p:cNvPr id="1" name=""/>
+        <p:cNvGrpSpPr/>
+        <p:nvPr/>
+      </p:nvGrpSpPr>
+      <p:grpSpPr>
+        <a:xfrm>
+          <a:off x="0" y="0"/>
+          <a:ext cx="0" cy="0"/>
+          <a:chOff x="0" y="0"/>
+          <a:chExt cx="0" cy="0"/>
+        </a:xfrm>
+      </p:grpSpPr>
+      <p:sp>
+        <p:nvSpPr>
+          <p:cNvPr id="4" name="제목 3">
+            <a:extLst>
+              <a:ext uri="{FF2B5EF4-FFF2-40B4-BE49-F238E27FC236}">
+                <a16:creationId xmlns:a16="http://schemas.microsoft.com/office/drawing/2014/main" id="{4129517D-AE40-4C3E-9741-E914C9D25EAA}"/>
+              </a:ext>
+            </a:extLst>
+          </p:cNvPr>
+          <p:cNvSpPr>
+            <a:spLocks noGrp="1"/>
+          </p:cNvSpPr>
+          <p:nvPr>
+            <p:ph type="title"/>
+          </p:nvPr>
+        </p:nvSpPr>
+        <p:spPr>
+          <a:xfrm>
+            <a:off x="2843784" y="1572768"/>
+            <a:ext cx="6501384" cy="1856232"/>
+          </a:xfrm>
+        </p:spPr>
+        <p:txBody>
+          <a:bodyPr>
+            <a:normAutofit/>
+          </a:bodyPr>
+          <a:lstStyle/>
+          <a:p>
+            <a:r>
+              <a:rPr lang="en-US" altLang="ko-KR" sz="3200" dirty="0"/>
+              <a:t>PART 1</a:t>
+            </a:r>
+            <a:endParaRPr lang="ko-KR" altLang="en-US" sz="3200" dirty="0"/>
+          </a:p>
+        </p:txBody>
+      </p:sp>
+      <p:sp>
+        <p:nvSpPr>
+          <p:cNvPr id="5" name="직사각형 4">
+            <a:extLst>
+              <a:ext uri="{FF2B5EF4-FFF2-40B4-BE49-F238E27FC236}">
+                <a16:creationId xmlns:a16="http://schemas.microsoft.com/office/drawing/2014/main" id="{64A96073-8309-46CB-B9C8-A3195F5885BA}"/>
+              </a:ext>
+            </a:extLst>
+          </p:cNvPr>
+          <p:cNvSpPr/>
+          <p:nvPr/>
+        </p:nvSpPr>
+        <p:spPr>
+          <a:xfrm>
+            <a:off x="4591743" y="2967335"/>
+            <a:ext cx="3008516" cy="923330"/>
+          </a:xfrm>
+          <a:prstGeom prst="rect">
+            <a:avLst/>
+          </a:prstGeom>
+          <a:noFill/>
+        </p:spPr>
+        <p:txBody>
+          <a:bodyPr wrap="none" lIns="91440" tIns="45720" rIns="91440" bIns="45720">
+            <a:spAutoFit/>
+          </a:bodyPr>
+          <a:lstStyle/>
+          <a:p>
+            <a:pPr algn="ctr"/>
+            <a:r>
+              <a:rPr lang="en-US" altLang="ko-KR" sz="5400" b="1" cap="none" spc="0" dirty="0">
+                <a:ln w="6600">
+                  <a:solidFill>
+                    <a:schemeClr val="accent2"/>
+                  </a:solidFill>
+                  <a:prstDash val="solid"/>
+                </a:ln>
+                <a:solidFill>
+                  <a:srgbClr val="FFFFFF"/>
+                </a:solidFill>
+                <a:effectLst>
+                  <a:outerShdw dist="38100" dir="2700000" algn="tl" rotWithShape="0">
+                    <a:schemeClr val="accent2"/>
+                  </a:outerShdw>
+                </a:effectLst>
+              </a:rPr>
+              <a:t>Overview</a:t>
+            </a:r>
+          </a:p>
+        </p:txBody>
+      </p:sp>
+    </p:spTree>
+    <p:extLst>
+      <p:ext uri="{BB962C8B-B14F-4D97-AF65-F5344CB8AC3E}">
+        <p14:creationId xmlns:p14="http://schemas.microsoft.com/office/powerpoint/2010/main" val="2456766747"/>
+      </p:ext>
+    </p:extLst>
+  </p:cSld>
+  <p:clrMapOvr>
+    <a:masterClrMapping/>
+  </p:clrMapOvr>
+</p:sld>
+</file>
+
+<file path=ppt/slides/slide4.xml><?xml version="1.0" encoding="utf-8"?>
 <p:sld xmlns:a="http://schemas.openxmlformats.org/drawingml/2006/main" xmlns:r="http://schemas.openxmlformats.org/officeDocument/2006/relationships" xmlns:p="http://schemas.openxmlformats.org/presentationml/2006/main">
   <p:cSld>
     <p:spTree>
@@ -14720,7 +14451,7 @@
 </p:sld>
 </file>
 
-<file path=ppt/slides/slide3.xml><?xml version="1.0" encoding="utf-8"?>
+<file path=ppt/slides/slide5.xml><?xml version="1.0" encoding="utf-8"?>
 <p:sld xmlns:a="http://schemas.openxmlformats.org/drawingml/2006/main" xmlns:r="http://schemas.openxmlformats.org/officeDocument/2006/relationships" xmlns:p="http://schemas.openxmlformats.org/presentationml/2006/main">
   <p:cSld>
     <p:spTree>
@@ -15515,259 +15246,6 @@
 </p:sld>
 </file>
 
-<file path=ppt/slides/slide4.xml><?xml version="1.0" encoding="utf-8"?>
-<p:sld xmlns:a="http://schemas.openxmlformats.org/drawingml/2006/main" xmlns:r="http://schemas.openxmlformats.org/officeDocument/2006/relationships" xmlns:p="http://schemas.openxmlformats.org/presentationml/2006/main">
-  <p:cSld>
-    <p:spTree>
-      <p:nvGrpSpPr>
-        <p:cNvPr id="1" name=""/>
-        <p:cNvGrpSpPr/>
-        <p:nvPr/>
-      </p:nvGrpSpPr>
-      <p:grpSpPr>
-        <a:xfrm>
-          <a:off x="0" y="0"/>
-          <a:ext cx="0" cy="0"/>
-          <a:chOff x="0" y="0"/>
-          <a:chExt cx="0" cy="0"/>
-        </a:xfrm>
-      </p:grpSpPr>
-      <p:sp>
-        <p:nvSpPr>
-          <p:cNvPr id="3" name="제목 2">
-            <a:extLst>
-              <a:ext uri="{FF2B5EF4-FFF2-40B4-BE49-F238E27FC236}">
-                <a16:creationId xmlns:a16="http://schemas.microsoft.com/office/drawing/2014/main" id="{21C19F7A-5B61-4C67-88A2-F3BD1D46C1A5}"/>
-              </a:ext>
-            </a:extLst>
-          </p:cNvPr>
-          <p:cNvSpPr>
-            <a:spLocks noGrp="1"/>
-          </p:cNvSpPr>
-          <p:nvPr>
-            <p:ph type="title"/>
-          </p:nvPr>
-        </p:nvSpPr>
-        <p:spPr>
-          <a:xfrm>
-            <a:off x="838200" y="365125"/>
-            <a:ext cx="10515600" cy="1325563"/>
-          </a:xfrm>
-        </p:spPr>
-        <p:txBody>
-          <a:bodyPr/>
-          <a:lstStyle/>
-          <a:p>
-            <a:r>
-              <a:rPr lang="en-US" altLang="ko-KR" dirty="0"/>
-              <a:t>Goals &amp; Methods</a:t>
-            </a:r>
-            <a:endParaRPr lang="ko-KR" altLang="en-US" dirty="0"/>
-          </a:p>
-        </p:txBody>
-      </p:sp>
-      <p:pic>
-        <p:nvPicPr>
-          <p:cNvPr id="4" name="그림 3">
-            <a:extLst>
-              <a:ext uri="{FF2B5EF4-FFF2-40B4-BE49-F238E27FC236}">
-                <a16:creationId xmlns:a16="http://schemas.microsoft.com/office/drawing/2014/main" id="{3E47821E-FF79-442D-9E36-4F6F99850535}"/>
-              </a:ext>
-            </a:extLst>
-          </p:cNvPr>
-          <p:cNvPicPr>
-            <a:picLocks noChangeAspect="1"/>
-          </p:cNvPicPr>
-          <p:nvPr/>
-        </p:nvPicPr>
-        <p:blipFill>
-          <a:blip r:embed="rId2">
-            <a:extLst>
-              <a:ext uri="{28A0092B-C50C-407E-A947-70E740481C1C}">
-                <a14:useLocalDpi xmlns:a14="http://schemas.microsoft.com/office/drawing/2010/main" val="0"/>
-              </a:ext>
-            </a:extLst>
-          </a:blip>
-          <a:stretch>
-            <a:fillRect/>
-          </a:stretch>
-        </p:blipFill>
-        <p:spPr>
-          <a:xfrm>
-            <a:off x="-323796" y="1533490"/>
-            <a:ext cx="4745182" cy="4745182"/>
-          </a:xfrm>
-          <a:prstGeom prst="rect">
-            <a:avLst/>
-          </a:prstGeom>
-        </p:spPr>
-      </p:pic>
-      <p:pic>
-        <p:nvPicPr>
-          <p:cNvPr id="22" name="그림 21">
-            <a:extLst>
-              <a:ext uri="{FF2B5EF4-FFF2-40B4-BE49-F238E27FC236}">
-                <a16:creationId xmlns:a16="http://schemas.microsoft.com/office/drawing/2014/main" id="{C5FE6A4C-D4E9-4797-9EAD-1CCD378508C4}"/>
-              </a:ext>
-            </a:extLst>
-          </p:cNvPr>
-          <p:cNvPicPr>
-            <a:picLocks noChangeAspect="1"/>
-          </p:cNvPicPr>
-          <p:nvPr/>
-        </p:nvPicPr>
-        <p:blipFill>
-          <a:blip r:embed="rId2">
-            <a:extLst>
-              <a:ext uri="{28A0092B-C50C-407E-A947-70E740481C1C}">
-                <a14:useLocalDpi xmlns:a14="http://schemas.microsoft.com/office/drawing/2010/main" val="0"/>
-              </a:ext>
-            </a:extLst>
-          </a:blip>
-          <a:stretch>
-            <a:fillRect/>
-          </a:stretch>
-        </p:blipFill>
-        <p:spPr>
-          <a:xfrm>
-            <a:off x="7608383" y="1533490"/>
-            <a:ext cx="4745182" cy="4745182"/>
-          </a:xfrm>
-          <a:prstGeom prst="rect">
-            <a:avLst/>
-          </a:prstGeom>
-        </p:spPr>
-      </p:pic>
-    </p:spTree>
-    <p:extLst>
-      <p:ext uri="{BB962C8B-B14F-4D97-AF65-F5344CB8AC3E}">
-        <p14:creationId xmlns:p14="http://schemas.microsoft.com/office/powerpoint/2010/main" val="2068205309"/>
-      </p:ext>
-    </p:extLst>
-  </p:cSld>
-  <p:clrMapOvr>
-    <a:masterClrMapping/>
-  </p:clrMapOvr>
-</p:sld>
-</file>
-
-<file path=ppt/slides/slide5.xml><?xml version="1.0" encoding="utf-8"?>
-<p:sld xmlns:a="http://schemas.openxmlformats.org/drawingml/2006/main" xmlns:r="http://schemas.openxmlformats.org/officeDocument/2006/relationships" xmlns:p="http://schemas.openxmlformats.org/presentationml/2006/main">
-  <p:cSld>
-    <p:spTree>
-      <p:nvGrpSpPr>
-        <p:cNvPr id="1" name=""/>
-        <p:cNvGrpSpPr/>
-        <p:nvPr/>
-      </p:nvGrpSpPr>
-      <p:grpSpPr>
-        <a:xfrm>
-          <a:off x="0" y="0"/>
-          <a:ext cx="0" cy="0"/>
-          <a:chOff x="0" y="0"/>
-          <a:chExt cx="0" cy="0"/>
-        </a:xfrm>
-      </p:grpSpPr>
-      <p:sp>
-        <p:nvSpPr>
-          <p:cNvPr id="3" name="제목 2">
-            <a:extLst>
-              <a:ext uri="{FF2B5EF4-FFF2-40B4-BE49-F238E27FC236}">
-                <a16:creationId xmlns:a16="http://schemas.microsoft.com/office/drawing/2014/main" id="{21C19F7A-5B61-4C67-88A2-F3BD1D46C1A5}"/>
-              </a:ext>
-            </a:extLst>
-          </p:cNvPr>
-          <p:cNvSpPr>
-            <a:spLocks noGrp="1"/>
-          </p:cNvSpPr>
-          <p:nvPr>
-            <p:ph type="title"/>
-          </p:nvPr>
-        </p:nvSpPr>
-        <p:spPr>
-          <a:xfrm>
-            <a:off x="838200" y="365125"/>
-            <a:ext cx="10515600" cy="1325563"/>
-          </a:xfrm>
-        </p:spPr>
-        <p:txBody>
-          <a:bodyPr/>
-          <a:lstStyle/>
-          <a:p>
-            <a:r>
-              <a:rPr lang="en-US" altLang="ko-KR" dirty="0"/>
-              <a:t>Goals</a:t>
-            </a:r>
-            <a:endParaRPr lang="ko-KR" altLang="en-US" dirty="0"/>
-          </a:p>
-        </p:txBody>
-      </p:sp>
-      <p:sp>
-        <p:nvSpPr>
-          <p:cNvPr id="2" name="TextBox 1">
-            <a:extLst>
-              <a:ext uri="{FF2B5EF4-FFF2-40B4-BE49-F238E27FC236}">
-                <a16:creationId xmlns:a16="http://schemas.microsoft.com/office/drawing/2014/main" id="{0B3D1D03-DB2B-4FB5-8B81-8F2AE42B0897}"/>
-              </a:ext>
-            </a:extLst>
-          </p:cNvPr>
-          <p:cNvSpPr txBox="1"/>
-          <p:nvPr/>
-        </p:nvSpPr>
-        <p:spPr>
-          <a:xfrm>
-            <a:off x="370609" y="3059668"/>
-            <a:ext cx="11450782" cy="461665"/>
-          </a:xfrm>
-          <a:prstGeom prst="rect">
-            <a:avLst/>
-          </a:prstGeom>
-          <a:noFill/>
-        </p:spPr>
-        <p:txBody>
-          <a:bodyPr wrap="square" rtlCol="0">
-            <a:spAutoFit/>
-          </a:bodyPr>
-          <a:lstStyle/>
-          <a:p>
-            <a:pPr algn="ctr"/>
-            <a:r>
-              <a:rPr lang="en-US" altLang="ko-KR" sz="2400" b="1" dirty="0"/>
-              <a:t>Get</a:t>
-            </a:r>
-            <a:r>
-              <a:rPr lang="ko-KR" altLang="en-US" sz="2400" b="1" dirty="0"/>
-              <a:t> </a:t>
-            </a:r>
-            <a:r>
-              <a:rPr lang="en-US" altLang="ko-KR" sz="2400" b="1" dirty="0"/>
-              <a:t>to</a:t>
-            </a:r>
-            <a:r>
-              <a:rPr lang="ko-KR" altLang="en-US" sz="2400" b="1" dirty="0"/>
-              <a:t> </a:t>
-            </a:r>
-            <a:r>
-              <a:rPr lang="en-US" altLang="ko-KR" sz="2400" b="1" dirty="0"/>
-              <a:t>know inside the school Right Now without any step</a:t>
-            </a:r>
-            <a:endParaRPr lang="ko-KR" altLang="en-US" sz="2400" b="1" dirty="0"/>
-          </a:p>
-        </p:txBody>
-      </p:sp>
-    </p:spTree>
-    <p:extLst>
-      <p:ext uri="{BB962C8B-B14F-4D97-AF65-F5344CB8AC3E}">
-        <p14:creationId xmlns:p14="http://schemas.microsoft.com/office/powerpoint/2010/main" val="1478105499"/>
-      </p:ext>
-    </p:extLst>
-  </p:cSld>
-  <p:clrMapOvr>
-    <a:masterClrMapping/>
-  </p:clrMapOvr>
-</p:sld>
-</file>
-
 <file path=ppt/slides/slide6.xml><?xml version="1.0" encoding="utf-8"?>
 <p:sld xmlns:a="http://schemas.openxmlformats.org/drawingml/2006/main" xmlns:r="http://schemas.openxmlformats.org/officeDocument/2006/relationships" xmlns:p="http://schemas.openxmlformats.org/presentationml/2006/main">
   <p:cSld>
@@ -15801,19 +15279,14 @@
             <p:ph type="title"/>
           </p:nvPr>
         </p:nvSpPr>
-        <p:spPr>
-          <a:xfrm>
-            <a:off x="838200" y="365125"/>
-            <a:ext cx="10515600" cy="1325563"/>
-          </a:xfrm>
-        </p:spPr>
+        <p:spPr/>
         <p:txBody>
           <a:bodyPr/>
           <a:lstStyle/>
           <a:p>
             <a:r>
               <a:rPr lang="en-US" altLang="ko-KR" dirty="0"/>
-              <a:t>Goals</a:t>
+              <a:t>Team &amp; Strategy</a:t>
             </a:r>
             <a:endParaRPr lang="ko-KR" altLang="en-US" dirty="0"/>
           </a:p>
@@ -15821,195 +15294,158 @@
       </p:sp>
       <p:sp>
         <p:nvSpPr>
-          <p:cNvPr id="2" name="TextBox 1">
+          <p:cNvPr id="9" name="말풍선: 모서리가 둥근 사각형 8">
             <a:extLst>
               <a:ext uri="{FF2B5EF4-FFF2-40B4-BE49-F238E27FC236}">
-                <a16:creationId xmlns:a16="http://schemas.microsoft.com/office/drawing/2014/main" id="{0B3D1D03-DB2B-4FB5-8B81-8F2AE42B0897}"/>
+                <a16:creationId xmlns:a16="http://schemas.microsoft.com/office/drawing/2014/main" id="{7543FBBF-0464-4080-AE85-AC4BEB8ECF26}"/>
               </a:ext>
             </a:extLst>
           </p:cNvPr>
-          <p:cNvSpPr txBox="1"/>
+          <p:cNvSpPr/>
           <p:nvPr/>
         </p:nvSpPr>
         <p:spPr>
           <a:xfrm>
-            <a:off x="370609" y="1690688"/>
-            <a:ext cx="11450782" cy="461665"/>
+            <a:off x="1554479" y="4098175"/>
+            <a:ext cx="2576946" cy="1629294"/>
           </a:xfrm>
-          <a:prstGeom prst="rect">
-            <a:avLst/>
+          <a:prstGeom prst="wedgeRoundRectCallout">
+            <a:avLst>
+              <a:gd name="adj1" fmla="val 77877"/>
+              <a:gd name="adj2" fmla="val 7908"/>
+              <a:gd name="adj3" fmla="val 16667"/>
+            </a:avLst>
           </a:prstGeom>
-          <a:noFill/>
         </p:spPr>
+        <p:style>
+          <a:lnRef idx="2">
+            <a:schemeClr val="accent1">
+              <a:shade val="50000"/>
+            </a:schemeClr>
+          </a:lnRef>
+          <a:fillRef idx="1">
+            <a:schemeClr val="accent1"/>
+          </a:fillRef>
+          <a:effectRef idx="0">
+            <a:schemeClr val="accent1"/>
+          </a:effectRef>
+          <a:fontRef idx="minor">
+            <a:schemeClr val="lt1"/>
+          </a:fontRef>
+        </p:style>
         <p:txBody>
-          <a:bodyPr wrap="square" rtlCol="0">
-            <a:spAutoFit/>
-          </a:bodyPr>
+          <a:bodyPr rtlCol="0" anchor="ctr"/>
           <a:lstStyle/>
           <a:p>
             <a:pPr algn="ctr"/>
-            <a:r>
-              <a:rPr lang="ko-KR" altLang="en-US" sz="2400" b="1" dirty="0"/>
-              <a:t>세부 목표</a:t>
-            </a:r>
+            <a:endParaRPr lang="ko-KR" altLang="en-US"/>
           </a:p>
         </p:txBody>
       </p:sp>
       <p:sp>
         <p:nvSpPr>
-          <p:cNvPr id="4" name="TextBox 3">
+          <p:cNvPr id="10" name="말풍선: 모서리가 둥근 사각형 9">
             <a:extLst>
               <a:ext uri="{FF2B5EF4-FFF2-40B4-BE49-F238E27FC236}">
-                <a16:creationId xmlns:a16="http://schemas.microsoft.com/office/drawing/2014/main" id="{E924B038-C650-4148-B316-B3876CA63E46}"/>
+                <a16:creationId xmlns:a16="http://schemas.microsoft.com/office/drawing/2014/main" id="{92568A54-F777-40DF-9F1C-041D9BE7C9CA}"/>
               </a:ext>
             </a:extLst>
           </p:cNvPr>
-          <p:cNvSpPr txBox="1"/>
+          <p:cNvSpPr/>
           <p:nvPr/>
         </p:nvSpPr>
         <p:spPr>
           <a:xfrm>
-            <a:off x="1163782" y="2452255"/>
-            <a:ext cx="11450782" cy="1754326"/>
+            <a:off x="8060577" y="4098175"/>
+            <a:ext cx="2576946" cy="1629294"/>
           </a:xfrm>
-          <a:prstGeom prst="rect">
-            <a:avLst/>
+          <a:prstGeom prst="wedgeRoundRectCallout">
+            <a:avLst>
+              <a:gd name="adj1" fmla="val -87930"/>
+              <a:gd name="adj2" fmla="val 5356"/>
+              <a:gd name="adj3" fmla="val 16667"/>
+            </a:avLst>
           </a:prstGeom>
-          <a:noFill/>
         </p:spPr>
+        <p:style>
+          <a:lnRef idx="2">
+            <a:schemeClr val="accent1">
+              <a:shade val="50000"/>
+            </a:schemeClr>
+          </a:lnRef>
+          <a:fillRef idx="1">
+            <a:schemeClr val="accent1"/>
+          </a:fillRef>
+          <a:effectRef idx="0">
+            <a:schemeClr val="accent1"/>
+          </a:effectRef>
+          <a:fontRef idx="minor">
+            <a:schemeClr val="lt1"/>
+          </a:fontRef>
+        </p:style>
         <p:txBody>
-          <a:bodyPr wrap="square" rtlCol="0">
-            <a:spAutoFit/>
-          </a:bodyPr>
+          <a:bodyPr rtlCol="0" anchor="ctr"/>
           <a:lstStyle/>
           <a:p>
-            <a:pPr marL="342900" indent="-342900">
-              <a:buAutoNum type="arabicPeriod"/>
-            </a:pPr>
-            <a:r>
-              <a:rPr lang="ko-KR" altLang="en-US" dirty="0"/>
-              <a:t>각 건물 내부의 지도 데이터 생성</a:t>
-            </a:r>
-            <a:endParaRPr lang="en-US" altLang="ko-KR" dirty="0"/>
+            <a:pPr algn="ctr"/>
+            <a:endParaRPr lang="ko-KR" altLang="en-US"/>
           </a:p>
+        </p:txBody>
+      </p:sp>
+      <p:sp>
+        <p:nvSpPr>
+          <p:cNvPr id="11" name="말풍선: 모서리가 둥근 사각형 10">
+            <a:extLst>
+              <a:ext uri="{FF2B5EF4-FFF2-40B4-BE49-F238E27FC236}">
+                <a16:creationId xmlns:a16="http://schemas.microsoft.com/office/drawing/2014/main" id="{FC75D5F1-8AFA-4EDB-AFEE-F5CEE77BDE60}"/>
+              </a:ext>
+            </a:extLst>
+          </p:cNvPr>
+          <p:cNvSpPr/>
+          <p:nvPr/>
+        </p:nvSpPr>
+        <p:spPr>
+          <a:xfrm>
+            <a:off x="4807527" y="1799706"/>
+            <a:ext cx="2576946" cy="1629294"/>
+          </a:xfrm>
+          <a:prstGeom prst="wedgeRoundRectCallout">
+            <a:avLst>
+              <a:gd name="adj1" fmla="val -12446"/>
+              <a:gd name="adj2" fmla="val 80867"/>
+              <a:gd name="adj3" fmla="val 16667"/>
+            </a:avLst>
+          </a:prstGeom>
+        </p:spPr>
+        <p:style>
+          <a:lnRef idx="2">
+            <a:schemeClr val="accent1">
+              <a:shade val="50000"/>
+            </a:schemeClr>
+          </a:lnRef>
+          <a:fillRef idx="1">
+            <a:schemeClr val="accent1"/>
+          </a:fillRef>
+          <a:effectRef idx="0">
+            <a:schemeClr val="accent1"/>
+          </a:effectRef>
+          <a:fontRef idx="minor">
+            <a:schemeClr val="lt1"/>
+          </a:fontRef>
+        </p:style>
+        <p:txBody>
+          <a:bodyPr rtlCol="0" anchor="ctr"/>
+          <a:lstStyle/>
           <a:p>
-            <a:pPr marL="342900" indent="-342900">
-              <a:buAutoNum type="arabicPeriod"/>
-            </a:pPr>
-            <a:r>
-              <a:rPr lang="ko-KR" altLang="en-US" dirty="0"/>
-              <a:t>각 건물 내부의 강의실까지의 이동 수단에 맞는 데이터 수집 </a:t>
-            </a:r>
-            <a:r>
-              <a:rPr lang="en-US" altLang="ko-KR" dirty="0"/>
-              <a:t>(</a:t>
-            </a:r>
-            <a:r>
-              <a:rPr lang="ko-KR" altLang="en-US" dirty="0"/>
-              <a:t>걷기</a:t>
-            </a:r>
-            <a:r>
-              <a:rPr lang="en-US" altLang="ko-KR" dirty="0"/>
-              <a:t>, </a:t>
-            </a:r>
-            <a:r>
-              <a:rPr lang="ko-KR" altLang="en-US" dirty="0"/>
-              <a:t>자전거</a:t>
-            </a:r>
-            <a:r>
-              <a:rPr lang="en-US" altLang="ko-KR" dirty="0"/>
-              <a:t>, </a:t>
-            </a:r>
-            <a:r>
-              <a:rPr lang="ko-KR" altLang="en-US" dirty="0" err="1"/>
-              <a:t>킥보드</a:t>
-            </a:r>
-            <a:r>
-              <a:rPr lang="en-US" altLang="ko-KR" dirty="0"/>
-              <a:t>)</a:t>
-            </a:r>
-          </a:p>
-          <a:p>
-            <a:pPr marL="342900" indent="-342900">
-              <a:buAutoNum type="arabicPeriod"/>
-            </a:pPr>
-            <a:r>
-              <a:rPr lang="ko-KR" altLang="en-US" dirty="0"/>
-              <a:t>건물 내부에서도 </a:t>
-            </a:r>
-            <a:r>
-              <a:rPr lang="en-US" altLang="ko-KR" dirty="0"/>
-              <a:t>GPS</a:t>
-            </a:r>
-            <a:r>
-              <a:rPr lang="ko-KR" altLang="en-US" dirty="0"/>
-              <a:t>와 </a:t>
-            </a:r>
-            <a:r>
-              <a:rPr lang="en-US" altLang="ko-KR" dirty="0" err="1"/>
-              <a:t>Wifi</a:t>
-            </a:r>
-            <a:r>
-              <a:rPr lang="ko-KR" altLang="en-US" dirty="0" err="1"/>
-              <a:t>를</a:t>
-            </a:r>
-            <a:r>
-              <a:rPr lang="ko-KR" altLang="en-US" dirty="0"/>
-              <a:t> 이용하여 사용자의 정확한 위치정보 수집 기능 개발</a:t>
-            </a:r>
-            <a:endParaRPr lang="en-US" altLang="ko-KR" dirty="0"/>
-          </a:p>
-          <a:p>
-            <a:pPr marL="342900" indent="-342900">
-              <a:buAutoNum type="arabicPeriod"/>
-            </a:pPr>
-            <a:r>
-              <a:rPr lang="ko-KR" altLang="en-US" dirty="0"/>
-              <a:t>건물 입구까지의 최단거리가 아닌</a:t>
-            </a:r>
-            <a:r>
-              <a:rPr lang="en-US" altLang="ko-KR" dirty="0"/>
-              <a:t>, </a:t>
-            </a:r>
-            <a:r>
-              <a:rPr lang="ko-KR" altLang="en-US" dirty="0"/>
-              <a:t>강의실 앞까지의 최단 거리 생성</a:t>
-            </a:r>
-            <a:endParaRPr lang="en-US" altLang="ko-KR" dirty="0"/>
-          </a:p>
-          <a:p>
-            <a:pPr marL="342900" indent="-342900">
-              <a:buAutoNum type="arabicPeriod"/>
-            </a:pPr>
-            <a:r>
-              <a:rPr lang="ko-KR" altLang="en-US" dirty="0"/>
-              <a:t>계단</a:t>
-            </a:r>
-            <a:r>
-              <a:rPr lang="en-US" altLang="ko-KR" dirty="0"/>
-              <a:t>, </a:t>
-            </a:r>
-            <a:r>
-              <a:rPr lang="ko-KR" altLang="en-US" dirty="0"/>
-              <a:t>엘리베이터를 포함한 이동 경로 쉽게 표현</a:t>
-            </a:r>
-            <a:endParaRPr lang="en-US" altLang="ko-KR" dirty="0"/>
-          </a:p>
-          <a:p>
-            <a:pPr marL="342900" indent="-342900">
-              <a:buAutoNum type="arabicPeriod"/>
-            </a:pPr>
-            <a:r>
-              <a:rPr lang="ko-KR" altLang="en-US" dirty="0"/>
-              <a:t>건물 내부에서의 로드맵 기능 개발</a:t>
-            </a:r>
+            <a:pPr algn="ctr"/>
+            <a:endParaRPr lang="ko-KR" altLang="en-US"/>
           </a:p>
         </p:txBody>
       </p:sp>
     </p:spTree>
     <p:extLst>
       <p:ext uri="{BB962C8B-B14F-4D97-AF65-F5344CB8AC3E}">
-        <p14:creationId xmlns:p14="http://schemas.microsoft.com/office/powerpoint/2010/main" val="3859425549"/>
+        <p14:creationId xmlns:p14="http://schemas.microsoft.com/office/powerpoint/2010/main" val="1320894441"/>
       </p:ext>
     </p:extLst>
   </p:cSld>
@@ -16052,243 +15488,759 @@
             <p:ph type="title"/>
           </p:nvPr>
         </p:nvSpPr>
-        <p:spPr>
-          <a:xfrm>
-            <a:off x="838200" y="365125"/>
-            <a:ext cx="10515600" cy="1325563"/>
-          </a:xfrm>
-        </p:spPr>
+        <p:spPr/>
         <p:txBody>
           <a:bodyPr/>
           <a:lstStyle/>
           <a:p>
             <a:r>
               <a:rPr lang="en-US" altLang="ko-KR" dirty="0"/>
-              <a:t>Methods </a:t>
-            </a:r>
-            <a:r>
-              <a:rPr lang="ko-KR" altLang="en-US" dirty="0" err="1"/>
-              <a:t>프론트엔드</a:t>
-            </a:r>
-            <a:r>
-              <a:rPr lang="ko-KR" altLang="en-US" dirty="0"/>
-              <a:t> </a:t>
-            </a:r>
-            <a:r>
-              <a:rPr lang="ko-KR" altLang="en-US" dirty="0" err="1"/>
-              <a:t>백엔드</a:t>
-            </a:r>
-            <a:r>
-              <a:rPr lang="ko-KR" altLang="en-US" dirty="0"/>
-              <a:t> 구조</a:t>
-            </a:r>
-          </a:p>
-        </p:txBody>
-      </p:sp>
-      <p:sp>
-        <p:nvSpPr>
-          <p:cNvPr id="2" name="TextBox 1">
-            <a:extLst>
-              <a:ext uri="{FF2B5EF4-FFF2-40B4-BE49-F238E27FC236}">
-                <a16:creationId xmlns:a16="http://schemas.microsoft.com/office/drawing/2014/main" id="{0B3D1D03-DB2B-4FB5-8B81-8F2AE42B0897}"/>
-              </a:ext>
-            </a:extLst>
-          </p:cNvPr>
-          <p:cNvSpPr txBox="1"/>
-          <p:nvPr/>
-        </p:nvSpPr>
-        <p:spPr>
-          <a:xfrm>
-            <a:off x="370609" y="3059668"/>
-            <a:ext cx="11450782" cy="461665"/>
-          </a:xfrm>
-          <a:prstGeom prst="rect">
-            <a:avLst/>
-          </a:prstGeom>
-          <a:noFill/>
-        </p:spPr>
-        <p:txBody>
-          <a:bodyPr wrap="square" rtlCol="0">
-            <a:spAutoFit/>
-          </a:bodyPr>
-          <a:lstStyle/>
-          <a:p>
-            <a:pPr algn="ctr"/>
-            <a:r>
-              <a:rPr lang="en-US" altLang="ko-KR" sz="2400" b="1" dirty="0"/>
-              <a:t>Get</a:t>
-            </a:r>
-            <a:r>
-              <a:rPr lang="ko-KR" altLang="en-US" sz="2400" b="1" dirty="0"/>
-              <a:t> </a:t>
-            </a:r>
-            <a:r>
-              <a:rPr lang="en-US" altLang="ko-KR" sz="2400" b="1" dirty="0"/>
-              <a:t>to</a:t>
-            </a:r>
-            <a:r>
-              <a:rPr lang="ko-KR" altLang="en-US" sz="2400" b="1" dirty="0"/>
-              <a:t> </a:t>
-            </a:r>
-            <a:r>
-              <a:rPr lang="en-US" altLang="ko-KR" sz="2400" b="1" dirty="0"/>
-              <a:t>know inside the school Right Now without any step</a:t>
-            </a:r>
-            <a:endParaRPr lang="ko-KR" altLang="en-US" sz="2400" b="1" dirty="0"/>
-          </a:p>
-        </p:txBody>
-      </p:sp>
-    </p:spTree>
-    <p:extLst>
-      <p:ext uri="{BB962C8B-B14F-4D97-AF65-F5344CB8AC3E}">
-        <p14:creationId xmlns:p14="http://schemas.microsoft.com/office/powerpoint/2010/main" val="1223850312"/>
-      </p:ext>
-    </p:extLst>
-  </p:cSld>
-  <p:clrMapOvr>
-    <a:masterClrMapping/>
-  </p:clrMapOvr>
-</p:sld>
-</file>
-
-<file path=ppt/slides/slide8.xml><?xml version="1.0" encoding="utf-8"?>
-<p:sld xmlns:a="http://schemas.openxmlformats.org/drawingml/2006/main" xmlns:r="http://schemas.openxmlformats.org/officeDocument/2006/relationships" xmlns:p="http://schemas.openxmlformats.org/presentationml/2006/main">
-  <p:cSld>
-    <p:spTree>
-      <p:nvGrpSpPr>
-        <p:cNvPr id="1" name=""/>
-        <p:cNvGrpSpPr/>
-        <p:nvPr/>
-      </p:nvGrpSpPr>
-      <p:grpSpPr>
-        <a:xfrm>
-          <a:off x="0" y="0"/>
-          <a:ext cx="0" cy="0"/>
-          <a:chOff x="0" y="0"/>
-          <a:chExt cx="0" cy="0"/>
-        </a:xfrm>
-      </p:grpSpPr>
-      <p:sp>
-        <p:nvSpPr>
-          <p:cNvPr id="3" name="제목 2">
-            <a:extLst>
-              <a:ext uri="{FF2B5EF4-FFF2-40B4-BE49-F238E27FC236}">
-                <a16:creationId xmlns:a16="http://schemas.microsoft.com/office/drawing/2014/main" id="{21C19F7A-5B61-4C67-88A2-F3BD1D46C1A5}"/>
-              </a:ext>
-            </a:extLst>
-          </p:cNvPr>
-          <p:cNvSpPr>
-            <a:spLocks noGrp="1"/>
-          </p:cNvSpPr>
-          <p:nvPr>
-            <p:ph type="title"/>
-          </p:nvPr>
-        </p:nvSpPr>
-        <p:spPr>
-          <a:xfrm>
-            <a:off x="838200" y="365125"/>
-            <a:ext cx="10515600" cy="1325563"/>
-          </a:xfrm>
-        </p:spPr>
-        <p:txBody>
-          <a:bodyPr/>
-          <a:lstStyle/>
-          <a:p>
-            <a:r>
-              <a:rPr lang="en-US" altLang="ko-KR" dirty="0"/>
-              <a:t>Methods </a:t>
-            </a:r>
-            <a:r>
-              <a:rPr lang="ko-KR" altLang="en-US" dirty="0"/>
-              <a:t>쓰일 기술 스택들 </a:t>
-            </a:r>
-            <a:r>
-              <a:rPr lang="ko-KR" altLang="en-US" dirty="0" err="1"/>
-              <a:t>프론트엔드</a:t>
+              <a:t>Plan &amp; Effects</a:t>
             </a:r>
             <a:endParaRPr lang="ko-KR" altLang="en-US" dirty="0"/>
           </a:p>
         </p:txBody>
       </p:sp>
+      <p:graphicFrame>
+        <p:nvGraphicFramePr>
+          <p:cNvPr id="7" name="표 7">
+            <a:extLst>
+              <a:ext uri="{FF2B5EF4-FFF2-40B4-BE49-F238E27FC236}">
+                <a16:creationId xmlns:a16="http://schemas.microsoft.com/office/drawing/2014/main" id="{B80C3303-6643-40BA-B6EB-ADFE77BD7A8C}"/>
+              </a:ext>
+            </a:extLst>
+          </p:cNvPr>
+          <p:cNvGraphicFramePr>
+            <a:graphicFrameLocks noGrp="1"/>
+          </p:cNvGraphicFramePr>
+          <p:nvPr>
+            <p:ph idx="1"/>
+            <p:extLst>
+              <p:ext uri="{D42A27DB-BD31-4B8C-83A1-F6EECF244321}">
+                <p14:modId xmlns:p14="http://schemas.microsoft.com/office/powerpoint/2010/main" val="1337130386"/>
+              </p:ext>
+            </p:extLst>
+          </p:nvPr>
+        </p:nvGraphicFramePr>
+        <p:xfrm>
+          <a:off x="838200" y="1535504"/>
+          <a:ext cx="10515600" cy="4938579"/>
+        </p:xfrm>
+        <a:graphic>
+          <a:graphicData uri="http://schemas.openxmlformats.org/drawingml/2006/table">
+            <a:tbl>
+              <a:tblPr firstRow="1" bandRow="1">
+                <a:tableStyleId>{5C22544A-7EE6-4342-B048-85BDC9FD1C3A}</a:tableStyleId>
+              </a:tblPr>
+              <a:tblGrid>
+                <a:gridCol w="1752600">
+                  <a:extLst>
+                    <a:ext uri="{9D8B030D-6E8A-4147-A177-3AD203B41FA5}">
+                      <a16:colId xmlns:a16="http://schemas.microsoft.com/office/drawing/2014/main" val="4013395097"/>
+                    </a:ext>
+                  </a:extLst>
+                </a:gridCol>
+                <a:gridCol w="1752600">
+                  <a:extLst>
+                    <a:ext uri="{9D8B030D-6E8A-4147-A177-3AD203B41FA5}">
+                      <a16:colId xmlns:a16="http://schemas.microsoft.com/office/drawing/2014/main" val="3565969740"/>
+                    </a:ext>
+                  </a:extLst>
+                </a:gridCol>
+                <a:gridCol w="1752600">
+                  <a:extLst>
+                    <a:ext uri="{9D8B030D-6E8A-4147-A177-3AD203B41FA5}">
+                      <a16:colId xmlns:a16="http://schemas.microsoft.com/office/drawing/2014/main" val="958841226"/>
+                    </a:ext>
+                  </a:extLst>
+                </a:gridCol>
+                <a:gridCol w="1752600">
+                  <a:extLst>
+                    <a:ext uri="{9D8B030D-6E8A-4147-A177-3AD203B41FA5}">
+                      <a16:colId xmlns:a16="http://schemas.microsoft.com/office/drawing/2014/main" val="886997354"/>
+                    </a:ext>
+                  </a:extLst>
+                </a:gridCol>
+                <a:gridCol w="1752600">
+                  <a:extLst>
+                    <a:ext uri="{9D8B030D-6E8A-4147-A177-3AD203B41FA5}">
+                      <a16:colId xmlns:a16="http://schemas.microsoft.com/office/drawing/2014/main" val="289483170"/>
+                    </a:ext>
+                  </a:extLst>
+                </a:gridCol>
+                <a:gridCol w="1752600">
+                  <a:extLst>
+                    <a:ext uri="{9D8B030D-6E8A-4147-A177-3AD203B41FA5}">
+                      <a16:colId xmlns:a16="http://schemas.microsoft.com/office/drawing/2014/main" val="219788569"/>
+                    </a:ext>
+                  </a:extLst>
+                </a:gridCol>
+              </a:tblGrid>
+              <a:tr h="548731">
+                <a:tc>
+                  <a:txBody>
+                    <a:bodyPr/>
+                    <a:lstStyle/>
+                    <a:p>
+                      <a:pPr algn="ctr" latinLnBrk="1"/>
+                      <a:endParaRPr lang="ko-KR" altLang="en-US" dirty="0"/>
+                    </a:p>
+                  </a:txBody>
+                  <a:tcPr anchor="ctr"/>
+                </a:tc>
+                <a:tc>
+                  <a:txBody>
+                    <a:bodyPr/>
+                    <a:lstStyle/>
+                    <a:p>
+                      <a:pPr algn="ctr" latinLnBrk="1"/>
+                      <a:endParaRPr lang="ko-KR" altLang="en-US" dirty="0"/>
+                    </a:p>
+                  </a:txBody>
+                  <a:tcPr anchor="ctr"/>
+                </a:tc>
+                <a:tc>
+                  <a:txBody>
+                    <a:bodyPr/>
+                    <a:lstStyle/>
+                    <a:p>
+                      <a:pPr algn="ctr" latinLnBrk="1"/>
+                      <a:endParaRPr lang="ko-KR" altLang="en-US" dirty="0"/>
+                    </a:p>
+                  </a:txBody>
+                  <a:tcPr anchor="ctr"/>
+                </a:tc>
+                <a:tc>
+                  <a:txBody>
+                    <a:bodyPr/>
+                    <a:lstStyle/>
+                    <a:p>
+                      <a:pPr algn="ctr" latinLnBrk="1"/>
+                      <a:endParaRPr lang="ko-KR" altLang="en-US" dirty="0"/>
+                    </a:p>
+                  </a:txBody>
+                  <a:tcPr anchor="ctr"/>
+                </a:tc>
+                <a:tc>
+                  <a:txBody>
+                    <a:bodyPr/>
+                    <a:lstStyle/>
+                    <a:p>
+                      <a:pPr algn="ctr" latinLnBrk="1"/>
+                      <a:endParaRPr lang="ko-KR" altLang="en-US" dirty="0"/>
+                    </a:p>
+                  </a:txBody>
+                  <a:tcPr anchor="ctr"/>
+                </a:tc>
+                <a:tc>
+                  <a:txBody>
+                    <a:bodyPr/>
+                    <a:lstStyle/>
+                    <a:p>
+                      <a:pPr algn="ctr" latinLnBrk="1"/>
+                      <a:endParaRPr lang="ko-KR" altLang="en-US" dirty="0"/>
+                    </a:p>
+                  </a:txBody>
+                  <a:tcPr anchor="ctr"/>
+                </a:tc>
+                <a:extLst>
+                  <a:ext uri="{0D108BD9-81ED-4DB2-BD59-A6C34878D82A}">
+                    <a16:rowId xmlns:a16="http://schemas.microsoft.com/office/drawing/2014/main" val="2461258313"/>
+                  </a:ext>
+                </a:extLst>
+              </a:tr>
+              <a:tr h="548731">
+                <a:tc>
+                  <a:txBody>
+                    <a:bodyPr/>
+                    <a:lstStyle/>
+                    <a:p>
+                      <a:pPr algn="ctr" latinLnBrk="1"/>
+                      <a:endParaRPr lang="ko-KR" altLang="en-US" dirty="0"/>
+                    </a:p>
+                  </a:txBody>
+                  <a:tcPr anchor="ctr"/>
+                </a:tc>
+                <a:tc>
+                  <a:txBody>
+                    <a:bodyPr/>
+                    <a:lstStyle/>
+                    <a:p>
+                      <a:pPr algn="ctr" latinLnBrk="1"/>
+                      <a:endParaRPr lang="ko-KR" altLang="en-US" dirty="0"/>
+                    </a:p>
+                  </a:txBody>
+                  <a:tcPr anchor="ctr"/>
+                </a:tc>
+                <a:tc>
+                  <a:txBody>
+                    <a:bodyPr/>
+                    <a:lstStyle/>
+                    <a:p>
+                      <a:pPr algn="ctr" latinLnBrk="1"/>
+                      <a:endParaRPr lang="ko-KR" altLang="en-US" dirty="0"/>
+                    </a:p>
+                  </a:txBody>
+                  <a:tcPr anchor="ctr"/>
+                </a:tc>
+                <a:tc>
+                  <a:txBody>
+                    <a:bodyPr/>
+                    <a:lstStyle/>
+                    <a:p>
+                      <a:pPr algn="ctr" latinLnBrk="1"/>
+                      <a:endParaRPr lang="ko-KR" altLang="en-US" dirty="0"/>
+                    </a:p>
+                  </a:txBody>
+                  <a:tcPr anchor="ctr"/>
+                </a:tc>
+                <a:tc>
+                  <a:txBody>
+                    <a:bodyPr/>
+                    <a:lstStyle/>
+                    <a:p>
+                      <a:pPr algn="ctr" latinLnBrk="1"/>
+                      <a:endParaRPr lang="ko-KR" altLang="en-US"/>
+                    </a:p>
+                  </a:txBody>
+                  <a:tcPr anchor="ctr"/>
+                </a:tc>
+                <a:tc>
+                  <a:txBody>
+                    <a:bodyPr/>
+                    <a:lstStyle/>
+                    <a:p>
+                      <a:pPr algn="ctr" latinLnBrk="1"/>
+                      <a:endParaRPr lang="ko-KR" altLang="en-US"/>
+                    </a:p>
+                  </a:txBody>
+                  <a:tcPr anchor="ctr"/>
+                </a:tc>
+                <a:extLst>
+                  <a:ext uri="{0D108BD9-81ED-4DB2-BD59-A6C34878D82A}">
+                    <a16:rowId xmlns:a16="http://schemas.microsoft.com/office/drawing/2014/main" val="1624731853"/>
+                  </a:ext>
+                </a:extLst>
+              </a:tr>
+              <a:tr h="548731">
+                <a:tc>
+                  <a:txBody>
+                    <a:bodyPr/>
+                    <a:lstStyle/>
+                    <a:p>
+                      <a:pPr algn="ctr" latinLnBrk="1"/>
+                      <a:endParaRPr lang="ko-KR" altLang="en-US" dirty="0"/>
+                    </a:p>
+                  </a:txBody>
+                  <a:tcPr anchor="ctr"/>
+                </a:tc>
+                <a:tc>
+                  <a:txBody>
+                    <a:bodyPr/>
+                    <a:lstStyle/>
+                    <a:p>
+                      <a:pPr algn="ctr" latinLnBrk="1"/>
+                      <a:endParaRPr lang="ko-KR" altLang="en-US" dirty="0"/>
+                    </a:p>
+                  </a:txBody>
+                  <a:tcPr anchor="ctr"/>
+                </a:tc>
+                <a:tc>
+                  <a:txBody>
+                    <a:bodyPr/>
+                    <a:lstStyle/>
+                    <a:p>
+                      <a:pPr algn="ctr" latinLnBrk="1"/>
+                      <a:endParaRPr lang="ko-KR" altLang="en-US" dirty="0"/>
+                    </a:p>
+                  </a:txBody>
+                  <a:tcPr anchor="ctr"/>
+                </a:tc>
+                <a:tc>
+                  <a:txBody>
+                    <a:bodyPr/>
+                    <a:lstStyle/>
+                    <a:p>
+                      <a:pPr algn="ctr" latinLnBrk="1"/>
+                      <a:endParaRPr lang="ko-KR" altLang="en-US" dirty="0"/>
+                    </a:p>
+                  </a:txBody>
+                  <a:tcPr anchor="ctr"/>
+                </a:tc>
+                <a:tc>
+                  <a:txBody>
+                    <a:bodyPr/>
+                    <a:lstStyle/>
+                    <a:p>
+                      <a:pPr algn="ctr" latinLnBrk="1"/>
+                      <a:endParaRPr lang="ko-KR" altLang="en-US"/>
+                    </a:p>
+                  </a:txBody>
+                  <a:tcPr anchor="ctr"/>
+                </a:tc>
+                <a:tc>
+                  <a:txBody>
+                    <a:bodyPr/>
+                    <a:lstStyle/>
+                    <a:p>
+                      <a:pPr algn="ctr" latinLnBrk="1"/>
+                      <a:endParaRPr lang="ko-KR" altLang="en-US"/>
+                    </a:p>
+                  </a:txBody>
+                  <a:tcPr anchor="ctr"/>
+                </a:tc>
+                <a:extLst>
+                  <a:ext uri="{0D108BD9-81ED-4DB2-BD59-A6C34878D82A}">
+                    <a16:rowId xmlns:a16="http://schemas.microsoft.com/office/drawing/2014/main" val="3709917705"/>
+                  </a:ext>
+                </a:extLst>
+              </a:tr>
+              <a:tr h="548731">
+                <a:tc>
+                  <a:txBody>
+                    <a:bodyPr/>
+                    <a:lstStyle/>
+                    <a:p>
+                      <a:pPr algn="ctr" latinLnBrk="1"/>
+                      <a:endParaRPr lang="ko-KR" altLang="en-US"/>
+                    </a:p>
+                  </a:txBody>
+                  <a:tcPr anchor="ctr"/>
+                </a:tc>
+                <a:tc>
+                  <a:txBody>
+                    <a:bodyPr/>
+                    <a:lstStyle/>
+                    <a:p>
+                      <a:pPr algn="ctr" latinLnBrk="1"/>
+                      <a:endParaRPr lang="ko-KR" altLang="en-US" dirty="0"/>
+                    </a:p>
+                  </a:txBody>
+                  <a:tcPr anchor="ctr"/>
+                </a:tc>
+                <a:tc>
+                  <a:txBody>
+                    <a:bodyPr/>
+                    <a:lstStyle/>
+                    <a:p>
+                      <a:pPr algn="ctr" latinLnBrk="1"/>
+                      <a:endParaRPr lang="ko-KR" altLang="en-US" dirty="0"/>
+                    </a:p>
+                  </a:txBody>
+                  <a:tcPr anchor="ctr"/>
+                </a:tc>
+                <a:tc>
+                  <a:txBody>
+                    <a:bodyPr/>
+                    <a:lstStyle/>
+                    <a:p>
+                      <a:pPr algn="ctr" latinLnBrk="1"/>
+                      <a:endParaRPr lang="ko-KR" altLang="en-US" dirty="0"/>
+                    </a:p>
+                  </a:txBody>
+                  <a:tcPr anchor="ctr"/>
+                </a:tc>
+                <a:tc>
+                  <a:txBody>
+                    <a:bodyPr/>
+                    <a:lstStyle/>
+                    <a:p>
+                      <a:pPr algn="ctr" latinLnBrk="1"/>
+                      <a:endParaRPr lang="ko-KR" altLang="en-US" dirty="0"/>
+                    </a:p>
+                  </a:txBody>
+                  <a:tcPr anchor="ctr"/>
+                </a:tc>
+                <a:tc>
+                  <a:txBody>
+                    <a:bodyPr/>
+                    <a:lstStyle/>
+                    <a:p>
+                      <a:pPr algn="ctr" latinLnBrk="1"/>
+                      <a:endParaRPr lang="ko-KR" altLang="en-US"/>
+                    </a:p>
+                  </a:txBody>
+                  <a:tcPr anchor="ctr"/>
+                </a:tc>
+                <a:extLst>
+                  <a:ext uri="{0D108BD9-81ED-4DB2-BD59-A6C34878D82A}">
+                    <a16:rowId xmlns:a16="http://schemas.microsoft.com/office/drawing/2014/main" val="885778179"/>
+                  </a:ext>
+                </a:extLst>
+              </a:tr>
+              <a:tr h="548731">
+                <a:tc>
+                  <a:txBody>
+                    <a:bodyPr/>
+                    <a:lstStyle/>
+                    <a:p>
+                      <a:pPr algn="ctr" latinLnBrk="1"/>
+                      <a:endParaRPr lang="ko-KR" altLang="en-US"/>
+                    </a:p>
+                  </a:txBody>
+                  <a:tcPr anchor="ctr"/>
+                </a:tc>
+                <a:tc>
+                  <a:txBody>
+                    <a:bodyPr/>
+                    <a:lstStyle/>
+                    <a:p>
+                      <a:pPr algn="ctr" latinLnBrk="1"/>
+                      <a:endParaRPr lang="ko-KR" altLang="en-US"/>
+                    </a:p>
+                  </a:txBody>
+                  <a:tcPr anchor="ctr"/>
+                </a:tc>
+                <a:tc>
+                  <a:txBody>
+                    <a:bodyPr/>
+                    <a:lstStyle/>
+                    <a:p>
+                      <a:pPr algn="ctr" latinLnBrk="1"/>
+                      <a:endParaRPr lang="ko-KR" altLang="en-US" dirty="0"/>
+                    </a:p>
+                  </a:txBody>
+                  <a:tcPr anchor="ctr"/>
+                </a:tc>
+                <a:tc>
+                  <a:txBody>
+                    <a:bodyPr/>
+                    <a:lstStyle/>
+                    <a:p>
+                      <a:pPr algn="ctr" latinLnBrk="1"/>
+                      <a:endParaRPr lang="ko-KR" altLang="en-US" dirty="0"/>
+                    </a:p>
+                  </a:txBody>
+                  <a:tcPr anchor="ctr"/>
+                </a:tc>
+                <a:tc>
+                  <a:txBody>
+                    <a:bodyPr/>
+                    <a:lstStyle/>
+                    <a:p>
+                      <a:pPr algn="ctr" latinLnBrk="1"/>
+                      <a:endParaRPr lang="ko-KR" altLang="en-US" dirty="0"/>
+                    </a:p>
+                  </a:txBody>
+                  <a:tcPr anchor="ctr"/>
+                </a:tc>
+                <a:tc>
+                  <a:txBody>
+                    <a:bodyPr/>
+                    <a:lstStyle/>
+                    <a:p>
+                      <a:pPr algn="ctr" latinLnBrk="1"/>
+                      <a:endParaRPr lang="ko-KR" altLang="en-US" dirty="0"/>
+                    </a:p>
+                  </a:txBody>
+                  <a:tcPr anchor="ctr"/>
+                </a:tc>
+                <a:extLst>
+                  <a:ext uri="{0D108BD9-81ED-4DB2-BD59-A6C34878D82A}">
+                    <a16:rowId xmlns:a16="http://schemas.microsoft.com/office/drawing/2014/main" val="3768163880"/>
+                  </a:ext>
+                </a:extLst>
+              </a:tr>
+              <a:tr h="548731">
+                <a:tc>
+                  <a:txBody>
+                    <a:bodyPr/>
+                    <a:lstStyle/>
+                    <a:p>
+                      <a:pPr algn="ctr" latinLnBrk="1"/>
+                      <a:endParaRPr lang="ko-KR" altLang="en-US"/>
+                    </a:p>
+                  </a:txBody>
+                  <a:tcPr anchor="ctr"/>
+                </a:tc>
+                <a:tc>
+                  <a:txBody>
+                    <a:bodyPr/>
+                    <a:lstStyle/>
+                    <a:p>
+                      <a:pPr algn="ctr" latinLnBrk="1"/>
+                      <a:endParaRPr lang="ko-KR" altLang="en-US"/>
+                    </a:p>
+                  </a:txBody>
+                  <a:tcPr anchor="ctr"/>
+                </a:tc>
+                <a:tc>
+                  <a:txBody>
+                    <a:bodyPr/>
+                    <a:lstStyle/>
+                    <a:p>
+                      <a:pPr algn="ctr" latinLnBrk="1"/>
+                      <a:endParaRPr lang="ko-KR" altLang="en-US"/>
+                    </a:p>
+                  </a:txBody>
+                  <a:tcPr anchor="ctr"/>
+                </a:tc>
+                <a:tc>
+                  <a:txBody>
+                    <a:bodyPr/>
+                    <a:lstStyle/>
+                    <a:p>
+                      <a:pPr algn="ctr" latinLnBrk="1"/>
+                      <a:endParaRPr lang="ko-KR" altLang="en-US" dirty="0"/>
+                    </a:p>
+                  </a:txBody>
+                  <a:tcPr anchor="ctr"/>
+                </a:tc>
+                <a:tc>
+                  <a:txBody>
+                    <a:bodyPr/>
+                    <a:lstStyle/>
+                    <a:p>
+                      <a:pPr algn="ctr" latinLnBrk="1"/>
+                      <a:endParaRPr lang="ko-KR" altLang="en-US" dirty="0"/>
+                    </a:p>
+                  </a:txBody>
+                  <a:tcPr anchor="ctr"/>
+                </a:tc>
+                <a:tc>
+                  <a:txBody>
+                    <a:bodyPr/>
+                    <a:lstStyle/>
+                    <a:p>
+                      <a:pPr algn="ctr" latinLnBrk="1"/>
+                      <a:endParaRPr lang="ko-KR" altLang="en-US" dirty="0"/>
+                    </a:p>
+                  </a:txBody>
+                  <a:tcPr anchor="ctr"/>
+                </a:tc>
+                <a:extLst>
+                  <a:ext uri="{0D108BD9-81ED-4DB2-BD59-A6C34878D82A}">
+                    <a16:rowId xmlns:a16="http://schemas.microsoft.com/office/drawing/2014/main" val="1272447345"/>
+                  </a:ext>
+                </a:extLst>
+              </a:tr>
+              <a:tr h="548731">
+                <a:tc>
+                  <a:txBody>
+                    <a:bodyPr/>
+                    <a:lstStyle/>
+                    <a:p>
+                      <a:pPr algn="ctr" latinLnBrk="1"/>
+                      <a:endParaRPr lang="ko-KR" altLang="en-US" dirty="0"/>
+                    </a:p>
+                  </a:txBody>
+                  <a:tcPr anchor="ctr"/>
+                </a:tc>
+                <a:tc>
+                  <a:txBody>
+                    <a:bodyPr/>
+                    <a:lstStyle/>
+                    <a:p>
+                      <a:pPr algn="ctr" latinLnBrk="1"/>
+                      <a:endParaRPr lang="ko-KR" altLang="en-US" dirty="0"/>
+                    </a:p>
+                  </a:txBody>
+                  <a:tcPr anchor="ctr"/>
+                </a:tc>
+                <a:tc>
+                  <a:txBody>
+                    <a:bodyPr/>
+                    <a:lstStyle/>
+                    <a:p>
+                      <a:pPr algn="ctr" latinLnBrk="1"/>
+                      <a:endParaRPr lang="ko-KR" altLang="en-US" dirty="0"/>
+                    </a:p>
+                  </a:txBody>
+                  <a:tcPr anchor="ctr"/>
+                </a:tc>
+                <a:tc>
+                  <a:txBody>
+                    <a:bodyPr/>
+                    <a:lstStyle/>
+                    <a:p>
+                      <a:pPr algn="ctr" latinLnBrk="1"/>
+                      <a:endParaRPr lang="ko-KR" altLang="en-US" dirty="0"/>
+                    </a:p>
+                  </a:txBody>
+                  <a:tcPr anchor="ctr"/>
+                </a:tc>
+                <a:tc>
+                  <a:txBody>
+                    <a:bodyPr/>
+                    <a:lstStyle/>
+                    <a:p>
+                      <a:pPr algn="ctr" latinLnBrk="1"/>
+                      <a:endParaRPr lang="ko-KR" altLang="en-US" dirty="0"/>
+                    </a:p>
+                  </a:txBody>
+                  <a:tcPr anchor="ctr"/>
+                </a:tc>
+                <a:tc>
+                  <a:txBody>
+                    <a:bodyPr/>
+                    <a:lstStyle/>
+                    <a:p>
+                      <a:pPr algn="ctr" latinLnBrk="1"/>
+                      <a:endParaRPr lang="ko-KR" altLang="en-US" dirty="0"/>
+                    </a:p>
+                  </a:txBody>
+                  <a:tcPr anchor="ctr"/>
+                </a:tc>
+                <a:extLst>
+                  <a:ext uri="{0D108BD9-81ED-4DB2-BD59-A6C34878D82A}">
+                    <a16:rowId xmlns:a16="http://schemas.microsoft.com/office/drawing/2014/main" val="565131917"/>
+                  </a:ext>
+                </a:extLst>
+              </a:tr>
+              <a:tr h="548731">
+                <a:tc>
+                  <a:txBody>
+                    <a:bodyPr/>
+                    <a:lstStyle/>
+                    <a:p>
+                      <a:pPr algn="ctr" latinLnBrk="1"/>
+                      <a:endParaRPr lang="ko-KR" altLang="en-US" dirty="0"/>
+                    </a:p>
+                  </a:txBody>
+                  <a:tcPr anchor="ctr"/>
+                </a:tc>
+                <a:tc>
+                  <a:txBody>
+                    <a:bodyPr/>
+                    <a:lstStyle/>
+                    <a:p>
+                      <a:pPr algn="ctr" latinLnBrk="1"/>
+                      <a:endParaRPr lang="ko-KR" altLang="en-US" dirty="0"/>
+                    </a:p>
+                  </a:txBody>
+                  <a:tcPr anchor="ctr"/>
+                </a:tc>
+                <a:tc>
+                  <a:txBody>
+                    <a:bodyPr/>
+                    <a:lstStyle/>
+                    <a:p>
+                      <a:pPr algn="ctr" latinLnBrk="1"/>
+                      <a:endParaRPr lang="ko-KR" altLang="en-US" dirty="0"/>
+                    </a:p>
+                  </a:txBody>
+                  <a:tcPr anchor="ctr"/>
+                </a:tc>
+                <a:tc>
+                  <a:txBody>
+                    <a:bodyPr/>
+                    <a:lstStyle/>
+                    <a:p>
+                      <a:pPr algn="ctr" latinLnBrk="1"/>
+                      <a:endParaRPr lang="ko-KR" altLang="en-US" dirty="0"/>
+                    </a:p>
+                  </a:txBody>
+                  <a:tcPr anchor="ctr"/>
+                </a:tc>
+                <a:tc>
+                  <a:txBody>
+                    <a:bodyPr/>
+                    <a:lstStyle/>
+                    <a:p>
+                      <a:pPr algn="ctr" latinLnBrk="1"/>
+                      <a:endParaRPr lang="ko-KR" altLang="en-US" dirty="0"/>
+                    </a:p>
+                  </a:txBody>
+                  <a:tcPr anchor="ctr"/>
+                </a:tc>
+                <a:tc>
+                  <a:txBody>
+                    <a:bodyPr/>
+                    <a:lstStyle/>
+                    <a:p>
+                      <a:pPr algn="ctr" latinLnBrk="1"/>
+                      <a:endParaRPr lang="ko-KR" altLang="en-US" dirty="0"/>
+                    </a:p>
+                  </a:txBody>
+                  <a:tcPr anchor="ctr"/>
+                </a:tc>
+                <a:extLst>
+                  <a:ext uri="{0D108BD9-81ED-4DB2-BD59-A6C34878D82A}">
+                    <a16:rowId xmlns:a16="http://schemas.microsoft.com/office/drawing/2014/main" val="2615356161"/>
+                  </a:ext>
+                </a:extLst>
+              </a:tr>
+              <a:tr h="548731">
+                <a:tc>
+                  <a:txBody>
+                    <a:bodyPr/>
+                    <a:lstStyle/>
+                    <a:p>
+                      <a:pPr algn="ctr" latinLnBrk="1"/>
+                      <a:endParaRPr lang="ko-KR" altLang="en-US" dirty="0"/>
+                    </a:p>
+                  </a:txBody>
+                  <a:tcPr anchor="ctr"/>
+                </a:tc>
+                <a:tc>
+                  <a:txBody>
+                    <a:bodyPr/>
+                    <a:lstStyle/>
+                    <a:p>
+                      <a:pPr algn="ctr" latinLnBrk="1"/>
+                      <a:endParaRPr lang="ko-KR" altLang="en-US" dirty="0"/>
+                    </a:p>
+                  </a:txBody>
+                  <a:tcPr anchor="ctr"/>
+                </a:tc>
+                <a:tc>
+                  <a:txBody>
+                    <a:bodyPr/>
+                    <a:lstStyle/>
+                    <a:p>
+                      <a:pPr algn="ctr" latinLnBrk="1"/>
+                      <a:endParaRPr lang="ko-KR" altLang="en-US" dirty="0"/>
+                    </a:p>
+                  </a:txBody>
+                  <a:tcPr anchor="ctr"/>
+                </a:tc>
+                <a:tc>
+                  <a:txBody>
+                    <a:bodyPr/>
+                    <a:lstStyle/>
+                    <a:p>
+                      <a:pPr algn="ctr" latinLnBrk="1"/>
+                      <a:endParaRPr lang="ko-KR" altLang="en-US" dirty="0"/>
+                    </a:p>
+                  </a:txBody>
+                  <a:tcPr anchor="ctr"/>
+                </a:tc>
+                <a:tc>
+                  <a:txBody>
+                    <a:bodyPr/>
+                    <a:lstStyle/>
+                    <a:p>
+                      <a:pPr algn="ctr" latinLnBrk="1"/>
+                      <a:endParaRPr lang="ko-KR" altLang="en-US" dirty="0"/>
+                    </a:p>
+                  </a:txBody>
+                  <a:tcPr anchor="ctr"/>
+                </a:tc>
+                <a:tc>
+                  <a:txBody>
+                    <a:bodyPr/>
+                    <a:lstStyle/>
+                    <a:p>
+                      <a:pPr algn="ctr" latinLnBrk="1"/>
+                      <a:endParaRPr lang="ko-KR" altLang="en-US" dirty="0"/>
+                    </a:p>
+                  </a:txBody>
+                  <a:tcPr anchor="ctr"/>
+                </a:tc>
+                <a:extLst>
+                  <a:ext uri="{0D108BD9-81ED-4DB2-BD59-A6C34878D82A}">
+                    <a16:rowId xmlns:a16="http://schemas.microsoft.com/office/drawing/2014/main" val="624180639"/>
+                  </a:ext>
+                </a:extLst>
+              </a:tr>
+            </a:tbl>
+          </a:graphicData>
+        </a:graphic>
+      </p:graphicFrame>
     </p:spTree>
     <p:extLst>
       <p:ext uri="{BB962C8B-B14F-4D97-AF65-F5344CB8AC3E}">
-        <p14:creationId xmlns:p14="http://schemas.microsoft.com/office/powerpoint/2010/main" val="4083894149"/>
-      </p:ext>
-    </p:extLst>
-  </p:cSld>
-  <p:clrMapOvr>
-    <a:masterClrMapping/>
-  </p:clrMapOvr>
-</p:sld>
-</file>
-
-<file path=ppt/slides/slide9.xml><?xml version="1.0" encoding="utf-8"?>
-<p:sld xmlns:a="http://schemas.openxmlformats.org/drawingml/2006/main" xmlns:r="http://schemas.openxmlformats.org/officeDocument/2006/relationships" xmlns:p="http://schemas.openxmlformats.org/presentationml/2006/main">
-  <p:cSld>
-    <p:spTree>
-      <p:nvGrpSpPr>
-        <p:cNvPr id="1" name=""/>
-        <p:cNvGrpSpPr/>
-        <p:nvPr/>
-      </p:nvGrpSpPr>
-      <p:grpSpPr>
-        <a:xfrm>
-          <a:off x="0" y="0"/>
-          <a:ext cx="0" cy="0"/>
-          <a:chOff x="0" y="0"/>
-          <a:chExt cx="0" cy="0"/>
-        </a:xfrm>
-      </p:grpSpPr>
-      <p:sp>
-        <p:nvSpPr>
-          <p:cNvPr id="3" name="제목 2">
-            <a:extLst>
-              <a:ext uri="{FF2B5EF4-FFF2-40B4-BE49-F238E27FC236}">
-                <a16:creationId xmlns:a16="http://schemas.microsoft.com/office/drawing/2014/main" id="{21C19F7A-5B61-4C67-88A2-F3BD1D46C1A5}"/>
-              </a:ext>
-            </a:extLst>
-          </p:cNvPr>
-          <p:cNvSpPr>
-            <a:spLocks noGrp="1"/>
-          </p:cNvSpPr>
-          <p:nvPr>
-            <p:ph type="title"/>
-          </p:nvPr>
-        </p:nvSpPr>
-        <p:spPr>
-          <a:xfrm>
-            <a:off x="838200" y="365125"/>
-            <a:ext cx="10515600" cy="1325563"/>
-          </a:xfrm>
-        </p:spPr>
-        <p:txBody>
-          <a:bodyPr/>
-          <a:lstStyle/>
-          <a:p>
-            <a:r>
-              <a:rPr lang="en-US" altLang="ko-KR" dirty="0"/>
-              <a:t>Methods </a:t>
-            </a:r>
-            <a:r>
-              <a:rPr lang="ko-KR" altLang="en-US" dirty="0"/>
-              <a:t>쓰일 기술 스택들 </a:t>
-            </a:r>
-            <a:r>
-              <a:rPr lang="ko-KR" altLang="en-US" dirty="0" err="1"/>
-              <a:t>백엔드</a:t>
-            </a:r>
-            <a:r>
-              <a:rPr lang="ko-KR" altLang="en-US" dirty="0"/>
-              <a:t> 기술들</a:t>
-            </a:r>
-          </a:p>
-        </p:txBody>
-      </p:sp>
-    </p:spTree>
-    <p:extLst>
-      <p:ext uri="{BB962C8B-B14F-4D97-AF65-F5344CB8AC3E}">
-        <p14:creationId xmlns:p14="http://schemas.microsoft.com/office/powerpoint/2010/main" val="510731926"/>
+        <p14:creationId xmlns:p14="http://schemas.microsoft.com/office/powerpoint/2010/main" val="1552797185"/>
       </p:ext>
     </p:extLst>
   </p:cSld>
@@ -16497,299 +16449,4 @@
     </a:ext>
   </a:extLst>
 </a:theme>
-</file>
-
-<file path=ppt/theme/theme2.xml><?xml version="1.0" encoding="utf-8"?>
-<a:theme xmlns:a="http://schemas.openxmlformats.org/drawingml/2006/main" name="Office 테마">
-  <a:themeElements>
-    <a:clrScheme name="Office">
-      <a:dk1>
-        <a:sysClr val="windowText" lastClr="000000"/>
-      </a:dk1>
-      <a:lt1>
-        <a:sysClr val="window" lastClr="FFFFFF"/>
-      </a:lt1>
-      <a:dk2>
-        <a:srgbClr val="44546A"/>
-      </a:dk2>
-      <a:lt2>
-        <a:srgbClr val="E7E6E6"/>
-      </a:lt2>
-      <a:accent1>
-        <a:srgbClr val="4472C4"/>
-      </a:accent1>
-      <a:accent2>
-        <a:srgbClr val="ED7D31"/>
-      </a:accent2>
-      <a:accent3>
-        <a:srgbClr val="A5A5A5"/>
-      </a:accent3>
-      <a:accent4>
-        <a:srgbClr val="FFC000"/>
-      </a:accent4>
-      <a:accent5>
-        <a:srgbClr val="5B9BD5"/>
-      </a:accent5>
-      <a:accent6>
-        <a:srgbClr val="70AD47"/>
-      </a:accent6>
-      <a:hlink>
-        <a:srgbClr val="0563C1"/>
-      </a:hlink>
-      <a:folHlink>
-        <a:srgbClr val="954F72"/>
-      </a:folHlink>
-    </a:clrScheme>
-    <a:fontScheme name="Office">
-      <a:majorFont>
-        <a:latin typeface="맑은 고딕" panose="020F0302020204030204"/>
-        <a:ea typeface=""/>
-        <a:cs typeface=""/>
-        <a:font script="Jpan" typeface="游ゴシック Light"/>
-        <a:font script="Hang" typeface="맑은 고딕"/>
-        <a:font script="Hans" typeface="等线 Light"/>
-        <a:font script="Hant" typeface="新細明體"/>
-        <a:font script="Arab" typeface="Times New Roman"/>
-        <a:font script="Hebr" typeface="Times New Roman"/>
-        <a:font script="Thai" typeface="Angsana New"/>
-        <a:font script="Ethi" typeface="Nyala"/>
-        <a:font script="Beng" typeface="Vrinda"/>
-        <a:font script="Gujr" typeface="Shruti"/>
-        <a:font script="Khmr" typeface="MoolBoran"/>
-        <a:font script="Knda" typeface="Tunga"/>
-        <a:font script="Guru" typeface="Raavi"/>
-        <a:font script="Cans" typeface="Euphemia"/>
-        <a:font script="Cher" typeface="Plantagenet Cherokee"/>
-        <a:font script="Yiii" typeface="Microsoft Yi Baiti"/>
-        <a:font script="Tibt" typeface="Microsoft Himalaya"/>
-        <a:font script="Thaa" typeface="MV Boli"/>
-        <a:font script="Deva" typeface="Mangal"/>
-        <a:font script="Telu" typeface="Gautami"/>
-        <a:font script="Taml" typeface="Latha"/>
-        <a:font script="Syrc" typeface="Estrangelo Edessa"/>
-        <a:font script="Orya" typeface="Kalinga"/>
-        <a:font script="Mlym" typeface="Kartika"/>
-        <a:font script="Laoo" typeface="DokChampa"/>
-        <a:font script="Sinh" typeface="Iskoola Pota"/>
-        <a:font script="Mong" typeface="Mongolian Baiti"/>
-        <a:font script="Viet" typeface="Times New Roman"/>
-        <a:font script="Uigh" typeface="Microsoft Uighur"/>
-        <a:font script="Geor" typeface="Sylfaen"/>
-        <a:font script="Armn" typeface="Arial"/>
-        <a:font script="Bugi" typeface="Leelawadee UI"/>
-        <a:font script="Bopo" typeface="Microsoft JhengHei"/>
-        <a:font script="Java" typeface="Javanese Text"/>
-        <a:font script="Lisu" typeface="Segoe UI"/>
-        <a:font script="Mymr" typeface="Myanmar Text"/>
-        <a:font script="Nkoo" typeface="Ebrima"/>
-        <a:font script="Olck" typeface="Nirmala UI"/>
-        <a:font script="Osma" typeface="Ebrima"/>
-        <a:font script="Phag" typeface="Phagspa"/>
-        <a:font script="Syrn" typeface="Estrangelo Edessa"/>
-        <a:font script="Syrj" typeface="Estrangelo Edessa"/>
-        <a:font script="Syre" typeface="Estrangelo Edessa"/>
-        <a:font script="Sora" typeface="Nirmala UI"/>
-        <a:font script="Tale" typeface="Microsoft Tai Le"/>
-        <a:font script="Talu" typeface="Microsoft New Tai Lue"/>
-        <a:font script="Tfng" typeface="Ebrima"/>
-      </a:majorFont>
-      <a:minorFont>
-        <a:latin typeface="맑은 고딕" panose="020F0502020204030204"/>
-        <a:ea typeface=""/>
-        <a:cs typeface=""/>
-        <a:font script="Jpan" typeface="游ゴシック"/>
-        <a:font script="Hang" typeface="맑은 고딕"/>
-        <a:font script="Hans" typeface="等线"/>
-        <a:font script="Hant" typeface="新細明體"/>
-        <a:font script="Arab" typeface="Arial"/>
-        <a:font script="Hebr" typeface="Arial"/>
-        <a:font script="Thai" typeface="Cordia New"/>
-        <a:font script="Ethi" typeface="Nyala"/>
-        <a:font script="Beng" typeface="Vrinda"/>
-        <a:font script="Gujr" typeface="Shruti"/>
-        <a:font script="Khmr" typeface="DaunPenh"/>
-        <a:font script="Knda" typeface="Tunga"/>
-        <a:font script="Guru" typeface="Raavi"/>
-        <a:font script="Cans" typeface="Euphemia"/>
-        <a:font script="Cher" typeface="Plantagenet Cherokee"/>
-        <a:font script="Yiii" typeface="Microsoft Yi Baiti"/>
-        <a:font script="Tibt" typeface="Microsoft Himalaya"/>
-        <a:font script="Thaa" typeface="MV Boli"/>
-        <a:font script="Deva" typeface="Mangal"/>
-        <a:font script="Telu" typeface="Gautami"/>
-        <a:font script="Taml" typeface="Latha"/>
-        <a:font script="Syrc" typeface="Estrangelo Edessa"/>
-        <a:font script="Orya" typeface="Kalinga"/>
-        <a:font script="Mlym" typeface="Kartika"/>
-        <a:font script="Laoo" typeface="DokChampa"/>
-        <a:font script="Sinh" typeface="Iskoola Pota"/>
-        <a:font script="Mong" typeface="Mongolian Baiti"/>
-        <a:font script="Viet" typeface="Arial"/>
-        <a:font script="Uigh" typeface="Microsoft Uighur"/>
-        <a:font script="Geor" typeface="Sylfaen"/>
-        <a:font script="Armn" typeface="Arial"/>
-        <a:font script="Bugi" typeface="Leelawadee UI"/>
-        <a:font script="Bopo" typeface="Microsoft JhengHei"/>
-        <a:font script="Java" typeface="Javanese Text"/>
-        <a:font script="Lisu" typeface="Segoe UI"/>
-        <a:font script="Mymr" typeface="Myanmar Text"/>
-        <a:font script="Nkoo" typeface="Ebrima"/>
-        <a:font script="Olck" typeface="Nirmala UI"/>
-        <a:font script="Osma" typeface="Ebrima"/>
-        <a:font script="Phag" typeface="Phagspa"/>
-        <a:font script="Syrn" typeface="Estrangelo Edessa"/>
-        <a:font script="Syrj" typeface="Estrangelo Edessa"/>
-        <a:font script="Syre" typeface="Estrangelo Edessa"/>
-        <a:font script="Sora" typeface="Nirmala UI"/>
-        <a:font script="Tale" typeface="Microsoft Tai Le"/>
-        <a:font script="Talu" typeface="Microsoft New Tai Lue"/>
-        <a:font script="Tfng" typeface="Ebrima"/>
-      </a:minorFont>
-    </a:fontScheme>
-    <a:fmtScheme name="Office">
-      <a:fillStyleLst>
-        <a:solidFill>
-          <a:schemeClr val="phClr"/>
-        </a:solidFill>
-        <a:gradFill rotWithShape="1">
-          <a:gsLst>
-            <a:gs pos="0">
-              <a:schemeClr val="phClr">
-                <a:lumMod val="110000"/>
-                <a:satMod val="105000"/>
-                <a:tint val="67000"/>
-              </a:schemeClr>
-            </a:gs>
-            <a:gs pos="50000">
-              <a:schemeClr val="phClr">
-                <a:lumMod val="105000"/>
-                <a:satMod val="103000"/>
-                <a:tint val="73000"/>
-              </a:schemeClr>
-            </a:gs>
-            <a:gs pos="100000">
-              <a:schemeClr val="phClr">
-                <a:lumMod val="105000"/>
-                <a:satMod val="109000"/>
-                <a:tint val="81000"/>
-              </a:schemeClr>
-            </a:gs>
-          </a:gsLst>
-          <a:lin ang="5400000" scaled="0"/>
-        </a:gradFill>
-        <a:gradFill rotWithShape="1">
-          <a:gsLst>
-            <a:gs pos="0">
-              <a:schemeClr val="phClr">
-                <a:satMod val="103000"/>
-                <a:lumMod val="102000"/>
-                <a:tint val="94000"/>
-              </a:schemeClr>
-            </a:gs>
-            <a:gs pos="50000">
-              <a:schemeClr val="phClr">
-                <a:satMod val="110000"/>
-                <a:lumMod val="100000"/>
-                <a:shade val="100000"/>
-              </a:schemeClr>
-            </a:gs>
-            <a:gs pos="100000">
-              <a:schemeClr val="phClr">
-                <a:lumMod val="99000"/>
-                <a:satMod val="120000"/>
-                <a:shade val="78000"/>
-              </a:schemeClr>
-            </a:gs>
-          </a:gsLst>
-          <a:lin ang="5400000" scaled="0"/>
-        </a:gradFill>
-      </a:fillStyleLst>
-      <a:lnStyleLst>
-        <a:ln w="6350" cap="flat" cmpd="sng" algn="ctr">
-          <a:solidFill>
-            <a:schemeClr val="phClr"/>
-          </a:solidFill>
-          <a:prstDash val="solid"/>
-          <a:miter lim="800000"/>
-        </a:ln>
-        <a:ln w="12700" cap="flat" cmpd="sng" algn="ctr">
-          <a:solidFill>
-            <a:schemeClr val="phClr"/>
-          </a:solidFill>
-          <a:prstDash val="solid"/>
-          <a:miter lim="800000"/>
-        </a:ln>
-        <a:ln w="19050" cap="flat" cmpd="sng" algn="ctr">
-          <a:solidFill>
-            <a:schemeClr val="phClr"/>
-          </a:solidFill>
-          <a:prstDash val="solid"/>
-          <a:miter lim="800000"/>
-        </a:ln>
-      </a:lnStyleLst>
-      <a:effectStyleLst>
-        <a:effectStyle>
-          <a:effectLst/>
-        </a:effectStyle>
-        <a:effectStyle>
-          <a:effectLst/>
-        </a:effectStyle>
-        <a:effectStyle>
-          <a:effectLst>
-            <a:outerShdw blurRad="57150" dist="19050" dir="5400000" algn="ctr" rotWithShape="0">
-              <a:srgbClr val="000000">
-                <a:alpha val="63000"/>
-              </a:srgbClr>
-            </a:outerShdw>
-          </a:effectLst>
-        </a:effectStyle>
-      </a:effectStyleLst>
-      <a:bgFillStyleLst>
-        <a:solidFill>
-          <a:schemeClr val="phClr"/>
-        </a:solidFill>
-        <a:solidFill>
-          <a:schemeClr val="phClr">
-            <a:tint val="95000"/>
-            <a:satMod val="170000"/>
-          </a:schemeClr>
-        </a:solidFill>
-        <a:gradFill rotWithShape="1">
-          <a:gsLst>
-            <a:gs pos="0">
-              <a:schemeClr val="phClr">
-                <a:tint val="93000"/>
-                <a:satMod val="150000"/>
-                <a:shade val="98000"/>
-                <a:lumMod val="102000"/>
-              </a:schemeClr>
-            </a:gs>
-            <a:gs pos="50000">
-              <a:schemeClr val="phClr">
-                <a:tint val="98000"/>
-                <a:satMod val="130000"/>
-                <a:shade val="90000"/>
-                <a:lumMod val="103000"/>
-              </a:schemeClr>
-            </a:gs>
-            <a:gs pos="100000">
-              <a:schemeClr val="phClr">
-                <a:shade val="63000"/>
-                <a:satMod val="120000"/>
-              </a:schemeClr>
-            </a:gs>
-          </a:gsLst>
-          <a:lin ang="5400000" scaled="0"/>
-        </a:gradFill>
-      </a:bgFillStyleLst>
-    </a:fmtScheme>
-  </a:themeElements>
-  <a:objectDefaults/>
-  <a:extraClrSchemeLst/>
-  <a:extLst>
-    <a:ext uri="{05A4C25C-085E-4340-85A3-A5531E510DB2}">
-      <thm15:themeFamily xmlns:thm15="http://schemas.microsoft.com/office/thememl/2012/main" name="Office Theme" id="{62F939B6-93AF-4DB8-9C6B-D6C7DFDC589F}" vid="{4A3C46E8-61CC-4603-A589-7422A47A8E4A}"/>
-    </a:ext>
-  </a:extLst>
-</a:theme>
 </file>